--- a/Lab 4/Lab 4.pptx
+++ b/Lab 4/Lab 4.pptx
@@ -5,7 +5,7 @@
     <p:sldMasterId id="2147483648" r:id="rId1"/>
   </p:sldMasterIdLst>
   <p:notesMasterIdLst>
-    <p:notesMasterId r:id="rId44"/>
+    <p:notesMasterId r:id="rId48"/>
   </p:notesMasterIdLst>
   <p:sldIdLst>
     <p:sldId id="256" r:id="rId2"/>
@@ -49,7 +49,11 @@
     <p:sldId id="315" r:id="rId40"/>
     <p:sldId id="276" r:id="rId41"/>
     <p:sldId id="305" r:id="rId42"/>
-    <p:sldId id="278" r:id="rId43"/>
+    <p:sldId id="318" r:id="rId43"/>
+    <p:sldId id="317" r:id="rId44"/>
+    <p:sldId id="319" r:id="rId45"/>
+    <p:sldId id="320" r:id="rId46"/>
+    <p:sldId id="278" r:id="rId47"/>
   </p:sldIdLst>
   <p:sldSz cx="12192000" cy="6858000"/>
   <p:notesSz cx="6858000" cy="9144000"/>
@@ -250,7 +254,7 @@
           <a:p>
             <a:fld id="{F9BDF250-48C8-4E1C-A780-4C0AFF6E8487}" type="datetimeFigureOut">
               <a:rPr lang="en-US" smtClean="0"/>
-              <a:t>11/10/2023</a:t>
+              <a:t>11/15/2023</a:t>
             </a:fld>
             <a:endParaRPr lang="en-US"/>
           </a:p>
@@ -749,22 +753,63 @@
           <a:p>
             <a:r>
               <a:rPr lang="en-US" dirty="0"/>
-              <a:t>Now is a good time to talk about this: The Cortex M3 doesn’t have a fancy memory management unit (</a:t>
-            </a:r>
-            <a:r>
-              <a:rPr lang="en-US" b="1" dirty="0"/>
-              <a:t>MMU)</a:t>
-            </a:r>
+              <a:t>Note: Open PDF.</a:t>
+            </a:r>
+          </a:p>
+          <a:p>
             <a:r>
               <a:rPr lang="en-US" dirty="0"/>
-              <a:t> to get the physical address from the base and the offset of the “virtual address” (the virtual address in ARM is the logical address in x86). To get the physical address apply this very hard equation: </a:t>
+              <a:t>Note: Hyperlinks</a:t>
             </a:r>
           </a:p>
           <a:p>
             <a:r>
               <a:rPr lang="en-US" dirty="0"/>
-              <a:t>Physical address = base + offset.</a:t>
-            </a:r>
+              <a:t>Note:: CTRL+F</a:t>
+            </a:r>
+          </a:p>
+          <a:p>
+            <a:r>
+              <a:rPr lang="en-US" b="0" i="0" dirty="0">
+                <a:solidFill>
+                  <a:srgbClr val="202124"/>
+                </a:solidFill>
+                <a:effectLst/>
+                <a:latin typeface="Roboto" panose="02000000000000000000" pitchFamily="2" charset="0"/>
+              </a:rPr>
+              <a:t>memory map </a:t>
+            </a:r>
+            <a:r>
+              <a:rPr lang="en-US" b="0" i="0" dirty="0" err="1">
+                <a:solidFill>
+                  <a:srgbClr val="202124"/>
+                </a:solidFill>
+                <a:effectLst/>
+                <a:latin typeface="Roboto" panose="02000000000000000000" pitchFamily="2" charset="0"/>
+              </a:rPr>
+              <a:t>gpio</a:t>
+            </a:r>
+            <a:r>
+              <a:rPr lang="en-US" b="0" i="0" dirty="0">
+                <a:solidFill>
+                  <a:srgbClr val="202124"/>
+                </a:solidFill>
+                <a:effectLst/>
+                <a:latin typeface="Roboto" panose="02000000000000000000" pitchFamily="2" charset="0"/>
+              </a:rPr>
+              <a:t> registers </a:t>
+            </a:r>
+            <a:r>
+              <a:rPr lang="en-US" b="0" i="0" dirty="0" err="1">
+                <a:solidFill>
+                  <a:srgbClr val="202124"/>
+                </a:solidFill>
+                <a:effectLst/>
+                <a:latin typeface="Roboto" panose="02000000000000000000" pitchFamily="2" charset="0"/>
+              </a:rPr>
+              <a:t>iocfg</a:t>
+            </a:r>
+            <a:endParaRPr lang="en-US" dirty="0"/>
           </a:p>
         </p:txBody>
       </p:sp>
@@ -785,7 +830,7 @@
           <a:p>
             <a:fld id="{D1D7653F-5843-4E7E-B495-11B31E589C27}" type="slidenum">
               <a:rPr lang="en-US" smtClean="0"/>
-              <a:t>26</a:t>
+              <a:t>24</a:t>
             </a:fld>
             <a:endParaRPr lang="en-US"/>
           </a:p>
@@ -794,7 +839,7 @@
     </p:spTree>
     <p:extLst>
       <p:ext uri="{BB962C8B-B14F-4D97-AF65-F5344CB8AC3E}">
-        <p14:creationId xmlns:p14="http://schemas.microsoft.com/office/powerpoint/2010/main" val="59600948"/>
+        <p14:creationId xmlns:p14="http://schemas.microsoft.com/office/powerpoint/2010/main" val="2524712474"/>
       </p:ext>
     </p:extLst>
   </p:cSld>
@@ -850,7 +895,11 @@
           <a:p>
             <a:r>
               <a:rPr lang="en-US" dirty="0"/>
-              <a:t>We need to fix this.</a:t>
+              <a:t>Homa y3mlo example </a:t>
+            </a:r>
+            <a:r>
+              <a:rPr lang="en-US"/>
+              <a:t>b2a hena</a:t>
             </a:r>
           </a:p>
         </p:txBody>
@@ -872,7 +921,7 @@
           <a:p>
             <a:fld id="{D1D7653F-5843-4E7E-B495-11B31E589C27}" type="slidenum">
               <a:rPr lang="en-US" smtClean="0"/>
-              <a:t>30</a:t>
+              <a:t>25</a:t>
             </a:fld>
             <a:endParaRPr lang="en-US"/>
           </a:p>
@@ -881,7 +930,7 @@
     </p:spTree>
     <p:extLst>
       <p:ext uri="{BB962C8B-B14F-4D97-AF65-F5344CB8AC3E}">
-        <p14:creationId xmlns:p14="http://schemas.microsoft.com/office/powerpoint/2010/main" val="2888349703"/>
+        <p14:creationId xmlns:p14="http://schemas.microsoft.com/office/powerpoint/2010/main" val="720134945"/>
       </p:ext>
     </p:extLst>
   </p:cSld>
@@ -935,7 +984,24 @@
           <a:bodyPr/>
           <a:lstStyle/>
           <a:p>
-            <a:endParaRPr lang="en-US" dirty="0"/>
+            <a:r>
+              <a:rPr lang="en-US" dirty="0"/>
+              <a:t>Now is a good time to talk about this: The Cortex M3 doesn’t have a fancy memory management unit (</a:t>
+            </a:r>
+            <a:r>
+              <a:rPr lang="en-US" b="1" dirty="0"/>
+              <a:t>MMU)</a:t>
+            </a:r>
+            <a:r>
+              <a:rPr lang="en-US" dirty="0"/>
+              <a:t> to get the physical address from the base and the offset of the “virtual address” (the virtual address in ARM is the logical address in x86). To get the physical address apply this very hard equation: </a:t>
+            </a:r>
+          </a:p>
+          <a:p>
+            <a:r>
+              <a:rPr lang="en-US" dirty="0"/>
+              <a:t>Physical address = base + offset.</a:t>
+            </a:r>
           </a:p>
         </p:txBody>
       </p:sp>
@@ -956,7 +1022,7 @@
           <a:p>
             <a:fld id="{D1D7653F-5843-4E7E-B495-11B31E589C27}" type="slidenum">
               <a:rPr lang="en-US" smtClean="0"/>
-              <a:t>33</a:t>
+              <a:t>26</a:t>
             </a:fld>
             <a:endParaRPr lang="en-US"/>
           </a:p>
@@ -965,7 +1031,7 @@
     </p:spTree>
     <p:extLst>
       <p:ext uri="{BB962C8B-B14F-4D97-AF65-F5344CB8AC3E}">
-        <p14:creationId xmlns:p14="http://schemas.microsoft.com/office/powerpoint/2010/main" val="4170100963"/>
+        <p14:creationId xmlns:p14="http://schemas.microsoft.com/office/powerpoint/2010/main" val="59600948"/>
       </p:ext>
     </p:extLst>
   </p:cSld>
@@ -1019,6 +1085,198 @@
           <a:bodyPr/>
           <a:lstStyle/>
           <a:p>
+            <a:r>
+              <a:rPr lang="en-US" dirty="0"/>
+              <a:t>We need to fix this.</a:t>
+            </a:r>
+          </a:p>
+        </p:txBody>
+      </p:sp>
+      <p:sp>
+        <p:nvSpPr>
+          <p:cNvPr id="4" name="Slide Number Placeholder 3"/>
+          <p:cNvSpPr>
+            <a:spLocks noGrp="1"/>
+          </p:cNvSpPr>
+          <p:nvPr>
+            <p:ph type="sldNum" sz="quarter" idx="5"/>
+          </p:nvPr>
+        </p:nvSpPr>
+        <p:spPr/>
+        <p:txBody>
+          <a:bodyPr/>
+          <a:lstStyle/>
+          <a:p>
+            <a:fld id="{D1D7653F-5843-4E7E-B495-11B31E589C27}" type="slidenum">
+              <a:rPr lang="en-US" smtClean="0"/>
+              <a:t>30</a:t>
+            </a:fld>
+            <a:endParaRPr lang="en-US"/>
+          </a:p>
+        </p:txBody>
+      </p:sp>
+    </p:spTree>
+    <p:extLst>
+      <p:ext uri="{BB962C8B-B14F-4D97-AF65-F5344CB8AC3E}">
+        <p14:creationId xmlns:p14="http://schemas.microsoft.com/office/powerpoint/2010/main" val="2888349703"/>
+      </p:ext>
+    </p:extLst>
+  </p:cSld>
+  <p:clrMapOvr>
+    <a:masterClrMapping/>
+  </p:clrMapOvr>
+</p:notes>
+</file>
+
+<file path=ppt/notesSlides/notesSlide15.xml><?xml version="1.0" encoding="utf-8"?>
+<p:notes xmlns:a="http://schemas.openxmlformats.org/drawingml/2006/main" xmlns:r="http://schemas.openxmlformats.org/officeDocument/2006/relationships" xmlns:p="http://schemas.openxmlformats.org/presentationml/2006/main">
+  <p:cSld>
+    <p:spTree>
+      <p:nvGrpSpPr>
+        <p:cNvPr id="1" name=""/>
+        <p:cNvGrpSpPr/>
+        <p:nvPr/>
+      </p:nvGrpSpPr>
+      <p:grpSpPr>
+        <a:xfrm>
+          <a:off x="0" y="0"/>
+          <a:ext cx="0" cy="0"/>
+          <a:chOff x="0" y="0"/>
+          <a:chExt cx="0" cy="0"/>
+        </a:xfrm>
+      </p:grpSpPr>
+      <p:sp>
+        <p:nvSpPr>
+          <p:cNvPr id="2" name="Slide Image Placeholder 1"/>
+          <p:cNvSpPr>
+            <a:spLocks noGrp="1" noRot="1" noChangeAspect="1"/>
+          </p:cNvSpPr>
+          <p:nvPr>
+            <p:ph type="sldImg"/>
+          </p:nvPr>
+        </p:nvSpPr>
+        <p:spPr/>
+      </p:sp>
+      <p:sp>
+        <p:nvSpPr>
+          <p:cNvPr id="3" name="Notes Placeholder 2"/>
+          <p:cNvSpPr>
+            <a:spLocks noGrp="1"/>
+          </p:cNvSpPr>
+          <p:nvPr>
+            <p:ph type="body" idx="1"/>
+          </p:nvPr>
+        </p:nvSpPr>
+        <p:spPr/>
+        <p:txBody>
+          <a:bodyPr/>
+          <a:lstStyle/>
+          <a:p>
+            <a:r>
+              <a:rPr lang="en-US" dirty="0"/>
+              <a:t>FILE IMPORT</a:t>
+            </a:r>
+          </a:p>
+          <a:p>
+            <a:endParaRPr lang="en-US" dirty="0"/>
+          </a:p>
+          <a:p>
+            <a:r>
+              <a:rPr lang="en-US" dirty="0"/>
+              <a:t>PROJECT IMPORT</a:t>
+            </a:r>
+          </a:p>
+          <a:p>
+            <a:endParaRPr lang="en-US" dirty="0"/>
+          </a:p>
+          <a:p>
+            <a:r>
+              <a:rPr lang="en-US" dirty="0"/>
+              <a:t>NOT THE IMPORT ELE 3la EL SHEMAL</a:t>
+            </a:r>
+          </a:p>
+        </p:txBody>
+      </p:sp>
+      <p:sp>
+        <p:nvSpPr>
+          <p:cNvPr id="4" name="Slide Number Placeholder 3"/>
+          <p:cNvSpPr>
+            <a:spLocks noGrp="1"/>
+          </p:cNvSpPr>
+          <p:nvPr>
+            <p:ph type="sldNum" sz="quarter" idx="5"/>
+          </p:nvPr>
+        </p:nvSpPr>
+        <p:spPr/>
+        <p:txBody>
+          <a:bodyPr/>
+          <a:lstStyle/>
+          <a:p>
+            <a:fld id="{D1D7653F-5843-4E7E-B495-11B31E589C27}" type="slidenum">
+              <a:rPr lang="en-US" smtClean="0"/>
+              <a:t>33</a:t>
+            </a:fld>
+            <a:endParaRPr lang="en-US"/>
+          </a:p>
+        </p:txBody>
+      </p:sp>
+    </p:spTree>
+    <p:extLst>
+      <p:ext uri="{BB962C8B-B14F-4D97-AF65-F5344CB8AC3E}">
+        <p14:creationId xmlns:p14="http://schemas.microsoft.com/office/powerpoint/2010/main" val="4170100963"/>
+      </p:ext>
+    </p:extLst>
+  </p:cSld>
+  <p:clrMapOvr>
+    <a:masterClrMapping/>
+  </p:clrMapOvr>
+</p:notes>
+</file>
+
+<file path=ppt/notesSlides/notesSlide16.xml><?xml version="1.0" encoding="utf-8"?>
+<p:notes xmlns:a="http://schemas.openxmlformats.org/drawingml/2006/main" xmlns:r="http://schemas.openxmlformats.org/officeDocument/2006/relationships" xmlns:p="http://schemas.openxmlformats.org/presentationml/2006/main">
+  <p:cSld>
+    <p:spTree>
+      <p:nvGrpSpPr>
+        <p:cNvPr id="1" name=""/>
+        <p:cNvGrpSpPr/>
+        <p:nvPr/>
+      </p:nvGrpSpPr>
+      <p:grpSpPr>
+        <a:xfrm>
+          <a:off x="0" y="0"/>
+          <a:ext cx="0" cy="0"/>
+          <a:chOff x="0" y="0"/>
+          <a:chExt cx="0" cy="0"/>
+        </a:xfrm>
+      </p:grpSpPr>
+      <p:sp>
+        <p:nvSpPr>
+          <p:cNvPr id="2" name="Slide Image Placeholder 1"/>
+          <p:cNvSpPr>
+            <a:spLocks noGrp="1" noRot="1" noChangeAspect="1"/>
+          </p:cNvSpPr>
+          <p:nvPr>
+            <p:ph type="sldImg"/>
+          </p:nvPr>
+        </p:nvSpPr>
+        <p:spPr/>
+      </p:sp>
+      <p:sp>
+        <p:nvSpPr>
+          <p:cNvPr id="3" name="Notes Placeholder 2"/>
+          <p:cNvSpPr>
+            <a:spLocks noGrp="1"/>
+          </p:cNvSpPr>
+          <p:nvPr>
+            <p:ph type="body" idx="1"/>
+          </p:nvPr>
+        </p:nvSpPr>
+        <p:spPr/>
+        <p:txBody>
+          <a:bodyPr/>
+          <a:lstStyle/>
+          <a:p>
             <a:endParaRPr lang="en-US" dirty="0"/>
           </a:p>
         </p:txBody>
@@ -1059,7 +1317,7 @@
 </p:notes>
 </file>
 
-<file path=ppt/notesSlides/notesSlide15.xml><?xml version="1.0" encoding="utf-8"?>
+<file path=ppt/notesSlides/notesSlide17.xml><?xml version="1.0" encoding="utf-8"?>
 <p:notes xmlns:a="http://schemas.openxmlformats.org/drawingml/2006/main" xmlns:r="http://schemas.openxmlformats.org/officeDocument/2006/relationships" xmlns:p="http://schemas.openxmlformats.org/presentationml/2006/main">
   <p:cSld>
     <p:spTree>
@@ -2053,7 +2311,7 @@
           <a:p>
             <a:fld id="{1E12CF79-2930-41F5-8BEC-2BF6E4CF9B4F}" type="datetime1">
               <a:rPr lang="en-US" smtClean="0"/>
-              <a:t>11/10/2023</a:t>
+              <a:t>11/15/2023</a:t>
             </a:fld>
             <a:endParaRPr lang="en-US"/>
           </a:p>
@@ -2244,7 +2502,7 @@
           <a:p>
             <a:fld id="{0138604B-AA79-42ED-A1CB-6BF43A8DC463}" type="datetime1">
               <a:rPr lang="en-US" smtClean="0"/>
-              <a:t>11/10/2023</a:t>
+              <a:t>11/15/2023</a:t>
             </a:fld>
             <a:endParaRPr lang="en-US"/>
           </a:p>
@@ -2467,7 +2725,7 @@
           <a:p>
             <a:fld id="{FD9718E7-6E62-4B3C-A6F4-D2B24614BD8A}" type="datetime1">
               <a:rPr lang="en-US" smtClean="0"/>
-              <a:t>11/10/2023</a:t>
+              <a:t>11/15/2023</a:t>
             </a:fld>
             <a:endParaRPr lang="en-US"/>
           </a:p>
@@ -2728,7 +2986,7 @@
           <a:p>
             <a:fld id="{26F88083-A109-4E29-8EE8-0B6003BFF49E}" type="datetime1">
               <a:rPr lang="en-US" smtClean="0"/>
-              <a:t>11/10/2023</a:t>
+              <a:t>11/15/2023</a:t>
             </a:fld>
             <a:endParaRPr lang="en-US"/>
           </a:p>
@@ -3039,7 +3297,7 @@
           <a:p>
             <a:fld id="{31DECE91-5876-4BC3-80A4-216BE3DB55B6}" type="datetime1">
               <a:rPr lang="en-US" smtClean="0"/>
-              <a:t>11/10/2023</a:t>
+              <a:t>11/15/2023</a:t>
             </a:fld>
             <a:endParaRPr lang="en-US"/>
           </a:p>
@@ -3384,7 +3642,7 @@
           <a:p>
             <a:fld id="{A7B6EC4A-D021-414F-9B5D-12053FEF7AFA}" type="datetime1">
               <a:rPr lang="en-US" smtClean="0"/>
-              <a:t>11/10/2023</a:t>
+              <a:t>11/15/2023</a:t>
             </a:fld>
             <a:endParaRPr lang="en-US"/>
           </a:p>
@@ -3879,7 +4137,7 @@
           <a:p>
             <a:fld id="{E7DA25DA-3090-499B-856F-F708ECA8EF8B}" type="datetime1">
               <a:rPr lang="en-US" smtClean="0"/>
-              <a:t>11/10/2023</a:t>
+              <a:t>11/15/2023</a:t>
             </a:fld>
             <a:endParaRPr lang="en-US"/>
           </a:p>
@@ -4060,7 +4318,7 @@
           <a:p>
             <a:fld id="{4F90618B-1632-49AF-AA6B-3D637F82AC54}" type="datetime1">
               <a:rPr lang="en-US" smtClean="0"/>
-              <a:t>11/10/2023</a:t>
+              <a:t>11/15/2023</a:t>
             </a:fld>
             <a:endParaRPr lang="en-US"/>
           </a:p>
@@ -4188,7 +4446,7 @@
           <a:p>
             <a:fld id="{A1FB3665-41EA-4F71-AB38-BF4B0098B48F}" type="datetime1">
               <a:rPr lang="en-US" smtClean="0"/>
-              <a:t>11/10/2023</a:t>
+              <a:t>11/15/2023</a:t>
             </a:fld>
             <a:endParaRPr lang="en-US"/>
           </a:p>
@@ -4522,7 +4780,7 @@
           <a:p>
             <a:fld id="{87A4A1DB-B6B0-47CA-BA95-952FE07916E8}" type="datetime1">
               <a:rPr lang="en-US" smtClean="0"/>
-              <a:t>11/10/2023</a:t>
+              <a:t>11/15/2023</a:t>
             </a:fld>
             <a:endParaRPr lang="en-US"/>
           </a:p>
@@ -4828,7 +5086,7 @@
           <a:p>
             <a:fld id="{DE2CBA01-5ECE-4D04-965C-C9F4C73B78D8}" type="datetime1">
               <a:rPr lang="en-US" smtClean="0"/>
-              <a:t>11/10/2023</a:t>
+              <a:t>11/15/2023</a:t>
             </a:fld>
             <a:endParaRPr lang="en-US"/>
           </a:p>
@@ -5090,7 +5348,7 @@
           <a:p>
             <a:fld id="{70435843-FC91-4363-9D9C-6CA1E24B367F}" type="datetime1">
               <a:rPr lang="en-US" smtClean="0"/>
-              <a:t>11/10/2023</a:t>
+              <a:t>11/15/2023</a:t>
             </a:fld>
             <a:endParaRPr lang="en-US"/>
           </a:p>
@@ -11707,7 +11965,7 @@
 </file>
 
 <file path=ppt/slides/slide24.xml><?xml version="1.0" encoding="utf-8"?>
-<p:sld xmlns:a="http://schemas.openxmlformats.org/drawingml/2006/main" xmlns:r="http://schemas.openxmlformats.org/officeDocument/2006/relationships" xmlns:p="http://schemas.openxmlformats.org/presentationml/2006/main">
+<p:sld xmlns:a="http://schemas.openxmlformats.org/drawingml/2006/main" xmlns:r="http://schemas.openxmlformats.org/officeDocument/2006/relationships" xmlns:p="http://schemas.openxmlformats.org/presentationml/2006/main" show="0">
   <p:cSld>
     <p:spTree>
       <p:nvGrpSpPr>
@@ -11832,7 +12090,7 @@
           <p:nvPr/>
         </p:nvPicPr>
         <p:blipFill>
-          <a:blip r:embed="rId2"/>
+          <a:blip r:embed="rId3"/>
           <a:stretch>
             <a:fillRect/>
           </a:stretch>
@@ -18172,13 +18430,13 @@
   <p:clrMapOvr>
     <a:masterClrMapping/>
   </p:clrMapOvr>
-  <mc:AlternateContent xmlns:mc="http://schemas.openxmlformats.org/markup-compatibility/2006">
-    <mc:Choice xmlns:p14="http://schemas.microsoft.com/office/powerpoint/2010/main" Requires="p14">
+  <mc:AlternateContent xmlns:mc="http://schemas.openxmlformats.org/markup-compatibility/2006" xmlns:p14="http://schemas.microsoft.com/office/powerpoint/2010/main">
+    <mc:Choice Requires="p14">
       <p:transition spd="med" p14:dur="700">
         <p:fade/>
       </p:transition>
     </mc:Choice>
-    <mc:Fallback>
+    <mc:Fallback xmlns="">
       <p:transition spd="med">
         <p:fade/>
       </p:transition>
@@ -19271,10 +19529,10 @@
       </p:grpSpPr>
       <p:sp>
         <p:nvSpPr>
-          <p:cNvPr id="2" name="Title 1">
-            <a:extLst>
-              <a:ext uri="{FF2B5EF4-FFF2-40B4-BE49-F238E27FC236}">
-                <a16:creationId xmlns:a16="http://schemas.microsoft.com/office/drawing/2014/main" id="{703F1FDE-C726-CCD2-1B3C-B055DF86EB64}"/>
+          <p:cNvPr id="6" name="Title 5">
+            <a:extLst>
+              <a:ext uri="{FF2B5EF4-FFF2-40B4-BE49-F238E27FC236}">
+                <a16:creationId xmlns:a16="http://schemas.microsoft.com/office/drawing/2014/main" id="{70199654-0E61-EA2B-795F-CFBFB19C7719}"/>
               </a:ext>
             </a:extLst>
           </p:cNvPr>
@@ -19291,17 +19549,13 @@
           <a:lstStyle/>
           <a:p>
             <a:r>
-              <a:rPr lang="en-US" dirty="0"/>
-              <a:t>Thank </a:t>
-            </a:r>
-            <a:r>
               <a:rPr lang="en-US" i="1" dirty="0">
                 <a:solidFill>
                   <a:srgbClr val="00B0F0"/>
                 </a:solidFill>
                 <a:latin typeface="Cascadia Code PL Light" panose="020B0609020000020004" pitchFamily="49" charset="0"/>
               </a:rPr>
-              <a:t>you.</a:t>
+              <a:t>Hint!</a:t>
             </a:r>
           </a:p>
         </p:txBody>
@@ -19311,7 +19565,7 @@
           <p:cNvPr id="4" name="Footer Placeholder 3">
             <a:extLst>
               <a:ext uri="{FF2B5EF4-FFF2-40B4-BE49-F238E27FC236}">
-                <a16:creationId xmlns:a16="http://schemas.microsoft.com/office/drawing/2014/main" id="{F0293BCD-EEE5-E4E7-E263-95704E35B647}"/>
+                <a16:creationId xmlns:a16="http://schemas.microsoft.com/office/drawing/2014/main" id="{545C6F26-5D36-F9EC-94DF-1FF91BEAC00F}"/>
               </a:ext>
             </a:extLst>
           </p:cNvPr>
@@ -19340,7 +19594,7 @@
           <p:cNvPr id="5" name="Slide Number Placeholder 4">
             <a:extLst>
               <a:ext uri="{FF2B5EF4-FFF2-40B4-BE49-F238E27FC236}">
-                <a16:creationId xmlns:a16="http://schemas.microsoft.com/office/drawing/2014/main" id="{28C28A27-D205-3FD4-074C-F6ED9BE3BF71}"/>
+                <a16:creationId xmlns:a16="http://schemas.microsoft.com/office/drawing/2014/main" id="{C3BE70B4-B99C-CEFF-9877-B4D09B1C0E01}"/>
               </a:ext>
             </a:extLst>
           </p:cNvPr>
@@ -19358,7 +19612,5742 @@
           <a:p>
             <a:fld id="{2FEB4479-D22B-484D-8CD5-C4BFA81D8A5B}" type="slidenum">
               <a:rPr lang="en-US" smtClean="0"/>
+              <a:pPr/>
               <a:t>42</a:t>
+            </a:fld>
+            <a:endParaRPr lang="en-US" dirty="0"/>
+          </a:p>
+        </p:txBody>
+      </p:sp>
+    </p:spTree>
+    <p:extLst>
+      <p:ext uri="{BB962C8B-B14F-4D97-AF65-F5344CB8AC3E}">
+        <p14:creationId xmlns:p14="http://schemas.microsoft.com/office/powerpoint/2010/main" val="4000431074"/>
+      </p:ext>
+    </p:extLst>
+  </p:cSld>
+  <p:clrMapOvr>
+    <a:masterClrMapping/>
+  </p:clrMapOvr>
+  <mc:AlternateContent xmlns:mc="http://schemas.openxmlformats.org/markup-compatibility/2006" xmlns:p14="http://schemas.microsoft.com/office/powerpoint/2010/main">
+    <mc:Choice Requires="p14">
+      <p:transition spd="med" p14:dur="700">
+        <p:fade/>
+      </p:transition>
+    </mc:Choice>
+    <mc:Fallback xmlns="">
+      <p:transition spd="med">
+        <p:fade/>
+      </p:transition>
+    </mc:Fallback>
+  </mc:AlternateContent>
+</p:sld>
+</file>
+
+<file path=ppt/slides/slide43.xml><?xml version="1.0" encoding="utf-8"?>
+<p:sld xmlns:a="http://schemas.openxmlformats.org/drawingml/2006/main" xmlns:r="http://schemas.openxmlformats.org/officeDocument/2006/relationships" xmlns:p="http://schemas.openxmlformats.org/presentationml/2006/main">
+  <p:cSld>
+    <p:spTree>
+      <p:nvGrpSpPr>
+        <p:cNvPr id="1" name=""/>
+        <p:cNvGrpSpPr/>
+        <p:nvPr/>
+      </p:nvGrpSpPr>
+      <p:grpSpPr>
+        <a:xfrm>
+          <a:off x="0" y="0"/>
+          <a:ext cx="0" cy="0"/>
+          <a:chOff x="0" y="0"/>
+          <a:chExt cx="0" cy="0"/>
+        </a:xfrm>
+      </p:grpSpPr>
+      <p:sp>
+        <p:nvSpPr>
+          <p:cNvPr id="4" name="Footer Placeholder 3">
+            <a:extLst>
+              <a:ext uri="{FF2B5EF4-FFF2-40B4-BE49-F238E27FC236}">
+                <a16:creationId xmlns:a16="http://schemas.microsoft.com/office/drawing/2014/main" id="{F05CD97F-94EC-79B3-2910-195A66C1E7A9}"/>
+              </a:ext>
+            </a:extLst>
+          </p:cNvPr>
+          <p:cNvSpPr>
+            <a:spLocks noGrp="1"/>
+          </p:cNvSpPr>
+          <p:nvPr>
+            <p:ph type="ftr" sz="quarter" idx="11"/>
+          </p:nvPr>
+        </p:nvSpPr>
+        <p:spPr/>
+        <p:txBody>
+          <a:bodyPr/>
+          <a:lstStyle/>
+          <a:p>
+            <a:r>
+              <a:rPr lang="en-US"/>
+              <a:t>CMPS-201</a:t>
+            </a:r>
+            <a:endParaRPr lang="en-US" dirty="0"/>
+          </a:p>
+        </p:txBody>
+      </p:sp>
+      <p:sp>
+        <p:nvSpPr>
+          <p:cNvPr id="5" name="Slide Number Placeholder 4">
+            <a:extLst>
+              <a:ext uri="{FF2B5EF4-FFF2-40B4-BE49-F238E27FC236}">
+                <a16:creationId xmlns:a16="http://schemas.microsoft.com/office/drawing/2014/main" id="{5E06CDDE-042A-94FB-7441-0AE8F2D5E21A}"/>
+              </a:ext>
+            </a:extLst>
+          </p:cNvPr>
+          <p:cNvSpPr>
+            <a:spLocks noGrp="1"/>
+          </p:cNvSpPr>
+          <p:nvPr>
+            <p:ph type="sldNum" sz="quarter" idx="12"/>
+          </p:nvPr>
+        </p:nvSpPr>
+        <p:spPr/>
+        <p:txBody>
+          <a:bodyPr/>
+          <a:lstStyle/>
+          <a:p>
+            <a:fld id="{2FEB4479-D22B-484D-8CD5-C4BFA81D8A5B}" type="slidenum">
+              <a:rPr lang="en-US" smtClean="0"/>
+              <a:pPr/>
+              <a:t>43</a:t>
+            </a:fld>
+            <a:endParaRPr lang="en-US" dirty="0"/>
+          </a:p>
+        </p:txBody>
+      </p:sp>
+      <p:sp>
+        <p:nvSpPr>
+          <p:cNvPr id="6" name="Oval 5">
+            <a:extLst>
+              <a:ext uri="{FF2B5EF4-FFF2-40B4-BE49-F238E27FC236}">
+                <a16:creationId xmlns:a16="http://schemas.microsoft.com/office/drawing/2014/main" id="{43896FC0-35A0-BAAC-B1D1-8371DC1AE3CE}"/>
+              </a:ext>
+            </a:extLst>
+          </p:cNvPr>
+          <p:cNvSpPr/>
+          <p:nvPr/>
+        </p:nvSpPr>
+        <p:spPr>
+          <a:xfrm>
+            <a:off x="9223600" y="302586"/>
+            <a:ext cx="1185038" cy="478364"/>
+          </a:xfrm>
+          <a:prstGeom prst="ellipse">
+            <a:avLst/>
+          </a:prstGeom>
+          <a:ln>
+            <a:noFill/>
+          </a:ln>
+        </p:spPr>
+        <p:style>
+          <a:lnRef idx="2">
+            <a:schemeClr val="accent1">
+              <a:shade val="15000"/>
+            </a:schemeClr>
+          </a:lnRef>
+          <a:fillRef idx="1">
+            <a:schemeClr val="accent1"/>
+          </a:fillRef>
+          <a:effectRef idx="0">
+            <a:schemeClr val="accent1"/>
+          </a:effectRef>
+          <a:fontRef idx="minor">
+            <a:schemeClr val="lt1"/>
+          </a:fontRef>
+        </p:style>
+        <p:txBody>
+          <a:bodyPr rtlCol="0" anchor="ctr"/>
+          <a:lstStyle/>
+          <a:p>
+            <a:pPr algn="ctr"/>
+            <a:r>
+              <a:rPr lang="en-US" b="1" dirty="0"/>
+              <a:t>START</a:t>
+            </a:r>
+          </a:p>
+        </p:txBody>
+      </p:sp>
+      <p:grpSp>
+        <p:nvGrpSpPr>
+          <p:cNvPr id="15" name="Group 14">
+            <a:extLst>
+              <a:ext uri="{FF2B5EF4-FFF2-40B4-BE49-F238E27FC236}">
+                <a16:creationId xmlns:a16="http://schemas.microsoft.com/office/drawing/2014/main" id="{58A4D724-347B-7D96-75FF-674117C5CF86}"/>
+              </a:ext>
+            </a:extLst>
+          </p:cNvPr>
+          <p:cNvGrpSpPr/>
+          <p:nvPr/>
+        </p:nvGrpSpPr>
+        <p:grpSpPr>
+          <a:xfrm>
+            <a:off x="8435386" y="1317875"/>
+            <a:ext cx="2761465" cy="2304845"/>
+            <a:chOff x="7533563" y="1801504"/>
+            <a:chExt cx="3466531" cy="2893325"/>
+          </a:xfrm>
+        </p:grpSpPr>
+        <p:sp>
+          <p:nvSpPr>
+            <p:cNvPr id="10" name="Rectangle 9">
+              <a:extLst>
+                <a:ext uri="{FF2B5EF4-FFF2-40B4-BE49-F238E27FC236}">
+                  <a16:creationId xmlns:a16="http://schemas.microsoft.com/office/drawing/2014/main" id="{B5E0A5DA-A017-B8B7-6E35-CF49DEE76132}"/>
+                </a:ext>
+              </a:extLst>
+            </p:cNvPr>
+            <p:cNvSpPr/>
+            <p:nvPr/>
+          </p:nvSpPr>
+          <p:spPr>
+            <a:xfrm>
+              <a:off x="7533563" y="1801504"/>
+              <a:ext cx="3466531" cy="2893325"/>
+            </a:xfrm>
+            <a:prstGeom prst="rect">
+              <a:avLst/>
+            </a:prstGeom>
+            <a:solidFill>
+              <a:srgbClr val="FFFFFF"/>
+            </a:solidFill>
+            <a:ln>
+              <a:noFill/>
+            </a:ln>
+          </p:spPr>
+          <p:style>
+            <a:lnRef idx="2">
+              <a:schemeClr val="accent1">
+                <a:shade val="15000"/>
+              </a:schemeClr>
+            </a:lnRef>
+            <a:fillRef idx="1">
+              <a:schemeClr val="accent1"/>
+            </a:fillRef>
+            <a:effectRef idx="0">
+              <a:schemeClr val="accent1"/>
+            </a:effectRef>
+            <a:fontRef idx="minor">
+              <a:schemeClr val="lt1"/>
+            </a:fontRef>
+          </p:style>
+          <p:txBody>
+            <a:bodyPr rtlCol="0" anchor="ctr"/>
+            <a:lstStyle/>
+            <a:p>
+              <a:pPr algn="ctr"/>
+              <a:endParaRPr lang="en-US" b="1"/>
+            </a:p>
+          </p:txBody>
+        </p:sp>
+        <p:sp>
+          <p:nvSpPr>
+            <p:cNvPr id="7" name="Rectangle 6">
+              <a:extLst>
+                <a:ext uri="{FF2B5EF4-FFF2-40B4-BE49-F238E27FC236}">
+                  <a16:creationId xmlns:a16="http://schemas.microsoft.com/office/drawing/2014/main" id="{89C7F1EE-0C33-FF2E-C6CD-B174BC5DB5FE}"/>
+                </a:ext>
+              </a:extLst>
+            </p:cNvPr>
+            <p:cNvSpPr/>
+            <p:nvPr/>
+          </p:nvSpPr>
+          <p:spPr>
+            <a:xfrm>
+              <a:off x="7860540" y="2102255"/>
+              <a:ext cx="2812576" cy="629431"/>
+            </a:xfrm>
+            <a:prstGeom prst="rect">
+              <a:avLst/>
+            </a:prstGeom>
+            <a:ln>
+              <a:noFill/>
+            </a:ln>
+          </p:spPr>
+          <p:style>
+            <a:lnRef idx="2">
+              <a:schemeClr val="accent1">
+                <a:shade val="15000"/>
+              </a:schemeClr>
+            </a:lnRef>
+            <a:fillRef idx="1">
+              <a:schemeClr val="accent1"/>
+            </a:fillRef>
+            <a:effectRef idx="0">
+              <a:schemeClr val="accent1"/>
+            </a:effectRef>
+            <a:fontRef idx="minor">
+              <a:schemeClr val="lt1"/>
+            </a:fontRef>
+          </p:style>
+          <p:txBody>
+            <a:bodyPr rtlCol="0" anchor="ctr"/>
+            <a:lstStyle/>
+            <a:p>
+              <a:pPr algn="ctr"/>
+              <a:r>
+                <a:rPr lang="en-US" b="1" dirty="0"/>
+                <a:t>Set Green LED </a:t>
+              </a:r>
+              <a:r>
+                <a:rPr lang="en-US" sz="1800" b="1" dirty="0"/>
+                <a:t>→</a:t>
+              </a:r>
+              <a:r>
+                <a:rPr lang="en-US" b="1" dirty="0">
+                  <a:latin typeface="MS Shell Dlg 2" panose="020B0604030504040204" pitchFamily="34" charset="0"/>
+                </a:rPr>
+                <a:t> </a:t>
+              </a:r>
+              <a:r>
+                <a:rPr lang="en-US" b="1" dirty="0"/>
+                <a:t>Output</a:t>
+              </a:r>
+            </a:p>
+          </p:txBody>
+        </p:sp>
+        <p:sp>
+          <p:nvSpPr>
+            <p:cNvPr id="8" name="Rectangle 7">
+              <a:extLst>
+                <a:ext uri="{FF2B5EF4-FFF2-40B4-BE49-F238E27FC236}">
+                  <a16:creationId xmlns:a16="http://schemas.microsoft.com/office/drawing/2014/main" id="{4BC2F6E4-ABCE-45A1-4F81-C5FC44500167}"/>
+                </a:ext>
+              </a:extLst>
+            </p:cNvPr>
+            <p:cNvSpPr/>
+            <p:nvPr/>
+          </p:nvSpPr>
+          <p:spPr>
+            <a:xfrm>
+              <a:off x="7860540" y="2933450"/>
+              <a:ext cx="2812576" cy="629431"/>
+            </a:xfrm>
+            <a:prstGeom prst="rect">
+              <a:avLst/>
+            </a:prstGeom>
+            <a:ln>
+              <a:noFill/>
+            </a:ln>
+          </p:spPr>
+          <p:style>
+            <a:lnRef idx="2">
+              <a:schemeClr val="accent1">
+                <a:shade val="15000"/>
+              </a:schemeClr>
+            </a:lnRef>
+            <a:fillRef idx="1">
+              <a:schemeClr val="accent1"/>
+            </a:fillRef>
+            <a:effectRef idx="0">
+              <a:schemeClr val="accent1"/>
+            </a:effectRef>
+            <a:fontRef idx="minor">
+              <a:schemeClr val="lt1"/>
+            </a:fontRef>
+          </p:style>
+          <p:txBody>
+            <a:bodyPr rtlCol="0" anchor="ctr"/>
+            <a:lstStyle/>
+            <a:p>
+              <a:pPr algn="ctr"/>
+              <a:r>
+                <a:rPr lang="en-US" b="1" dirty="0"/>
+                <a:t>Set Red LED </a:t>
+              </a:r>
+              <a:r>
+                <a:rPr lang="en-US" sz="1800" b="1" dirty="0"/>
+                <a:t>→</a:t>
+              </a:r>
+              <a:r>
+                <a:rPr lang="en-US" b="1" dirty="0">
+                  <a:latin typeface="MS Shell Dlg 2" panose="020B0604030504040204" pitchFamily="34" charset="0"/>
+                </a:rPr>
+                <a:t> </a:t>
+              </a:r>
+              <a:r>
+                <a:rPr lang="en-US" b="1" dirty="0"/>
+                <a:t>Output</a:t>
+              </a:r>
+            </a:p>
+          </p:txBody>
+        </p:sp>
+        <p:sp>
+          <p:nvSpPr>
+            <p:cNvPr id="9" name="Rectangle 8">
+              <a:extLst>
+                <a:ext uri="{FF2B5EF4-FFF2-40B4-BE49-F238E27FC236}">
+                  <a16:creationId xmlns:a16="http://schemas.microsoft.com/office/drawing/2014/main" id="{0E925F92-0F44-7466-1AD7-2323EE0E23C1}"/>
+                </a:ext>
+              </a:extLst>
+            </p:cNvPr>
+            <p:cNvSpPr/>
+            <p:nvPr/>
+          </p:nvSpPr>
+          <p:spPr>
+            <a:xfrm>
+              <a:off x="7860540" y="3814139"/>
+              <a:ext cx="2812576" cy="629431"/>
+            </a:xfrm>
+            <a:prstGeom prst="rect">
+              <a:avLst/>
+            </a:prstGeom>
+            <a:ln>
+              <a:noFill/>
+            </a:ln>
+          </p:spPr>
+          <p:style>
+            <a:lnRef idx="2">
+              <a:schemeClr val="accent1">
+                <a:shade val="15000"/>
+              </a:schemeClr>
+            </a:lnRef>
+            <a:fillRef idx="1">
+              <a:schemeClr val="accent1"/>
+            </a:fillRef>
+            <a:effectRef idx="0">
+              <a:schemeClr val="accent1"/>
+            </a:effectRef>
+            <a:fontRef idx="minor">
+              <a:schemeClr val="lt1"/>
+            </a:fontRef>
+          </p:style>
+          <p:txBody>
+            <a:bodyPr rtlCol="0" anchor="ctr"/>
+            <a:lstStyle/>
+            <a:p>
+              <a:pPr algn="ctr"/>
+              <a:r>
+                <a:rPr lang="en-US" b="1" dirty="0"/>
+                <a:t>Set Button 1 </a:t>
+              </a:r>
+              <a:r>
+                <a:rPr lang="en-US" sz="1800" b="1" dirty="0"/>
+                <a:t>→ </a:t>
+              </a:r>
+              <a:r>
+                <a:rPr lang="en-US" b="1" dirty="0"/>
+                <a:t>Input</a:t>
+              </a:r>
+            </a:p>
+          </p:txBody>
+        </p:sp>
+      </p:grpSp>
+      <p:cxnSp>
+        <p:nvCxnSpPr>
+          <p:cNvPr id="14" name="Straight Arrow Connector 13">
+            <a:extLst>
+              <a:ext uri="{FF2B5EF4-FFF2-40B4-BE49-F238E27FC236}">
+                <a16:creationId xmlns:a16="http://schemas.microsoft.com/office/drawing/2014/main" id="{1DCA3C89-68AC-4CC3-8100-27265039CEF2}"/>
+              </a:ext>
+            </a:extLst>
+          </p:cNvPr>
+          <p:cNvCxnSpPr>
+            <a:stCxn id="6" idx="4"/>
+            <a:endCxn id="10" idx="0"/>
+          </p:cNvCxnSpPr>
+          <p:nvPr/>
+        </p:nvCxnSpPr>
+        <p:spPr>
+          <a:xfrm>
+            <a:off x="9816119" y="780950"/>
+            <a:ext cx="0" cy="536925"/>
+          </a:xfrm>
+          <a:prstGeom prst="straightConnector1">
+            <a:avLst/>
+          </a:prstGeom>
+          <a:ln w="76200">
+            <a:tailEnd type="triangle"/>
+          </a:ln>
+        </p:spPr>
+        <p:style>
+          <a:lnRef idx="1">
+            <a:schemeClr val="dk1"/>
+          </a:lnRef>
+          <a:fillRef idx="0">
+            <a:schemeClr val="dk1"/>
+          </a:fillRef>
+          <a:effectRef idx="0">
+            <a:schemeClr val="dk1"/>
+          </a:effectRef>
+          <a:fontRef idx="minor">
+            <a:schemeClr val="tx1"/>
+          </a:fontRef>
+        </p:style>
+      </p:cxnSp>
+      <p:sp>
+        <p:nvSpPr>
+          <p:cNvPr id="16" name="Rectangle 15">
+            <a:extLst>
+              <a:ext uri="{FF2B5EF4-FFF2-40B4-BE49-F238E27FC236}">
+                <a16:creationId xmlns:a16="http://schemas.microsoft.com/office/drawing/2014/main" id="{5DDA6BB5-DBA9-A31A-C8CA-807C4AA0AE76}"/>
+              </a:ext>
+            </a:extLst>
+          </p:cNvPr>
+          <p:cNvSpPr/>
+          <p:nvPr/>
+        </p:nvSpPr>
+        <p:spPr>
+          <a:xfrm>
+            <a:off x="6056888" y="2224481"/>
+            <a:ext cx="1433014" cy="501410"/>
+          </a:xfrm>
+          <a:prstGeom prst="rect">
+            <a:avLst/>
+          </a:prstGeom>
+          <a:solidFill>
+            <a:srgbClr val="FF0000"/>
+          </a:solidFill>
+          <a:ln>
+            <a:noFill/>
+          </a:ln>
+        </p:spPr>
+        <p:style>
+          <a:lnRef idx="2">
+            <a:schemeClr val="accent2">
+              <a:shade val="15000"/>
+            </a:schemeClr>
+          </a:lnRef>
+          <a:fillRef idx="1">
+            <a:schemeClr val="accent2"/>
+          </a:fillRef>
+          <a:effectRef idx="0">
+            <a:schemeClr val="accent2"/>
+          </a:effectRef>
+          <a:fontRef idx="minor">
+            <a:schemeClr val="lt1"/>
+          </a:fontRef>
+        </p:style>
+        <p:txBody>
+          <a:bodyPr rtlCol="0" anchor="ctr"/>
+          <a:lstStyle/>
+          <a:p>
+            <a:pPr algn="ctr"/>
+            <a:r>
+              <a:rPr lang="en-US" b="1" dirty="0"/>
+              <a:t>Turn Red LED ON</a:t>
+            </a:r>
+          </a:p>
+        </p:txBody>
+      </p:sp>
+      <p:cxnSp>
+        <p:nvCxnSpPr>
+          <p:cNvPr id="18" name="Straight Arrow Connector 17">
+            <a:extLst>
+              <a:ext uri="{FF2B5EF4-FFF2-40B4-BE49-F238E27FC236}">
+                <a16:creationId xmlns:a16="http://schemas.microsoft.com/office/drawing/2014/main" id="{732B08B9-5D04-858A-4581-584917610ADD}"/>
+              </a:ext>
+            </a:extLst>
+          </p:cNvPr>
+          <p:cNvCxnSpPr>
+            <a:cxnSpLocks/>
+            <a:stCxn id="10" idx="1"/>
+            <a:endCxn id="16" idx="3"/>
+          </p:cNvCxnSpPr>
+          <p:nvPr/>
+        </p:nvCxnSpPr>
+        <p:spPr>
+          <a:xfrm flipH="1">
+            <a:off x="7489902" y="2470298"/>
+            <a:ext cx="945484" cy="4888"/>
+          </a:xfrm>
+          <a:prstGeom prst="straightConnector1">
+            <a:avLst/>
+          </a:prstGeom>
+          <a:ln w="76200">
+            <a:tailEnd type="triangle"/>
+          </a:ln>
+        </p:spPr>
+        <p:style>
+          <a:lnRef idx="1">
+            <a:schemeClr val="dk1"/>
+          </a:lnRef>
+          <a:fillRef idx="0">
+            <a:schemeClr val="dk1"/>
+          </a:fillRef>
+          <a:effectRef idx="0">
+            <a:schemeClr val="dk1"/>
+          </a:effectRef>
+          <a:fontRef idx="minor">
+            <a:schemeClr val="tx1"/>
+          </a:fontRef>
+        </p:style>
+      </p:cxnSp>
+      <p:sp>
+        <p:nvSpPr>
+          <p:cNvPr id="21" name="Rectangle 20">
+            <a:extLst>
+              <a:ext uri="{FF2B5EF4-FFF2-40B4-BE49-F238E27FC236}">
+                <a16:creationId xmlns:a16="http://schemas.microsoft.com/office/drawing/2014/main" id="{ADBD9ACC-4957-987D-9E56-F95777AE5AD8}"/>
+              </a:ext>
+            </a:extLst>
+          </p:cNvPr>
+          <p:cNvSpPr/>
+          <p:nvPr/>
+        </p:nvSpPr>
+        <p:spPr>
+          <a:xfrm>
+            <a:off x="3821418" y="2074915"/>
+            <a:ext cx="1433014" cy="790765"/>
+          </a:xfrm>
+          <a:prstGeom prst="rect">
+            <a:avLst/>
+          </a:prstGeom>
+          <a:solidFill>
+            <a:srgbClr val="7030A0"/>
+          </a:solidFill>
+          <a:ln>
+            <a:noFill/>
+          </a:ln>
+        </p:spPr>
+        <p:style>
+          <a:lnRef idx="2">
+            <a:schemeClr val="accent1">
+              <a:shade val="15000"/>
+            </a:schemeClr>
+          </a:lnRef>
+          <a:fillRef idx="1">
+            <a:schemeClr val="accent1"/>
+          </a:fillRef>
+          <a:effectRef idx="0">
+            <a:schemeClr val="accent1"/>
+          </a:effectRef>
+          <a:fontRef idx="minor">
+            <a:schemeClr val="lt1"/>
+          </a:fontRef>
+        </p:style>
+        <p:txBody>
+          <a:bodyPr rtlCol="0" anchor="ctr"/>
+          <a:lstStyle/>
+          <a:p>
+            <a:pPr algn="ctr"/>
+            <a:r>
+              <a:rPr lang="en-US" b="1" dirty="0"/>
+              <a:t>Read Button</a:t>
+            </a:r>
+          </a:p>
+        </p:txBody>
+      </p:sp>
+      <p:cxnSp>
+        <p:nvCxnSpPr>
+          <p:cNvPr id="23" name="Straight Arrow Connector 22">
+            <a:extLst>
+              <a:ext uri="{FF2B5EF4-FFF2-40B4-BE49-F238E27FC236}">
+                <a16:creationId xmlns:a16="http://schemas.microsoft.com/office/drawing/2014/main" id="{4D41B8A8-BB42-3DC0-9E4E-6917D4859504}"/>
+              </a:ext>
+            </a:extLst>
+          </p:cNvPr>
+          <p:cNvCxnSpPr>
+            <a:cxnSpLocks/>
+            <a:stCxn id="16" idx="1"/>
+            <a:endCxn id="21" idx="3"/>
+          </p:cNvCxnSpPr>
+          <p:nvPr/>
+        </p:nvCxnSpPr>
+        <p:spPr>
+          <a:xfrm flipH="1" flipV="1">
+            <a:off x="5254432" y="2470298"/>
+            <a:ext cx="802456" cy="4888"/>
+          </a:xfrm>
+          <a:prstGeom prst="straightConnector1">
+            <a:avLst/>
+          </a:prstGeom>
+          <a:ln w="76200">
+            <a:tailEnd type="triangle"/>
+          </a:ln>
+        </p:spPr>
+        <p:style>
+          <a:lnRef idx="1">
+            <a:schemeClr val="dk1"/>
+          </a:lnRef>
+          <a:fillRef idx="0">
+            <a:schemeClr val="dk1"/>
+          </a:fillRef>
+          <a:effectRef idx="0">
+            <a:schemeClr val="dk1"/>
+          </a:effectRef>
+          <a:fontRef idx="minor">
+            <a:schemeClr val="tx1"/>
+          </a:fontRef>
+        </p:style>
+      </p:cxnSp>
+      <p:cxnSp>
+        <p:nvCxnSpPr>
+          <p:cNvPr id="29" name="Straight Arrow Connector 28">
+            <a:extLst>
+              <a:ext uri="{FF2B5EF4-FFF2-40B4-BE49-F238E27FC236}">
+                <a16:creationId xmlns:a16="http://schemas.microsoft.com/office/drawing/2014/main" id="{43672B77-7EB2-9B2E-1D56-6794B8ED909D}"/>
+              </a:ext>
+            </a:extLst>
+          </p:cNvPr>
+          <p:cNvCxnSpPr>
+            <a:stCxn id="21" idx="1"/>
+            <a:endCxn id="27" idx="3"/>
+          </p:cNvCxnSpPr>
+          <p:nvPr/>
+        </p:nvCxnSpPr>
+        <p:spPr>
+          <a:xfrm flipH="1" flipV="1">
+            <a:off x="2734404" y="2470297"/>
+            <a:ext cx="1087014" cy="1"/>
+          </a:xfrm>
+          <a:prstGeom prst="straightConnector1">
+            <a:avLst/>
+          </a:prstGeom>
+          <a:ln w="76200">
+            <a:tailEnd type="triangle"/>
+          </a:ln>
+        </p:spPr>
+        <p:style>
+          <a:lnRef idx="1">
+            <a:schemeClr val="dk1"/>
+          </a:lnRef>
+          <a:fillRef idx="0">
+            <a:schemeClr val="dk1"/>
+          </a:fillRef>
+          <a:effectRef idx="0">
+            <a:schemeClr val="dk1"/>
+          </a:effectRef>
+          <a:fontRef idx="minor">
+            <a:schemeClr val="tx1"/>
+          </a:fontRef>
+        </p:style>
+      </p:cxnSp>
+      <p:cxnSp>
+        <p:nvCxnSpPr>
+          <p:cNvPr id="39" name="Connector: Elbow 38">
+            <a:extLst>
+              <a:ext uri="{FF2B5EF4-FFF2-40B4-BE49-F238E27FC236}">
+                <a16:creationId xmlns:a16="http://schemas.microsoft.com/office/drawing/2014/main" id="{F7BDFF55-EE27-5F35-C59B-1EC3E0AB8CEA}"/>
+              </a:ext>
+            </a:extLst>
+          </p:cNvPr>
+          <p:cNvCxnSpPr>
+            <a:cxnSpLocks/>
+            <a:stCxn id="27" idx="0"/>
+            <a:endCxn id="21" idx="0"/>
+          </p:cNvCxnSpPr>
+          <p:nvPr/>
+        </p:nvCxnSpPr>
+        <p:spPr>
+          <a:xfrm rot="16200000" flipH="1">
+            <a:off x="3005532" y="542523"/>
+            <a:ext cx="142918" cy="2921867"/>
+          </a:xfrm>
+          <a:prstGeom prst="bentConnector3">
+            <a:avLst>
+              <a:gd name="adj1" fmla="val -330028"/>
+            </a:avLst>
+          </a:prstGeom>
+          <a:ln w="76200">
+            <a:tailEnd type="triangle"/>
+          </a:ln>
+        </p:spPr>
+        <p:style>
+          <a:lnRef idx="1">
+            <a:schemeClr val="dk1"/>
+          </a:lnRef>
+          <a:fillRef idx="0">
+            <a:schemeClr val="dk1"/>
+          </a:fillRef>
+          <a:effectRef idx="0">
+            <a:schemeClr val="dk1"/>
+          </a:effectRef>
+          <a:fontRef idx="minor">
+            <a:schemeClr val="tx1"/>
+          </a:fontRef>
+        </p:style>
+      </p:cxnSp>
+      <p:sp>
+        <p:nvSpPr>
+          <p:cNvPr id="41" name="TextBox 40">
+            <a:extLst>
+              <a:ext uri="{FF2B5EF4-FFF2-40B4-BE49-F238E27FC236}">
+                <a16:creationId xmlns:a16="http://schemas.microsoft.com/office/drawing/2014/main" id="{2E524AD0-5CDE-F90F-99E6-FA21CB889678}"/>
+              </a:ext>
+            </a:extLst>
+          </p:cNvPr>
+          <p:cNvSpPr txBox="1"/>
+          <p:nvPr/>
+        </p:nvSpPr>
+        <p:spPr>
+          <a:xfrm>
+            <a:off x="2870039" y="1084057"/>
+            <a:ext cx="555584" cy="369332"/>
+          </a:xfrm>
+          <a:prstGeom prst="rect">
+            <a:avLst/>
+          </a:prstGeom>
+          <a:noFill/>
+        </p:spPr>
+        <p:txBody>
+          <a:bodyPr wrap="square" rtlCol="0">
+            <a:spAutoFit/>
+          </a:bodyPr>
+          <a:lstStyle/>
+          <a:p>
+            <a:r>
+              <a:rPr lang="en-US" b="1" dirty="0"/>
+              <a:t>NO</a:t>
+            </a:r>
+          </a:p>
+        </p:txBody>
+      </p:sp>
+      <p:grpSp>
+        <p:nvGrpSpPr>
+          <p:cNvPr id="47" name="Group 46">
+            <a:extLst>
+              <a:ext uri="{FF2B5EF4-FFF2-40B4-BE49-F238E27FC236}">
+                <a16:creationId xmlns:a16="http://schemas.microsoft.com/office/drawing/2014/main" id="{BE0B30AE-8579-F01C-BDF8-A1579C182774}"/>
+              </a:ext>
+            </a:extLst>
+          </p:cNvPr>
+          <p:cNvGrpSpPr/>
+          <p:nvPr/>
+        </p:nvGrpSpPr>
+        <p:grpSpPr>
+          <a:xfrm>
+            <a:off x="2256097" y="4571929"/>
+            <a:ext cx="1781537" cy="1585804"/>
+            <a:chOff x="497711" y="4079958"/>
+            <a:chExt cx="2979504" cy="1955215"/>
+          </a:xfrm>
+        </p:grpSpPr>
+        <p:sp>
+          <p:nvSpPr>
+            <p:cNvPr id="44" name="Rectangle 43">
+              <a:extLst>
+                <a:ext uri="{FF2B5EF4-FFF2-40B4-BE49-F238E27FC236}">
+                  <a16:creationId xmlns:a16="http://schemas.microsoft.com/office/drawing/2014/main" id="{36E8A820-BC03-521D-AC08-C31C65D6DDA2}"/>
+                </a:ext>
+              </a:extLst>
+            </p:cNvPr>
+            <p:cNvSpPr/>
+            <p:nvPr/>
+          </p:nvSpPr>
+          <p:spPr>
+            <a:xfrm>
+              <a:off x="497711" y="4079958"/>
+              <a:ext cx="2979504" cy="1955215"/>
+            </a:xfrm>
+            <a:prstGeom prst="rect">
+              <a:avLst/>
+            </a:prstGeom>
+            <a:solidFill>
+              <a:schemeClr val="bg1"/>
+            </a:solidFill>
+            <a:ln>
+              <a:noFill/>
+            </a:ln>
+          </p:spPr>
+          <p:style>
+            <a:lnRef idx="2">
+              <a:schemeClr val="accent1">
+                <a:shade val="15000"/>
+              </a:schemeClr>
+            </a:lnRef>
+            <a:fillRef idx="1">
+              <a:schemeClr val="accent1"/>
+            </a:fillRef>
+            <a:effectRef idx="0">
+              <a:schemeClr val="accent1"/>
+            </a:effectRef>
+            <a:fontRef idx="minor">
+              <a:schemeClr val="lt1"/>
+            </a:fontRef>
+          </p:style>
+          <p:txBody>
+            <a:bodyPr rtlCol="0" anchor="ctr"/>
+            <a:lstStyle/>
+            <a:p>
+              <a:pPr algn="ctr"/>
+              <a:endParaRPr lang="en-US" dirty="0"/>
+            </a:p>
+          </p:txBody>
+        </p:sp>
+        <p:sp>
+          <p:nvSpPr>
+            <p:cNvPr id="42" name="Rectangle 41">
+              <a:extLst>
+                <a:ext uri="{FF2B5EF4-FFF2-40B4-BE49-F238E27FC236}">
+                  <a16:creationId xmlns:a16="http://schemas.microsoft.com/office/drawing/2014/main" id="{0545AA7D-6C37-BC25-FE09-BB1C5DA3BEF3}"/>
+                </a:ext>
+              </a:extLst>
+            </p:cNvPr>
+            <p:cNvSpPr/>
+            <p:nvPr/>
+          </p:nvSpPr>
+          <p:spPr>
+            <a:xfrm>
+              <a:off x="873474" y="4350506"/>
+              <a:ext cx="2240519" cy="626243"/>
+            </a:xfrm>
+            <a:prstGeom prst="rect">
+              <a:avLst/>
+            </a:prstGeom>
+            <a:ln>
+              <a:noFill/>
+            </a:ln>
+          </p:spPr>
+          <p:style>
+            <a:lnRef idx="2">
+              <a:schemeClr val="accent6">
+                <a:shade val="15000"/>
+              </a:schemeClr>
+            </a:lnRef>
+            <a:fillRef idx="1">
+              <a:schemeClr val="accent6"/>
+            </a:fillRef>
+            <a:effectRef idx="0">
+              <a:schemeClr val="accent6"/>
+            </a:effectRef>
+            <a:fontRef idx="minor">
+              <a:schemeClr val="lt1"/>
+            </a:fontRef>
+          </p:style>
+          <p:txBody>
+            <a:bodyPr rtlCol="0" anchor="ctr"/>
+            <a:lstStyle/>
+            <a:p>
+              <a:pPr algn="ctr"/>
+              <a:r>
+                <a:rPr lang="en-US" b="1" dirty="0"/>
+                <a:t>Toggle Green LED</a:t>
+              </a:r>
+            </a:p>
+          </p:txBody>
+        </p:sp>
+        <p:sp>
+          <p:nvSpPr>
+            <p:cNvPr id="43" name="Rectangle 42">
+              <a:extLst>
+                <a:ext uri="{FF2B5EF4-FFF2-40B4-BE49-F238E27FC236}">
+                  <a16:creationId xmlns:a16="http://schemas.microsoft.com/office/drawing/2014/main" id="{1EA5B6A4-5171-C784-088F-0E24662BBF3C}"/>
+                </a:ext>
+              </a:extLst>
+            </p:cNvPr>
+            <p:cNvSpPr/>
+            <p:nvPr/>
+          </p:nvSpPr>
+          <p:spPr>
+            <a:xfrm>
+              <a:off x="873474" y="5137477"/>
+              <a:ext cx="2240519" cy="626243"/>
+            </a:xfrm>
+            <a:prstGeom prst="rect">
+              <a:avLst/>
+            </a:prstGeom>
+            <a:ln>
+              <a:noFill/>
+            </a:ln>
+          </p:spPr>
+          <p:style>
+            <a:lnRef idx="2">
+              <a:schemeClr val="accent6">
+                <a:shade val="15000"/>
+              </a:schemeClr>
+            </a:lnRef>
+            <a:fillRef idx="1">
+              <a:schemeClr val="accent6"/>
+            </a:fillRef>
+            <a:effectRef idx="0">
+              <a:schemeClr val="accent6"/>
+            </a:effectRef>
+            <a:fontRef idx="minor">
+              <a:schemeClr val="lt1"/>
+            </a:fontRef>
+          </p:style>
+          <p:txBody>
+            <a:bodyPr rtlCol="0" anchor="ctr"/>
+            <a:lstStyle/>
+            <a:p>
+              <a:pPr algn="ctr"/>
+              <a:r>
+                <a:rPr lang="en-US" b="1" dirty="0"/>
+                <a:t>Toggle Red LED</a:t>
+              </a:r>
+            </a:p>
+          </p:txBody>
+        </p:sp>
+      </p:grpSp>
+      <p:cxnSp>
+        <p:nvCxnSpPr>
+          <p:cNvPr id="49" name="Connector: Elbow 48">
+            <a:extLst>
+              <a:ext uri="{FF2B5EF4-FFF2-40B4-BE49-F238E27FC236}">
+                <a16:creationId xmlns:a16="http://schemas.microsoft.com/office/drawing/2014/main" id="{F77E49D8-052D-3983-6377-44AB280982E0}"/>
+              </a:ext>
+            </a:extLst>
+          </p:cNvPr>
+          <p:cNvCxnSpPr>
+            <a:cxnSpLocks/>
+            <a:stCxn id="27" idx="2"/>
+            <a:endCxn id="44" idx="1"/>
+          </p:cNvCxnSpPr>
+          <p:nvPr/>
+        </p:nvCxnSpPr>
+        <p:spPr>
+          <a:xfrm rot="16200000" flipH="1">
+            <a:off x="757960" y="3866693"/>
+            <a:ext cx="2356235" cy="640039"/>
+          </a:xfrm>
+          <a:prstGeom prst="bentConnector2">
+            <a:avLst/>
+          </a:prstGeom>
+          <a:ln w="76200">
+            <a:tailEnd type="triangle"/>
+          </a:ln>
+        </p:spPr>
+        <p:style>
+          <a:lnRef idx="1">
+            <a:schemeClr val="dk1"/>
+          </a:lnRef>
+          <a:fillRef idx="0">
+            <a:schemeClr val="dk1"/>
+          </a:fillRef>
+          <a:effectRef idx="0">
+            <a:schemeClr val="dk1"/>
+          </a:effectRef>
+          <a:fontRef idx="minor">
+            <a:schemeClr val="tx1"/>
+          </a:fontRef>
+        </p:style>
+      </p:cxnSp>
+      <p:sp>
+        <p:nvSpPr>
+          <p:cNvPr id="60" name="TextBox 59">
+            <a:extLst>
+              <a:ext uri="{FF2B5EF4-FFF2-40B4-BE49-F238E27FC236}">
+                <a16:creationId xmlns:a16="http://schemas.microsoft.com/office/drawing/2014/main" id="{C8D10AFE-17E3-F864-57DE-19FA00ACA973}"/>
+              </a:ext>
+            </a:extLst>
+          </p:cNvPr>
+          <p:cNvSpPr txBox="1"/>
+          <p:nvPr/>
+        </p:nvSpPr>
+        <p:spPr>
+          <a:xfrm>
+            <a:off x="1769366" y="3088659"/>
+            <a:ext cx="641007" cy="369332"/>
+          </a:xfrm>
+          <a:prstGeom prst="rect">
+            <a:avLst/>
+          </a:prstGeom>
+          <a:noFill/>
+        </p:spPr>
+        <p:txBody>
+          <a:bodyPr wrap="square" rtlCol="0">
+            <a:spAutoFit/>
+          </a:bodyPr>
+          <a:lstStyle/>
+          <a:p>
+            <a:r>
+              <a:rPr lang="en-US" b="1" dirty="0"/>
+              <a:t>YES</a:t>
+            </a:r>
+          </a:p>
+        </p:txBody>
+      </p:sp>
+      <p:sp>
+        <p:nvSpPr>
+          <p:cNvPr id="61" name="Rectangle 60">
+            <a:extLst>
+              <a:ext uri="{FF2B5EF4-FFF2-40B4-BE49-F238E27FC236}">
+                <a16:creationId xmlns:a16="http://schemas.microsoft.com/office/drawing/2014/main" id="{179EC72A-2754-9517-14C3-3AC0186960E2}"/>
+              </a:ext>
+            </a:extLst>
+          </p:cNvPr>
+          <p:cNvSpPr/>
+          <p:nvPr/>
+        </p:nvSpPr>
+        <p:spPr>
+          <a:xfrm>
+            <a:off x="9355856" y="4986361"/>
+            <a:ext cx="1834242" cy="761792"/>
+          </a:xfrm>
+          <a:prstGeom prst="rect">
+            <a:avLst/>
+          </a:prstGeom>
+          <a:solidFill>
+            <a:srgbClr val="002060"/>
+          </a:solidFill>
+          <a:ln>
+            <a:noFill/>
+          </a:ln>
+        </p:spPr>
+        <p:style>
+          <a:lnRef idx="2">
+            <a:schemeClr val="accent1">
+              <a:shade val="15000"/>
+            </a:schemeClr>
+          </a:lnRef>
+          <a:fillRef idx="1">
+            <a:schemeClr val="accent1"/>
+          </a:fillRef>
+          <a:effectRef idx="0">
+            <a:schemeClr val="accent1"/>
+          </a:effectRef>
+          <a:fontRef idx="minor">
+            <a:schemeClr val="lt1"/>
+          </a:fontRef>
+        </p:style>
+        <p:txBody>
+          <a:bodyPr rtlCol="0" anchor="ctr"/>
+          <a:lstStyle/>
+          <a:p>
+            <a:pPr algn="ctr"/>
+            <a:r>
+              <a:rPr lang="en-US" dirty="0"/>
+              <a:t>Wait for </a:t>
+            </a:r>
+            <a:r>
+              <a:rPr lang="en-US" b="1" dirty="0"/>
+              <a:t>DEBOUNCING</a:t>
+            </a:r>
+          </a:p>
+        </p:txBody>
+      </p:sp>
+      <p:sp>
+        <p:nvSpPr>
+          <p:cNvPr id="63" name="Rectangle 62">
+            <a:extLst>
+              <a:ext uri="{FF2B5EF4-FFF2-40B4-BE49-F238E27FC236}">
+                <a16:creationId xmlns:a16="http://schemas.microsoft.com/office/drawing/2014/main" id="{31F8C32B-099B-B5F8-CD6F-0604243601FA}"/>
+              </a:ext>
+            </a:extLst>
+          </p:cNvPr>
+          <p:cNvSpPr/>
+          <p:nvPr/>
+        </p:nvSpPr>
+        <p:spPr>
+          <a:xfrm>
+            <a:off x="4494567" y="4969449"/>
+            <a:ext cx="1433014" cy="790765"/>
+          </a:xfrm>
+          <a:prstGeom prst="rect">
+            <a:avLst/>
+          </a:prstGeom>
+          <a:solidFill>
+            <a:srgbClr val="7030A0"/>
+          </a:solidFill>
+          <a:ln>
+            <a:noFill/>
+          </a:ln>
+        </p:spPr>
+        <p:style>
+          <a:lnRef idx="2">
+            <a:schemeClr val="accent1">
+              <a:shade val="15000"/>
+            </a:schemeClr>
+          </a:lnRef>
+          <a:fillRef idx="1">
+            <a:schemeClr val="accent1"/>
+          </a:fillRef>
+          <a:effectRef idx="0">
+            <a:schemeClr val="accent1"/>
+          </a:effectRef>
+          <a:fontRef idx="minor">
+            <a:schemeClr val="lt1"/>
+          </a:fontRef>
+        </p:style>
+        <p:txBody>
+          <a:bodyPr rtlCol="0" anchor="ctr"/>
+          <a:lstStyle/>
+          <a:p>
+            <a:pPr algn="ctr"/>
+            <a:r>
+              <a:rPr lang="en-US" b="1" dirty="0"/>
+              <a:t>Read Button</a:t>
+            </a:r>
+          </a:p>
+        </p:txBody>
+      </p:sp>
+      <p:cxnSp>
+        <p:nvCxnSpPr>
+          <p:cNvPr id="69" name="Straight Arrow Connector 68">
+            <a:extLst>
+              <a:ext uri="{FF2B5EF4-FFF2-40B4-BE49-F238E27FC236}">
+                <a16:creationId xmlns:a16="http://schemas.microsoft.com/office/drawing/2014/main" id="{AD737794-710F-6EBB-697F-EECE4ABFEA1E}"/>
+              </a:ext>
+            </a:extLst>
+          </p:cNvPr>
+          <p:cNvCxnSpPr>
+            <a:stCxn id="44" idx="3"/>
+            <a:endCxn id="63" idx="1"/>
+          </p:cNvCxnSpPr>
+          <p:nvPr/>
+        </p:nvCxnSpPr>
+        <p:spPr>
+          <a:xfrm>
+            <a:off x="4037634" y="5364831"/>
+            <a:ext cx="456933" cy="1"/>
+          </a:xfrm>
+          <a:prstGeom prst="straightConnector1">
+            <a:avLst/>
+          </a:prstGeom>
+          <a:ln w="76200">
+            <a:tailEnd type="triangle"/>
+          </a:ln>
+        </p:spPr>
+        <p:style>
+          <a:lnRef idx="1">
+            <a:schemeClr val="dk1"/>
+          </a:lnRef>
+          <a:fillRef idx="0">
+            <a:schemeClr val="dk1"/>
+          </a:fillRef>
+          <a:effectRef idx="0">
+            <a:schemeClr val="dk1"/>
+          </a:effectRef>
+          <a:fontRef idx="minor">
+            <a:schemeClr val="tx1"/>
+          </a:fontRef>
+        </p:style>
+      </p:cxnSp>
+      <p:cxnSp>
+        <p:nvCxnSpPr>
+          <p:cNvPr id="73" name="Straight Arrow Connector 72">
+            <a:extLst>
+              <a:ext uri="{FF2B5EF4-FFF2-40B4-BE49-F238E27FC236}">
+                <a16:creationId xmlns:a16="http://schemas.microsoft.com/office/drawing/2014/main" id="{ECC14B67-D24F-4637-E4BA-8960C58E2C90}"/>
+              </a:ext>
+            </a:extLst>
+          </p:cNvPr>
+          <p:cNvCxnSpPr>
+            <a:stCxn id="63" idx="3"/>
+            <a:endCxn id="64" idx="1"/>
+          </p:cNvCxnSpPr>
+          <p:nvPr/>
+        </p:nvCxnSpPr>
+        <p:spPr>
+          <a:xfrm>
+            <a:off x="5927581" y="5364832"/>
+            <a:ext cx="604954" cy="2425"/>
+          </a:xfrm>
+          <a:prstGeom prst="straightConnector1">
+            <a:avLst/>
+          </a:prstGeom>
+          <a:ln w="76200">
+            <a:solidFill>
+              <a:schemeClr val="tx1"/>
+            </a:solidFill>
+            <a:tailEnd type="triangle"/>
+          </a:ln>
+        </p:spPr>
+        <p:style>
+          <a:lnRef idx="1">
+            <a:schemeClr val="accent1"/>
+          </a:lnRef>
+          <a:fillRef idx="0">
+            <a:schemeClr val="accent1"/>
+          </a:fillRef>
+          <a:effectRef idx="0">
+            <a:schemeClr val="accent1"/>
+          </a:effectRef>
+          <a:fontRef idx="minor">
+            <a:schemeClr val="tx1"/>
+          </a:fontRef>
+        </p:style>
+      </p:cxnSp>
+      <p:cxnSp>
+        <p:nvCxnSpPr>
+          <p:cNvPr id="75" name="Connector: Elbow 74">
+            <a:extLst>
+              <a:ext uri="{FF2B5EF4-FFF2-40B4-BE49-F238E27FC236}">
+                <a16:creationId xmlns:a16="http://schemas.microsoft.com/office/drawing/2014/main" id="{56FBBAD2-E3D0-7B57-1A9B-B54DE28D6819}"/>
+              </a:ext>
+            </a:extLst>
+          </p:cNvPr>
+          <p:cNvCxnSpPr>
+            <a:stCxn id="64" idx="0"/>
+            <a:endCxn id="63" idx="0"/>
+          </p:cNvCxnSpPr>
+          <p:nvPr/>
+        </p:nvCxnSpPr>
+        <p:spPr>
+          <a:xfrm rot="16200000" flipV="1">
+            <a:off x="6419629" y="3760894"/>
+            <a:ext cx="16912" cy="2434021"/>
+          </a:xfrm>
+          <a:prstGeom prst="bentConnector3">
+            <a:avLst>
+              <a:gd name="adj1" fmla="val 2683633"/>
+            </a:avLst>
+          </a:prstGeom>
+          <a:ln w="76200">
+            <a:tailEnd type="triangle"/>
+          </a:ln>
+        </p:spPr>
+        <p:style>
+          <a:lnRef idx="1">
+            <a:schemeClr val="dk1"/>
+          </a:lnRef>
+          <a:fillRef idx="0">
+            <a:schemeClr val="dk1"/>
+          </a:fillRef>
+          <a:effectRef idx="0">
+            <a:schemeClr val="dk1"/>
+          </a:effectRef>
+          <a:fontRef idx="minor">
+            <a:schemeClr val="tx1"/>
+          </a:fontRef>
+        </p:style>
+      </p:cxnSp>
+      <p:sp>
+        <p:nvSpPr>
+          <p:cNvPr id="78" name="TextBox 77">
+            <a:extLst>
+              <a:ext uri="{FF2B5EF4-FFF2-40B4-BE49-F238E27FC236}">
+                <a16:creationId xmlns:a16="http://schemas.microsoft.com/office/drawing/2014/main" id="{17587645-B47D-80AD-D80B-C780E3198253}"/>
+              </a:ext>
+            </a:extLst>
+          </p:cNvPr>
+          <p:cNvSpPr txBox="1"/>
+          <p:nvPr/>
+        </p:nvSpPr>
+        <p:spPr>
+          <a:xfrm>
+            <a:off x="5998957" y="4574104"/>
+            <a:ext cx="641007" cy="369332"/>
+          </a:xfrm>
+          <a:prstGeom prst="rect">
+            <a:avLst/>
+          </a:prstGeom>
+          <a:noFill/>
+        </p:spPr>
+        <p:txBody>
+          <a:bodyPr wrap="square" rtlCol="0">
+            <a:spAutoFit/>
+          </a:bodyPr>
+          <a:lstStyle/>
+          <a:p>
+            <a:r>
+              <a:rPr lang="en-US" b="1" dirty="0"/>
+              <a:t>YES</a:t>
+            </a:r>
+          </a:p>
+        </p:txBody>
+      </p:sp>
+      <p:sp>
+        <p:nvSpPr>
+          <p:cNvPr id="64" name="Flowchart: Decision 63">
+            <a:extLst>
+              <a:ext uri="{FF2B5EF4-FFF2-40B4-BE49-F238E27FC236}">
+                <a16:creationId xmlns:a16="http://schemas.microsoft.com/office/drawing/2014/main" id="{B64AD287-E9A9-6CD6-1735-BA9EC52E4615}"/>
+              </a:ext>
+            </a:extLst>
+          </p:cNvPr>
+          <p:cNvSpPr/>
+          <p:nvPr/>
+        </p:nvSpPr>
+        <p:spPr>
+          <a:xfrm>
+            <a:off x="6532535" y="4986361"/>
+            <a:ext cx="2225119" cy="761792"/>
+          </a:xfrm>
+          <a:prstGeom prst="flowChartDecision">
+            <a:avLst/>
+          </a:prstGeom>
+          <a:solidFill>
+            <a:schemeClr val="accent4"/>
+          </a:solidFill>
+          <a:ln>
+            <a:noFill/>
+          </a:ln>
+        </p:spPr>
+        <p:style>
+          <a:lnRef idx="2">
+            <a:schemeClr val="accent1">
+              <a:shade val="15000"/>
+            </a:schemeClr>
+          </a:lnRef>
+          <a:fillRef idx="1">
+            <a:schemeClr val="accent1"/>
+          </a:fillRef>
+          <a:effectRef idx="0">
+            <a:schemeClr val="accent1"/>
+          </a:effectRef>
+          <a:fontRef idx="minor">
+            <a:schemeClr val="lt1"/>
+          </a:fontRef>
+        </p:style>
+        <p:txBody>
+          <a:bodyPr rtlCol="0" anchor="ctr"/>
+          <a:lstStyle/>
+          <a:p>
+            <a:pPr algn="ctr"/>
+            <a:r>
+              <a:rPr lang="en-US" sz="1600" b="1" dirty="0">
+                <a:solidFill>
+                  <a:schemeClr val="tx1"/>
+                </a:solidFill>
+              </a:rPr>
+              <a:t>Still pressed?</a:t>
+            </a:r>
+          </a:p>
+        </p:txBody>
+      </p:sp>
+      <p:sp>
+        <p:nvSpPr>
+          <p:cNvPr id="27" name="Flowchart: Decision 26">
+            <a:extLst>
+              <a:ext uri="{FF2B5EF4-FFF2-40B4-BE49-F238E27FC236}">
+                <a16:creationId xmlns:a16="http://schemas.microsoft.com/office/drawing/2014/main" id="{730139BE-171F-092B-EBC2-8139C645E2D9}"/>
+              </a:ext>
+            </a:extLst>
+          </p:cNvPr>
+          <p:cNvSpPr/>
+          <p:nvPr/>
+        </p:nvSpPr>
+        <p:spPr>
+          <a:xfrm>
+            <a:off x="497711" y="1931997"/>
+            <a:ext cx="2236693" cy="1076599"/>
+          </a:xfrm>
+          <a:prstGeom prst="flowChartDecision">
+            <a:avLst/>
+          </a:prstGeom>
+          <a:solidFill>
+            <a:schemeClr val="accent4"/>
+          </a:solidFill>
+          <a:ln>
+            <a:noFill/>
+          </a:ln>
+        </p:spPr>
+        <p:style>
+          <a:lnRef idx="2">
+            <a:schemeClr val="accent1">
+              <a:shade val="15000"/>
+            </a:schemeClr>
+          </a:lnRef>
+          <a:fillRef idx="1">
+            <a:schemeClr val="accent1"/>
+          </a:fillRef>
+          <a:effectRef idx="0">
+            <a:schemeClr val="accent1"/>
+          </a:effectRef>
+          <a:fontRef idx="minor">
+            <a:schemeClr val="lt1"/>
+          </a:fontRef>
+        </p:style>
+        <p:txBody>
+          <a:bodyPr rtlCol="0" anchor="ctr"/>
+          <a:lstStyle/>
+          <a:p>
+            <a:pPr algn="ctr"/>
+            <a:r>
+              <a:rPr lang="en-US" sz="1600" b="1" dirty="0">
+                <a:solidFill>
+                  <a:schemeClr val="tx1"/>
+                </a:solidFill>
+              </a:rPr>
+              <a:t>Pressed?</a:t>
+            </a:r>
+          </a:p>
+        </p:txBody>
+      </p:sp>
+      <p:cxnSp>
+        <p:nvCxnSpPr>
+          <p:cNvPr id="81" name="Straight Arrow Connector 80">
+            <a:extLst>
+              <a:ext uri="{FF2B5EF4-FFF2-40B4-BE49-F238E27FC236}">
+                <a16:creationId xmlns:a16="http://schemas.microsoft.com/office/drawing/2014/main" id="{01CD6AD2-E7CE-2FE8-C594-E00D3EF02774}"/>
+              </a:ext>
+            </a:extLst>
+          </p:cNvPr>
+          <p:cNvCxnSpPr>
+            <a:stCxn id="64" idx="3"/>
+            <a:endCxn id="61" idx="1"/>
+          </p:cNvCxnSpPr>
+          <p:nvPr/>
+        </p:nvCxnSpPr>
+        <p:spPr>
+          <a:xfrm>
+            <a:off x="8757654" y="5367257"/>
+            <a:ext cx="598202" cy="0"/>
+          </a:xfrm>
+          <a:prstGeom prst="straightConnector1">
+            <a:avLst/>
+          </a:prstGeom>
+          <a:ln w="76200">
+            <a:tailEnd type="triangle"/>
+          </a:ln>
+        </p:spPr>
+        <p:style>
+          <a:lnRef idx="1">
+            <a:schemeClr val="dk1"/>
+          </a:lnRef>
+          <a:fillRef idx="0">
+            <a:schemeClr val="dk1"/>
+          </a:fillRef>
+          <a:effectRef idx="0">
+            <a:schemeClr val="dk1"/>
+          </a:effectRef>
+          <a:fontRef idx="minor">
+            <a:schemeClr val="tx1"/>
+          </a:fontRef>
+        </p:style>
+      </p:cxnSp>
+      <p:cxnSp>
+        <p:nvCxnSpPr>
+          <p:cNvPr id="83" name="Connector: Elbow 82">
+            <a:extLst>
+              <a:ext uri="{FF2B5EF4-FFF2-40B4-BE49-F238E27FC236}">
+                <a16:creationId xmlns:a16="http://schemas.microsoft.com/office/drawing/2014/main" id="{9BF87B0A-D24A-DFC0-CEDF-16CF85310619}"/>
+              </a:ext>
+            </a:extLst>
+          </p:cNvPr>
+          <p:cNvCxnSpPr>
+            <a:stCxn id="61" idx="3"/>
+            <a:endCxn id="21" idx="2"/>
+          </p:cNvCxnSpPr>
+          <p:nvPr/>
+        </p:nvCxnSpPr>
+        <p:spPr>
+          <a:xfrm flipH="1" flipV="1">
+            <a:off x="4537925" y="2865680"/>
+            <a:ext cx="6652173" cy="2501577"/>
+          </a:xfrm>
+          <a:prstGeom prst="bentConnector4">
+            <a:avLst>
+              <a:gd name="adj1" fmla="val -3436"/>
+              <a:gd name="adj2" fmla="val 57613"/>
+            </a:avLst>
+          </a:prstGeom>
+          <a:ln w="76200">
+            <a:solidFill>
+              <a:schemeClr val="tx1"/>
+            </a:solidFill>
+            <a:tailEnd type="triangle"/>
+          </a:ln>
+        </p:spPr>
+        <p:style>
+          <a:lnRef idx="1">
+            <a:schemeClr val="dk1"/>
+          </a:lnRef>
+          <a:fillRef idx="0">
+            <a:schemeClr val="dk1"/>
+          </a:fillRef>
+          <a:effectRef idx="0">
+            <a:schemeClr val="dk1"/>
+          </a:effectRef>
+          <a:fontRef idx="minor">
+            <a:schemeClr val="tx1"/>
+          </a:fontRef>
+        </p:style>
+      </p:cxnSp>
+      <p:sp>
+        <p:nvSpPr>
+          <p:cNvPr id="93" name="TextBox 92">
+            <a:extLst>
+              <a:ext uri="{FF2B5EF4-FFF2-40B4-BE49-F238E27FC236}">
+                <a16:creationId xmlns:a16="http://schemas.microsoft.com/office/drawing/2014/main" id="{46FB2249-1FD9-3EB2-922D-4DDBE89806EE}"/>
+              </a:ext>
+            </a:extLst>
+          </p:cNvPr>
+          <p:cNvSpPr txBox="1"/>
+          <p:nvPr/>
+        </p:nvSpPr>
+        <p:spPr>
+          <a:xfrm>
+            <a:off x="8719811" y="4997926"/>
+            <a:ext cx="555584" cy="369332"/>
+          </a:xfrm>
+          <a:prstGeom prst="rect">
+            <a:avLst/>
+          </a:prstGeom>
+          <a:noFill/>
+        </p:spPr>
+        <p:txBody>
+          <a:bodyPr wrap="square" rtlCol="0">
+            <a:spAutoFit/>
+          </a:bodyPr>
+          <a:lstStyle/>
+          <a:p>
+            <a:r>
+              <a:rPr lang="en-US" b="1" dirty="0"/>
+              <a:t>NO</a:t>
+            </a:r>
+          </a:p>
+        </p:txBody>
+      </p:sp>
+    </p:spTree>
+    <p:extLst>
+      <p:ext uri="{BB962C8B-B14F-4D97-AF65-F5344CB8AC3E}">
+        <p14:creationId xmlns:p14="http://schemas.microsoft.com/office/powerpoint/2010/main" val="3813970007"/>
+      </p:ext>
+    </p:extLst>
+  </p:cSld>
+  <p:clrMapOvr>
+    <a:masterClrMapping/>
+  </p:clrMapOvr>
+  <mc:AlternateContent xmlns:mc="http://schemas.openxmlformats.org/markup-compatibility/2006" xmlns:p14="http://schemas.microsoft.com/office/powerpoint/2010/main">
+    <mc:Choice Requires="p14">
+      <p:transition spd="med" p14:dur="700">
+        <p:fade/>
+      </p:transition>
+    </mc:Choice>
+    <mc:Fallback xmlns="">
+      <p:transition spd="med">
+        <p:fade/>
+      </p:transition>
+    </mc:Fallback>
+  </mc:AlternateContent>
+  <p:timing>
+    <p:tnLst>
+      <p:par>
+        <p:cTn id="1" dur="indefinite" restart="never" nodeType="tmRoot">
+          <p:childTnLst>
+            <p:seq concurrent="1" nextAc="seek">
+              <p:cTn id="2" dur="indefinite" nodeType="mainSeq">
+                <p:childTnLst>
+                  <p:par>
+                    <p:cTn id="3" fill="hold">
+                      <p:stCondLst>
+                        <p:cond delay="indefinite"/>
+                      </p:stCondLst>
+                      <p:childTnLst>
+                        <p:par>
+                          <p:cTn id="4" fill="hold">
+                            <p:stCondLst>
+                              <p:cond delay="0"/>
+                            </p:stCondLst>
+                            <p:childTnLst>
+                              <p:par>
+                                <p:cTn id="5" presetID="10" presetClass="entr" presetSubtype="0" fill="hold" nodeType="clickEffect">
+                                  <p:stCondLst>
+                                    <p:cond delay="0"/>
+                                  </p:stCondLst>
+                                  <p:childTnLst>
+                                    <p:set>
+                                      <p:cBhvr>
+                                        <p:cTn id="6" dur="1" fill="hold">
+                                          <p:stCondLst>
+                                            <p:cond delay="0"/>
+                                          </p:stCondLst>
+                                        </p:cTn>
+                                        <p:tgtEl>
+                                          <p:spTgt spid="15"/>
+                                        </p:tgtEl>
+                                        <p:attrNameLst>
+                                          <p:attrName>style.visibility</p:attrName>
+                                        </p:attrNameLst>
+                                      </p:cBhvr>
+                                      <p:to>
+                                        <p:strVal val="visible"/>
+                                      </p:to>
+                                    </p:set>
+                                    <p:animEffect transition="in" filter="fade">
+                                      <p:cBhvr>
+                                        <p:cTn id="7" dur="500"/>
+                                        <p:tgtEl>
+                                          <p:spTgt spid="15"/>
+                                        </p:tgtEl>
+                                      </p:cBhvr>
+                                    </p:animEffect>
+                                  </p:childTnLst>
+                                </p:cTn>
+                              </p:par>
+                            </p:childTnLst>
+                          </p:cTn>
+                        </p:par>
+                        <p:par>
+                          <p:cTn id="8" fill="hold">
+                            <p:stCondLst>
+                              <p:cond delay="500"/>
+                            </p:stCondLst>
+                            <p:childTnLst>
+                              <p:par>
+                                <p:cTn id="9" presetID="10" presetClass="entr" presetSubtype="0" fill="hold" nodeType="afterEffect">
+                                  <p:stCondLst>
+                                    <p:cond delay="0"/>
+                                  </p:stCondLst>
+                                  <p:childTnLst>
+                                    <p:set>
+                                      <p:cBhvr>
+                                        <p:cTn id="10" dur="1" fill="hold">
+                                          <p:stCondLst>
+                                            <p:cond delay="0"/>
+                                          </p:stCondLst>
+                                        </p:cTn>
+                                        <p:tgtEl>
+                                          <p:spTgt spid="18"/>
+                                        </p:tgtEl>
+                                        <p:attrNameLst>
+                                          <p:attrName>style.visibility</p:attrName>
+                                        </p:attrNameLst>
+                                      </p:cBhvr>
+                                      <p:to>
+                                        <p:strVal val="visible"/>
+                                      </p:to>
+                                    </p:set>
+                                    <p:animEffect transition="in" filter="fade">
+                                      <p:cBhvr>
+                                        <p:cTn id="11" dur="500"/>
+                                        <p:tgtEl>
+                                          <p:spTgt spid="18"/>
+                                        </p:tgtEl>
+                                      </p:cBhvr>
+                                    </p:animEffect>
+                                  </p:childTnLst>
+                                </p:cTn>
+                              </p:par>
+                              <p:par>
+                                <p:cTn id="12" presetID="10" presetClass="entr" presetSubtype="0" fill="hold" grpId="0" nodeType="withEffect">
+                                  <p:stCondLst>
+                                    <p:cond delay="0"/>
+                                  </p:stCondLst>
+                                  <p:childTnLst>
+                                    <p:set>
+                                      <p:cBhvr>
+                                        <p:cTn id="13" dur="1" fill="hold">
+                                          <p:stCondLst>
+                                            <p:cond delay="0"/>
+                                          </p:stCondLst>
+                                        </p:cTn>
+                                        <p:tgtEl>
+                                          <p:spTgt spid="16"/>
+                                        </p:tgtEl>
+                                        <p:attrNameLst>
+                                          <p:attrName>style.visibility</p:attrName>
+                                        </p:attrNameLst>
+                                      </p:cBhvr>
+                                      <p:to>
+                                        <p:strVal val="visible"/>
+                                      </p:to>
+                                    </p:set>
+                                    <p:animEffect transition="in" filter="fade">
+                                      <p:cBhvr>
+                                        <p:cTn id="14" dur="500"/>
+                                        <p:tgtEl>
+                                          <p:spTgt spid="16"/>
+                                        </p:tgtEl>
+                                      </p:cBhvr>
+                                    </p:animEffect>
+                                  </p:childTnLst>
+                                </p:cTn>
+                              </p:par>
+                            </p:childTnLst>
+                          </p:cTn>
+                        </p:par>
+                      </p:childTnLst>
+                    </p:cTn>
+                  </p:par>
+                  <p:par>
+                    <p:cTn id="15" fill="hold">
+                      <p:stCondLst>
+                        <p:cond delay="indefinite"/>
+                      </p:stCondLst>
+                      <p:childTnLst>
+                        <p:par>
+                          <p:cTn id="16" fill="hold">
+                            <p:stCondLst>
+                              <p:cond delay="0"/>
+                            </p:stCondLst>
+                            <p:childTnLst>
+                              <p:par>
+                                <p:cTn id="17" presetID="10" presetClass="entr" presetSubtype="0" fill="hold" nodeType="clickEffect">
+                                  <p:stCondLst>
+                                    <p:cond delay="0"/>
+                                  </p:stCondLst>
+                                  <p:childTnLst>
+                                    <p:set>
+                                      <p:cBhvr>
+                                        <p:cTn id="18" dur="1" fill="hold">
+                                          <p:stCondLst>
+                                            <p:cond delay="0"/>
+                                          </p:stCondLst>
+                                        </p:cTn>
+                                        <p:tgtEl>
+                                          <p:spTgt spid="23"/>
+                                        </p:tgtEl>
+                                        <p:attrNameLst>
+                                          <p:attrName>style.visibility</p:attrName>
+                                        </p:attrNameLst>
+                                      </p:cBhvr>
+                                      <p:to>
+                                        <p:strVal val="visible"/>
+                                      </p:to>
+                                    </p:set>
+                                    <p:animEffect transition="in" filter="fade">
+                                      <p:cBhvr>
+                                        <p:cTn id="19" dur="500"/>
+                                        <p:tgtEl>
+                                          <p:spTgt spid="23"/>
+                                        </p:tgtEl>
+                                      </p:cBhvr>
+                                    </p:animEffect>
+                                  </p:childTnLst>
+                                </p:cTn>
+                              </p:par>
+                              <p:par>
+                                <p:cTn id="20" presetID="10" presetClass="entr" presetSubtype="0" fill="hold" grpId="0" nodeType="withEffect">
+                                  <p:stCondLst>
+                                    <p:cond delay="0"/>
+                                  </p:stCondLst>
+                                  <p:childTnLst>
+                                    <p:set>
+                                      <p:cBhvr>
+                                        <p:cTn id="21" dur="1" fill="hold">
+                                          <p:stCondLst>
+                                            <p:cond delay="0"/>
+                                          </p:stCondLst>
+                                        </p:cTn>
+                                        <p:tgtEl>
+                                          <p:spTgt spid="21"/>
+                                        </p:tgtEl>
+                                        <p:attrNameLst>
+                                          <p:attrName>style.visibility</p:attrName>
+                                        </p:attrNameLst>
+                                      </p:cBhvr>
+                                      <p:to>
+                                        <p:strVal val="visible"/>
+                                      </p:to>
+                                    </p:set>
+                                    <p:animEffect transition="in" filter="fade">
+                                      <p:cBhvr>
+                                        <p:cTn id="22" dur="500"/>
+                                        <p:tgtEl>
+                                          <p:spTgt spid="21"/>
+                                        </p:tgtEl>
+                                      </p:cBhvr>
+                                    </p:animEffect>
+                                  </p:childTnLst>
+                                </p:cTn>
+                              </p:par>
+                            </p:childTnLst>
+                          </p:cTn>
+                        </p:par>
+                        <p:par>
+                          <p:cTn id="23" fill="hold">
+                            <p:stCondLst>
+                              <p:cond delay="500"/>
+                            </p:stCondLst>
+                            <p:childTnLst>
+                              <p:par>
+                                <p:cTn id="24" presetID="10" presetClass="entr" presetSubtype="0" fill="hold" nodeType="afterEffect">
+                                  <p:stCondLst>
+                                    <p:cond delay="0"/>
+                                  </p:stCondLst>
+                                  <p:childTnLst>
+                                    <p:set>
+                                      <p:cBhvr>
+                                        <p:cTn id="25" dur="1" fill="hold">
+                                          <p:stCondLst>
+                                            <p:cond delay="0"/>
+                                          </p:stCondLst>
+                                        </p:cTn>
+                                        <p:tgtEl>
+                                          <p:spTgt spid="29"/>
+                                        </p:tgtEl>
+                                        <p:attrNameLst>
+                                          <p:attrName>style.visibility</p:attrName>
+                                        </p:attrNameLst>
+                                      </p:cBhvr>
+                                      <p:to>
+                                        <p:strVal val="visible"/>
+                                      </p:to>
+                                    </p:set>
+                                    <p:animEffect transition="in" filter="fade">
+                                      <p:cBhvr>
+                                        <p:cTn id="26" dur="500"/>
+                                        <p:tgtEl>
+                                          <p:spTgt spid="29"/>
+                                        </p:tgtEl>
+                                      </p:cBhvr>
+                                    </p:animEffect>
+                                  </p:childTnLst>
+                                </p:cTn>
+                              </p:par>
+                            </p:childTnLst>
+                          </p:cTn>
+                        </p:par>
+                        <p:par>
+                          <p:cTn id="27" fill="hold">
+                            <p:stCondLst>
+                              <p:cond delay="1000"/>
+                            </p:stCondLst>
+                            <p:childTnLst>
+                              <p:par>
+                                <p:cTn id="28" presetID="10" presetClass="entr" presetSubtype="0" fill="hold" grpId="0" nodeType="afterEffect">
+                                  <p:stCondLst>
+                                    <p:cond delay="0"/>
+                                  </p:stCondLst>
+                                  <p:childTnLst>
+                                    <p:set>
+                                      <p:cBhvr>
+                                        <p:cTn id="29" dur="1" fill="hold">
+                                          <p:stCondLst>
+                                            <p:cond delay="0"/>
+                                          </p:stCondLst>
+                                        </p:cTn>
+                                        <p:tgtEl>
+                                          <p:spTgt spid="27"/>
+                                        </p:tgtEl>
+                                        <p:attrNameLst>
+                                          <p:attrName>style.visibility</p:attrName>
+                                        </p:attrNameLst>
+                                      </p:cBhvr>
+                                      <p:to>
+                                        <p:strVal val="visible"/>
+                                      </p:to>
+                                    </p:set>
+                                    <p:animEffect transition="in" filter="fade">
+                                      <p:cBhvr>
+                                        <p:cTn id="30" dur="500"/>
+                                        <p:tgtEl>
+                                          <p:spTgt spid="27"/>
+                                        </p:tgtEl>
+                                      </p:cBhvr>
+                                    </p:animEffect>
+                                  </p:childTnLst>
+                                </p:cTn>
+                              </p:par>
+                            </p:childTnLst>
+                          </p:cTn>
+                        </p:par>
+                      </p:childTnLst>
+                    </p:cTn>
+                  </p:par>
+                  <p:par>
+                    <p:cTn id="31" fill="hold">
+                      <p:stCondLst>
+                        <p:cond delay="indefinite"/>
+                      </p:stCondLst>
+                      <p:childTnLst>
+                        <p:par>
+                          <p:cTn id="32" fill="hold">
+                            <p:stCondLst>
+                              <p:cond delay="0"/>
+                            </p:stCondLst>
+                            <p:childTnLst>
+                              <p:par>
+                                <p:cTn id="33" presetID="10" presetClass="entr" presetSubtype="0" fill="hold" nodeType="clickEffect">
+                                  <p:stCondLst>
+                                    <p:cond delay="0"/>
+                                  </p:stCondLst>
+                                  <p:childTnLst>
+                                    <p:set>
+                                      <p:cBhvr>
+                                        <p:cTn id="34" dur="1" fill="hold">
+                                          <p:stCondLst>
+                                            <p:cond delay="0"/>
+                                          </p:stCondLst>
+                                        </p:cTn>
+                                        <p:tgtEl>
+                                          <p:spTgt spid="39"/>
+                                        </p:tgtEl>
+                                        <p:attrNameLst>
+                                          <p:attrName>style.visibility</p:attrName>
+                                        </p:attrNameLst>
+                                      </p:cBhvr>
+                                      <p:to>
+                                        <p:strVal val="visible"/>
+                                      </p:to>
+                                    </p:set>
+                                    <p:animEffect transition="in" filter="fade">
+                                      <p:cBhvr>
+                                        <p:cTn id="35" dur="500"/>
+                                        <p:tgtEl>
+                                          <p:spTgt spid="39"/>
+                                        </p:tgtEl>
+                                      </p:cBhvr>
+                                    </p:animEffect>
+                                  </p:childTnLst>
+                                </p:cTn>
+                              </p:par>
+                              <p:par>
+                                <p:cTn id="36" presetID="10" presetClass="entr" presetSubtype="0" fill="hold" grpId="0" nodeType="withEffect">
+                                  <p:stCondLst>
+                                    <p:cond delay="0"/>
+                                  </p:stCondLst>
+                                  <p:childTnLst>
+                                    <p:set>
+                                      <p:cBhvr>
+                                        <p:cTn id="37" dur="1" fill="hold">
+                                          <p:stCondLst>
+                                            <p:cond delay="0"/>
+                                          </p:stCondLst>
+                                        </p:cTn>
+                                        <p:tgtEl>
+                                          <p:spTgt spid="41"/>
+                                        </p:tgtEl>
+                                        <p:attrNameLst>
+                                          <p:attrName>style.visibility</p:attrName>
+                                        </p:attrNameLst>
+                                      </p:cBhvr>
+                                      <p:to>
+                                        <p:strVal val="visible"/>
+                                      </p:to>
+                                    </p:set>
+                                    <p:animEffect transition="in" filter="fade">
+                                      <p:cBhvr>
+                                        <p:cTn id="38" dur="500"/>
+                                        <p:tgtEl>
+                                          <p:spTgt spid="41"/>
+                                        </p:tgtEl>
+                                      </p:cBhvr>
+                                    </p:animEffect>
+                                  </p:childTnLst>
+                                </p:cTn>
+                              </p:par>
+                            </p:childTnLst>
+                          </p:cTn>
+                        </p:par>
+                      </p:childTnLst>
+                    </p:cTn>
+                  </p:par>
+                  <p:par>
+                    <p:cTn id="39" fill="hold">
+                      <p:stCondLst>
+                        <p:cond delay="indefinite"/>
+                      </p:stCondLst>
+                      <p:childTnLst>
+                        <p:par>
+                          <p:cTn id="40" fill="hold">
+                            <p:stCondLst>
+                              <p:cond delay="0"/>
+                            </p:stCondLst>
+                            <p:childTnLst>
+                              <p:par>
+                                <p:cTn id="41" presetID="10" presetClass="entr" presetSubtype="0" fill="hold" nodeType="clickEffect">
+                                  <p:stCondLst>
+                                    <p:cond delay="0"/>
+                                  </p:stCondLst>
+                                  <p:childTnLst>
+                                    <p:set>
+                                      <p:cBhvr>
+                                        <p:cTn id="42" dur="1" fill="hold">
+                                          <p:stCondLst>
+                                            <p:cond delay="0"/>
+                                          </p:stCondLst>
+                                        </p:cTn>
+                                        <p:tgtEl>
+                                          <p:spTgt spid="49"/>
+                                        </p:tgtEl>
+                                        <p:attrNameLst>
+                                          <p:attrName>style.visibility</p:attrName>
+                                        </p:attrNameLst>
+                                      </p:cBhvr>
+                                      <p:to>
+                                        <p:strVal val="visible"/>
+                                      </p:to>
+                                    </p:set>
+                                    <p:animEffect transition="in" filter="fade">
+                                      <p:cBhvr>
+                                        <p:cTn id="43" dur="500"/>
+                                        <p:tgtEl>
+                                          <p:spTgt spid="49"/>
+                                        </p:tgtEl>
+                                      </p:cBhvr>
+                                    </p:animEffect>
+                                  </p:childTnLst>
+                                </p:cTn>
+                              </p:par>
+                              <p:par>
+                                <p:cTn id="44" presetID="10" presetClass="entr" presetSubtype="0" fill="hold" grpId="0" nodeType="withEffect">
+                                  <p:stCondLst>
+                                    <p:cond delay="0"/>
+                                  </p:stCondLst>
+                                  <p:childTnLst>
+                                    <p:set>
+                                      <p:cBhvr>
+                                        <p:cTn id="45" dur="1" fill="hold">
+                                          <p:stCondLst>
+                                            <p:cond delay="0"/>
+                                          </p:stCondLst>
+                                        </p:cTn>
+                                        <p:tgtEl>
+                                          <p:spTgt spid="60"/>
+                                        </p:tgtEl>
+                                        <p:attrNameLst>
+                                          <p:attrName>style.visibility</p:attrName>
+                                        </p:attrNameLst>
+                                      </p:cBhvr>
+                                      <p:to>
+                                        <p:strVal val="visible"/>
+                                      </p:to>
+                                    </p:set>
+                                    <p:animEffect transition="in" filter="fade">
+                                      <p:cBhvr>
+                                        <p:cTn id="46" dur="500"/>
+                                        <p:tgtEl>
+                                          <p:spTgt spid="60"/>
+                                        </p:tgtEl>
+                                      </p:cBhvr>
+                                    </p:animEffect>
+                                  </p:childTnLst>
+                                </p:cTn>
+                              </p:par>
+                            </p:childTnLst>
+                          </p:cTn>
+                        </p:par>
+                        <p:par>
+                          <p:cTn id="47" fill="hold">
+                            <p:stCondLst>
+                              <p:cond delay="500"/>
+                            </p:stCondLst>
+                            <p:childTnLst>
+                              <p:par>
+                                <p:cTn id="48" presetID="10" presetClass="entr" presetSubtype="0" fill="hold" nodeType="afterEffect">
+                                  <p:stCondLst>
+                                    <p:cond delay="0"/>
+                                  </p:stCondLst>
+                                  <p:childTnLst>
+                                    <p:set>
+                                      <p:cBhvr>
+                                        <p:cTn id="49" dur="1" fill="hold">
+                                          <p:stCondLst>
+                                            <p:cond delay="0"/>
+                                          </p:stCondLst>
+                                        </p:cTn>
+                                        <p:tgtEl>
+                                          <p:spTgt spid="47"/>
+                                        </p:tgtEl>
+                                        <p:attrNameLst>
+                                          <p:attrName>style.visibility</p:attrName>
+                                        </p:attrNameLst>
+                                      </p:cBhvr>
+                                      <p:to>
+                                        <p:strVal val="visible"/>
+                                      </p:to>
+                                    </p:set>
+                                    <p:animEffect transition="in" filter="fade">
+                                      <p:cBhvr>
+                                        <p:cTn id="50" dur="500"/>
+                                        <p:tgtEl>
+                                          <p:spTgt spid="47"/>
+                                        </p:tgtEl>
+                                      </p:cBhvr>
+                                    </p:animEffect>
+                                  </p:childTnLst>
+                                </p:cTn>
+                              </p:par>
+                            </p:childTnLst>
+                          </p:cTn>
+                        </p:par>
+                      </p:childTnLst>
+                    </p:cTn>
+                  </p:par>
+                  <p:par>
+                    <p:cTn id="51" fill="hold">
+                      <p:stCondLst>
+                        <p:cond delay="indefinite"/>
+                      </p:stCondLst>
+                      <p:childTnLst>
+                        <p:par>
+                          <p:cTn id="52" fill="hold">
+                            <p:stCondLst>
+                              <p:cond delay="0"/>
+                            </p:stCondLst>
+                            <p:childTnLst>
+                              <p:par>
+                                <p:cTn id="53" presetID="10" presetClass="entr" presetSubtype="0" fill="hold" nodeType="clickEffect">
+                                  <p:stCondLst>
+                                    <p:cond delay="0"/>
+                                  </p:stCondLst>
+                                  <p:childTnLst>
+                                    <p:set>
+                                      <p:cBhvr>
+                                        <p:cTn id="54" dur="1" fill="hold">
+                                          <p:stCondLst>
+                                            <p:cond delay="0"/>
+                                          </p:stCondLst>
+                                        </p:cTn>
+                                        <p:tgtEl>
+                                          <p:spTgt spid="69"/>
+                                        </p:tgtEl>
+                                        <p:attrNameLst>
+                                          <p:attrName>style.visibility</p:attrName>
+                                        </p:attrNameLst>
+                                      </p:cBhvr>
+                                      <p:to>
+                                        <p:strVal val="visible"/>
+                                      </p:to>
+                                    </p:set>
+                                    <p:animEffect transition="in" filter="fade">
+                                      <p:cBhvr>
+                                        <p:cTn id="55" dur="500"/>
+                                        <p:tgtEl>
+                                          <p:spTgt spid="69"/>
+                                        </p:tgtEl>
+                                      </p:cBhvr>
+                                    </p:animEffect>
+                                  </p:childTnLst>
+                                </p:cTn>
+                              </p:par>
+                            </p:childTnLst>
+                          </p:cTn>
+                        </p:par>
+                        <p:par>
+                          <p:cTn id="56" fill="hold">
+                            <p:stCondLst>
+                              <p:cond delay="500"/>
+                            </p:stCondLst>
+                            <p:childTnLst>
+                              <p:par>
+                                <p:cTn id="57" presetID="10" presetClass="entr" presetSubtype="0" fill="hold" grpId="0" nodeType="afterEffect">
+                                  <p:stCondLst>
+                                    <p:cond delay="0"/>
+                                  </p:stCondLst>
+                                  <p:childTnLst>
+                                    <p:set>
+                                      <p:cBhvr>
+                                        <p:cTn id="58" dur="1" fill="hold">
+                                          <p:stCondLst>
+                                            <p:cond delay="0"/>
+                                          </p:stCondLst>
+                                        </p:cTn>
+                                        <p:tgtEl>
+                                          <p:spTgt spid="63"/>
+                                        </p:tgtEl>
+                                        <p:attrNameLst>
+                                          <p:attrName>style.visibility</p:attrName>
+                                        </p:attrNameLst>
+                                      </p:cBhvr>
+                                      <p:to>
+                                        <p:strVal val="visible"/>
+                                      </p:to>
+                                    </p:set>
+                                    <p:animEffect transition="in" filter="fade">
+                                      <p:cBhvr>
+                                        <p:cTn id="59" dur="500"/>
+                                        <p:tgtEl>
+                                          <p:spTgt spid="63"/>
+                                        </p:tgtEl>
+                                      </p:cBhvr>
+                                    </p:animEffect>
+                                  </p:childTnLst>
+                                </p:cTn>
+                              </p:par>
+                            </p:childTnLst>
+                          </p:cTn>
+                        </p:par>
+                        <p:par>
+                          <p:cTn id="60" fill="hold">
+                            <p:stCondLst>
+                              <p:cond delay="1000"/>
+                            </p:stCondLst>
+                            <p:childTnLst>
+                              <p:par>
+                                <p:cTn id="61" presetID="10" presetClass="entr" presetSubtype="0" fill="hold" nodeType="afterEffect">
+                                  <p:stCondLst>
+                                    <p:cond delay="0"/>
+                                  </p:stCondLst>
+                                  <p:childTnLst>
+                                    <p:set>
+                                      <p:cBhvr>
+                                        <p:cTn id="62" dur="1" fill="hold">
+                                          <p:stCondLst>
+                                            <p:cond delay="0"/>
+                                          </p:stCondLst>
+                                        </p:cTn>
+                                        <p:tgtEl>
+                                          <p:spTgt spid="73"/>
+                                        </p:tgtEl>
+                                        <p:attrNameLst>
+                                          <p:attrName>style.visibility</p:attrName>
+                                        </p:attrNameLst>
+                                      </p:cBhvr>
+                                      <p:to>
+                                        <p:strVal val="visible"/>
+                                      </p:to>
+                                    </p:set>
+                                    <p:animEffect transition="in" filter="fade">
+                                      <p:cBhvr>
+                                        <p:cTn id="63" dur="500"/>
+                                        <p:tgtEl>
+                                          <p:spTgt spid="73"/>
+                                        </p:tgtEl>
+                                      </p:cBhvr>
+                                    </p:animEffect>
+                                  </p:childTnLst>
+                                </p:cTn>
+                              </p:par>
+                            </p:childTnLst>
+                          </p:cTn>
+                        </p:par>
+                        <p:par>
+                          <p:cTn id="64" fill="hold">
+                            <p:stCondLst>
+                              <p:cond delay="1500"/>
+                            </p:stCondLst>
+                            <p:childTnLst>
+                              <p:par>
+                                <p:cTn id="65" presetID="10" presetClass="entr" presetSubtype="0" fill="hold" grpId="0" nodeType="afterEffect">
+                                  <p:stCondLst>
+                                    <p:cond delay="0"/>
+                                  </p:stCondLst>
+                                  <p:childTnLst>
+                                    <p:set>
+                                      <p:cBhvr>
+                                        <p:cTn id="66" dur="1" fill="hold">
+                                          <p:stCondLst>
+                                            <p:cond delay="0"/>
+                                          </p:stCondLst>
+                                        </p:cTn>
+                                        <p:tgtEl>
+                                          <p:spTgt spid="64"/>
+                                        </p:tgtEl>
+                                        <p:attrNameLst>
+                                          <p:attrName>style.visibility</p:attrName>
+                                        </p:attrNameLst>
+                                      </p:cBhvr>
+                                      <p:to>
+                                        <p:strVal val="visible"/>
+                                      </p:to>
+                                    </p:set>
+                                    <p:animEffect transition="in" filter="fade">
+                                      <p:cBhvr>
+                                        <p:cTn id="67" dur="500"/>
+                                        <p:tgtEl>
+                                          <p:spTgt spid="64"/>
+                                        </p:tgtEl>
+                                      </p:cBhvr>
+                                    </p:animEffect>
+                                  </p:childTnLst>
+                                </p:cTn>
+                              </p:par>
+                            </p:childTnLst>
+                          </p:cTn>
+                        </p:par>
+                      </p:childTnLst>
+                    </p:cTn>
+                  </p:par>
+                  <p:par>
+                    <p:cTn id="68" fill="hold">
+                      <p:stCondLst>
+                        <p:cond delay="indefinite"/>
+                      </p:stCondLst>
+                      <p:childTnLst>
+                        <p:par>
+                          <p:cTn id="69" fill="hold">
+                            <p:stCondLst>
+                              <p:cond delay="0"/>
+                            </p:stCondLst>
+                            <p:childTnLst>
+                              <p:par>
+                                <p:cTn id="70" presetID="10" presetClass="entr" presetSubtype="0" fill="hold" grpId="0" nodeType="clickEffect">
+                                  <p:stCondLst>
+                                    <p:cond delay="0"/>
+                                  </p:stCondLst>
+                                  <p:childTnLst>
+                                    <p:set>
+                                      <p:cBhvr>
+                                        <p:cTn id="71" dur="1" fill="hold">
+                                          <p:stCondLst>
+                                            <p:cond delay="0"/>
+                                          </p:stCondLst>
+                                        </p:cTn>
+                                        <p:tgtEl>
+                                          <p:spTgt spid="78"/>
+                                        </p:tgtEl>
+                                        <p:attrNameLst>
+                                          <p:attrName>style.visibility</p:attrName>
+                                        </p:attrNameLst>
+                                      </p:cBhvr>
+                                      <p:to>
+                                        <p:strVal val="visible"/>
+                                      </p:to>
+                                    </p:set>
+                                    <p:animEffect transition="in" filter="fade">
+                                      <p:cBhvr>
+                                        <p:cTn id="72" dur="500"/>
+                                        <p:tgtEl>
+                                          <p:spTgt spid="78"/>
+                                        </p:tgtEl>
+                                      </p:cBhvr>
+                                    </p:animEffect>
+                                  </p:childTnLst>
+                                </p:cTn>
+                              </p:par>
+                              <p:par>
+                                <p:cTn id="73" presetID="10" presetClass="entr" presetSubtype="0" fill="hold" nodeType="withEffect">
+                                  <p:stCondLst>
+                                    <p:cond delay="0"/>
+                                  </p:stCondLst>
+                                  <p:childTnLst>
+                                    <p:set>
+                                      <p:cBhvr>
+                                        <p:cTn id="74" dur="1" fill="hold">
+                                          <p:stCondLst>
+                                            <p:cond delay="0"/>
+                                          </p:stCondLst>
+                                        </p:cTn>
+                                        <p:tgtEl>
+                                          <p:spTgt spid="75"/>
+                                        </p:tgtEl>
+                                        <p:attrNameLst>
+                                          <p:attrName>style.visibility</p:attrName>
+                                        </p:attrNameLst>
+                                      </p:cBhvr>
+                                      <p:to>
+                                        <p:strVal val="visible"/>
+                                      </p:to>
+                                    </p:set>
+                                    <p:animEffect transition="in" filter="fade">
+                                      <p:cBhvr>
+                                        <p:cTn id="75" dur="500"/>
+                                        <p:tgtEl>
+                                          <p:spTgt spid="75"/>
+                                        </p:tgtEl>
+                                      </p:cBhvr>
+                                    </p:animEffect>
+                                  </p:childTnLst>
+                                </p:cTn>
+                              </p:par>
+                            </p:childTnLst>
+                          </p:cTn>
+                        </p:par>
+                      </p:childTnLst>
+                    </p:cTn>
+                  </p:par>
+                  <p:par>
+                    <p:cTn id="76" fill="hold">
+                      <p:stCondLst>
+                        <p:cond delay="indefinite"/>
+                      </p:stCondLst>
+                      <p:childTnLst>
+                        <p:par>
+                          <p:cTn id="77" fill="hold">
+                            <p:stCondLst>
+                              <p:cond delay="0"/>
+                            </p:stCondLst>
+                            <p:childTnLst>
+                              <p:par>
+                                <p:cTn id="78" presetID="10" presetClass="entr" presetSubtype="0" fill="hold" nodeType="clickEffect">
+                                  <p:stCondLst>
+                                    <p:cond delay="0"/>
+                                  </p:stCondLst>
+                                  <p:childTnLst>
+                                    <p:set>
+                                      <p:cBhvr>
+                                        <p:cTn id="79" dur="1" fill="hold">
+                                          <p:stCondLst>
+                                            <p:cond delay="0"/>
+                                          </p:stCondLst>
+                                        </p:cTn>
+                                        <p:tgtEl>
+                                          <p:spTgt spid="81"/>
+                                        </p:tgtEl>
+                                        <p:attrNameLst>
+                                          <p:attrName>style.visibility</p:attrName>
+                                        </p:attrNameLst>
+                                      </p:cBhvr>
+                                      <p:to>
+                                        <p:strVal val="visible"/>
+                                      </p:to>
+                                    </p:set>
+                                    <p:animEffect transition="in" filter="fade">
+                                      <p:cBhvr>
+                                        <p:cTn id="80" dur="500"/>
+                                        <p:tgtEl>
+                                          <p:spTgt spid="81"/>
+                                        </p:tgtEl>
+                                      </p:cBhvr>
+                                    </p:animEffect>
+                                  </p:childTnLst>
+                                </p:cTn>
+                              </p:par>
+                              <p:par>
+                                <p:cTn id="81" presetID="10" presetClass="entr" presetSubtype="0" fill="hold" grpId="0" nodeType="withEffect">
+                                  <p:stCondLst>
+                                    <p:cond delay="0"/>
+                                  </p:stCondLst>
+                                  <p:childTnLst>
+                                    <p:set>
+                                      <p:cBhvr>
+                                        <p:cTn id="82" dur="1" fill="hold">
+                                          <p:stCondLst>
+                                            <p:cond delay="0"/>
+                                          </p:stCondLst>
+                                        </p:cTn>
+                                        <p:tgtEl>
+                                          <p:spTgt spid="93"/>
+                                        </p:tgtEl>
+                                        <p:attrNameLst>
+                                          <p:attrName>style.visibility</p:attrName>
+                                        </p:attrNameLst>
+                                      </p:cBhvr>
+                                      <p:to>
+                                        <p:strVal val="visible"/>
+                                      </p:to>
+                                    </p:set>
+                                    <p:animEffect transition="in" filter="fade">
+                                      <p:cBhvr>
+                                        <p:cTn id="83" dur="500"/>
+                                        <p:tgtEl>
+                                          <p:spTgt spid="93"/>
+                                        </p:tgtEl>
+                                      </p:cBhvr>
+                                    </p:animEffect>
+                                  </p:childTnLst>
+                                </p:cTn>
+                              </p:par>
+                            </p:childTnLst>
+                          </p:cTn>
+                        </p:par>
+                        <p:par>
+                          <p:cTn id="84" fill="hold">
+                            <p:stCondLst>
+                              <p:cond delay="500"/>
+                            </p:stCondLst>
+                            <p:childTnLst>
+                              <p:par>
+                                <p:cTn id="85" presetID="10" presetClass="entr" presetSubtype="0" fill="hold" grpId="0" nodeType="afterEffect">
+                                  <p:stCondLst>
+                                    <p:cond delay="0"/>
+                                  </p:stCondLst>
+                                  <p:childTnLst>
+                                    <p:set>
+                                      <p:cBhvr>
+                                        <p:cTn id="86" dur="1" fill="hold">
+                                          <p:stCondLst>
+                                            <p:cond delay="0"/>
+                                          </p:stCondLst>
+                                        </p:cTn>
+                                        <p:tgtEl>
+                                          <p:spTgt spid="61"/>
+                                        </p:tgtEl>
+                                        <p:attrNameLst>
+                                          <p:attrName>style.visibility</p:attrName>
+                                        </p:attrNameLst>
+                                      </p:cBhvr>
+                                      <p:to>
+                                        <p:strVal val="visible"/>
+                                      </p:to>
+                                    </p:set>
+                                    <p:animEffect transition="in" filter="fade">
+                                      <p:cBhvr>
+                                        <p:cTn id="87" dur="500"/>
+                                        <p:tgtEl>
+                                          <p:spTgt spid="61"/>
+                                        </p:tgtEl>
+                                      </p:cBhvr>
+                                    </p:animEffect>
+                                  </p:childTnLst>
+                                </p:cTn>
+                              </p:par>
+                            </p:childTnLst>
+                          </p:cTn>
+                        </p:par>
+                      </p:childTnLst>
+                    </p:cTn>
+                  </p:par>
+                  <p:par>
+                    <p:cTn id="88" fill="hold">
+                      <p:stCondLst>
+                        <p:cond delay="indefinite"/>
+                      </p:stCondLst>
+                      <p:childTnLst>
+                        <p:par>
+                          <p:cTn id="89" fill="hold">
+                            <p:stCondLst>
+                              <p:cond delay="0"/>
+                            </p:stCondLst>
+                            <p:childTnLst>
+                              <p:par>
+                                <p:cTn id="90" presetID="10" presetClass="entr" presetSubtype="0" fill="hold" nodeType="clickEffect">
+                                  <p:stCondLst>
+                                    <p:cond delay="0"/>
+                                  </p:stCondLst>
+                                  <p:childTnLst>
+                                    <p:set>
+                                      <p:cBhvr>
+                                        <p:cTn id="91" dur="1" fill="hold">
+                                          <p:stCondLst>
+                                            <p:cond delay="0"/>
+                                          </p:stCondLst>
+                                        </p:cTn>
+                                        <p:tgtEl>
+                                          <p:spTgt spid="83"/>
+                                        </p:tgtEl>
+                                        <p:attrNameLst>
+                                          <p:attrName>style.visibility</p:attrName>
+                                        </p:attrNameLst>
+                                      </p:cBhvr>
+                                      <p:to>
+                                        <p:strVal val="visible"/>
+                                      </p:to>
+                                    </p:set>
+                                    <p:animEffect transition="in" filter="fade">
+                                      <p:cBhvr>
+                                        <p:cTn id="92" dur="500"/>
+                                        <p:tgtEl>
+                                          <p:spTgt spid="83"/>
+                                        </p:tgtEl>
+                                      </p:cBhvr>
+                                    </p:animEffect>
+                                  </p:childTnLst>
+                                </p:cTn>
+                              </p:par>
+                            </p:childTnLst>
+                          </p:cTn>
+                        </p:par>
+                      </p:childTnLst>
+                    </p:cTn>
+                  </p:par>
+                </p:childTnLst>
+              </p:cTn>
+              <p:prevCondLst>
+                <p:cond evt="onPrev" delay="0">
+                  <p:tgtEl>
+                    <p:sldTgt/>
+                  </p:tgtEl>
+                </p:cond>
+              </p:prevCondLst>
+              <p:nextCondLst>
+                <p:cond evt="onNext" delay="0">
+                  <p:tgtEl>
+                    <p:sldTgt/>
+                  </p:tgtEl>
+                </p:cond>
+              </p:nextCondLst>
+            </p:seq>
+          </p:childTnLst>
+        </p:cTn>
+      </p:par>
+    </p:tnLst>
+    <p:bldLst>
+      <p:bldP spid="16" grpId="0" animBg="1"/>
+      <p:bldP spid="21" grpId="0" animBg="1"/>
+      <p:bldP spid="41" grpId="0"/>
+      <p:bldP spid="60" grpId="0"/>
+      <p:bldP spid="61" grpId="0" animBg="1"/>
+      <p:bldP spid="63" grpId="0" animBg="1"/>
+      <p:bldP spid="78" grpId="0"/>
+      <p:bldP spid="64" grpId="0" animBg="1"/>
+      <p:bldP spid="27" grpId="0" animBg="1"/>
+      <p:bldP spid="93" grpId="0"/>
+    </p:bldLst>
+  </p:timing>
+</p:sld>
+</file>
+
+<file path=ppt/slides/slide44.xml><?xml version="1.0" encoding="utf-8"?>
+<p:sld xmlns:a="http://schemas.openxmlformats.org/drawingml/2006/main" xmlns:r="http://schemas.openxmlformats.org/officeDocument/2006/relationships" xmlns:p="http://schemas.openxmlformats.org/presentationml/2006/main">
+  <p:cSld>
+    <p:spTree>
+      <p:nvGrpSpPr>
+        <p:cNvPr id="1" name=""/>
+        <p:cNvGrpSpPr/>
+        <p:nvPr/>
+      </p:nvGrpSpPr>
+      <p:grpSpPr>
+        <a:xfrm>
+          <a:off x="0" y="0"/>
+          <a:ext cx="0" cy="0"/>
+          <a:chOff x="0" y="0"/>
+          <a:chExt cx="0" cy="0"/>
+        </a:xfrm>
+      </p:grpSpPr>
+      <p:sp>
+        <p:nvSpPr>
+          <p:cNvPr id="4" name="Title 3">
+            <a:extLst>
+              <a:ext uri="{FF2B5EF4-FFF2-40B4-BE49-F238E27FC236}">
+                <a16:creationId xmlns:a16="http://schemas.microsoft.com/office/drawing/2014/main" id="{797E582B-BE2B-24CE-6722-3CBEE5DA002F}"/>
+              </a:ext>
+            </a:extLst>
+          </p:cNvPr>
+          <p:cNvSpPr>
+            <a:spLocks noGrp="1"/>
+          </p:cNvSpPr>
+          <p:nvPr>
+            <p:ph type="title"/>
+          </p:nvPr>
+        </p:nvSpPr>
+        <p:spPr/>
+        <p:txBody>
+          <a:bodyPr/>
+          <a:lstStyle/>
+          <a:p>
+            <a:r>
+              <a:rPr lang="en-US" dirty="0"/>
+              <a:t>Another </a:t>
+            </a:r>
+            <a:r>
+              <a:rPr lang="en-US" i="1" dirty="0">
+                <a:solidFill>
+                  <a:srgbClr val="00B0F0"/>
+                </a:solidFill>
+                <a:latin typeface="Cascadia Code PL Light" panose="020B0609020000020004" pitchFamily="49" charset="0"/>
+              </a:rPr>
+              <a:t>Hint!</a:t>
+            </a:r>
+          </a:p>
+        </p:txBody>
+      </p:sp>
+      <p:sp>
+        <p:nvSpPr>
+          <p:cNvPr id="5" name="Text Placeholder 4">
+            <a:extLst>
+              <a:ext uri="{FF2B5EF4-FFF2-40B4-BE49-F238E27FC236}">
+                <a16:creationId xmlns:a16="http://schemas.microsoft.com/office/drawing/2014/main" id="{0C0CDE94-CB9A-997A-BA7C-4EE0E5020E5E}"/>
+              </a:ext>
+            </a:extLst>
+          </p:cNvPr>
+          <p:cNvSpPr>
+            <a:spLocks noGrp="1"/>
+          </p:cNvSpPr>
+          <p:nvPr>
+            <p:ph type="body" idx="1"/>
+          </p:nvPr>
+        </p:nvSpPr>
+        <p:spPr/>
+        <p:txBody>
+          <a:bodyPr/>
+          <a:lstStyle/>
+          <a:p>
+            <a:endParaRPr lang="en-US"/>
+          </a:p>
+        </p:txBody>
+      </p:sp>
+      <p:sp>
+        <p:nvSpPr>
+          <p:cNvPr id="2" name="Footer Placeholder 1">
+            <a:extLst>
+              <a:ext uri="{FF2B5EF4-FFF2-40B4-BE49-F238E27FC236}">
+                <a16:creationId xmlns:a16="http://schemas.microsoft.com/office/drawing/2014/main" id="{5CB96D9C-5888-9B14-7151-4FFA4FC4C442}"/>
+              </a:ext>
+            </a:extLst>
+          </p:cNvPr>
+          <p:cNvSpPr>
+            <a:spLocks noGrp="1"/>
+          </p:cNvSpPr>
+          <p:nvPr>
+            <p:ph type="ftr" sz="quarter" idx="11"/>
+          </p:nvPr>
+        </p:nvSpPr>
+        <p:spPr/>
+        <p:txBody>
+          <a:bodyPr/>
+          <a:lstStyle/>
+          <a:p>
+            <a:r>
+              <a:rPr lang="en-US"/>
+              <a:t>CMPS-201</a:t>
+            </a:r>
+          </a:p>
+        </p:txBody>
+      </p:sp>
+      <p:sp>
+        <p:nvSpPr>
+          <p:cNvPr id="3" name="Slide Number Placeholder 2">
+            <a:extLst>
+              <a:ext uri="{FF2B5EF4-FFF2-40B4-BE49-F238E27FC236}">
+                <a16:creationId xmlns:a16="http://schemas.microsoft.com/office/drawing/2014/main" id="{9CDD8389-F593-DCC7-04F0-1BA2CFF1369E}"/>
+              </a:ext>
+            </a:extLst>
+          </p:cNvPr>
+          <p:cNvSpPr>
+            <a:spLocks noGrp="1"/>
+          </p:cNvSpPr>
+          <p:nvPr>
+            <p:ph type="sldNum" sz="quarter" idx="12"/>
+          </p:nvPr>
+        </p:nvSpPr>
+        <p:spPr/>
+        <p:txBody>
+          <a:bodyPr/>
+          <a:lstStyle/>
+          <a:p>
+            <a:fld id="{2FEB4479-D22B-484D-8CD5-C4BFA81D8A5B}" type="slidenum">
+              <a:rPr lang="en-US" smtClean="0"/>
+              <a:t>44</a:t>
+            </a:fld>
+            <a:endParaRPr lang="en-US"/>
+          </a:p>
+        </p:txBody>
+      </p:sp>
+    </p:spTree>
+    <p:extLst>
+      <p:ext uri="{BB962C8B-B14F-4D97-AF65-F5344CB8AC3E}">
+        <p14:creationId xmlns:p14="http://schemas.microsoft.com/office/powerpoint/2010/main" val="121322925"/>
+      </p:ext>
+    </p:extLst>
+  </p:cSld>
+  <p:clrMapOvr>
+    <a:masterClrMapping/>
+  </p:clrMapOvr>
+  <mc:AlternateContent xmlns:mc="http://schemas.openxmlformats.org/markup-compatibility/2006" xmlns:p14="http://schemas.microsoft.com/office/powerpoint/2010/main">
+    <mc:Choice Requires="p14">
+      <p:transition spd="med" p14:dur="700">
+        <p:fade/>
+      </p:transition>
+    </mc:Choice>
+    <mc:Fallback xmlns="">
+      <p:transition spd="med">
+        <p:fade/>
+      </p:transition>
+    </mc:Fallback>
+  </mc:AlternateContent>
+</p:sld>
+</file>
+
+<file path=ppt/slides/slide45.xml><?xml version="1.0" encoding="utf-8"?>
+<p:sld xmlns:a="http://schemas.openxmlformats.org/drawingml/2006/main" xmlns:r="http://schemas.openxmlformats.org/officeDocument/2006/relationships" xmlns:p="http://schemas.openxmlformats.org/presentationml/2006/main">
+  <p:cSld>
+    <p:spTree>
+      <p:nvGrpSpPr>
+        <p:cNvPr id="1" name=""/>
+        <p:cNvGrpSpPr/>
+        <p:nvPr/>
+      </p:nvGrpSpPr>
+      <p:grpSpPr>
+        <a:xfrm>
+          <a:off x="0" y="0"/>
+          <a:ext cx="0" cy="0"/>
+          <a:chOff x="0" y="0"/>
+          <a:chExt cx="0" cy="0"/>
+        </a:xfrm>
+      </p:grpSpPr>
+      <p:sp>
+        <p:nvSpPr>
+          <p:cNvPr id="4" name="Footer Placeholder 3">
+            <a:extLst>
+              <a:ext uri="{FF2B5EF4-FFF2-40B4-BE49-F238E27FC236}">
+                <a16:creationId xmlns:a16="http://schemas.microsoft.com/office/drawing/2014/main" id="{36FFF2F7-4B83-4BD3-BB91-897AF4DD66BF}"/>
+              </a:ext>
+            </a:extLst>
+          </p:cNvPr>
+          <p:cNvSpPr>
+            <a:spLocks noGrp="1"/>
+          </p:cNvSpPr>
+          <p:nvPr>
+            <p:ph type="ftr" sz="quarter" idx="11"/>
+          </p:nvPr>
+        </p:nvSpPr>
+        <p:spPr/>
+        <p:txBody>
+          <a:bodyPr/>
+          <a:lstStyle/>
+          <a:p>
+            <a:r>
+              <a:rPr lang="en-US"/>
+              <a:t>CMPS-201</a:t>
+            </a:r>
+            <a:endParaRPr lang="en-US" dirty="0"/>
+          </a:p>
+        </p:txBody>
+      </p:sp>
+      <p:sp>
+        <p:nvSpPr>
+          <p:cNvPr id="5" name="Slide Number Placeholder 4">
+            <a:extLst>
+              <a:ext uri="{FF2B5EF4-FFF2-40B4-BE49-F238E27FC236}">
+                <a16:creationId xmlns:a16="http://schemas.microsoft.com/office/drawing/2014/main" id="{16234385-C6B5-0EF6-F4E4-CDC38011D884}"/>
+              </a:ext>
+            </a:extLst>
+          </p:cNvPr>
+          <p:cNvSpPr>
+            <a:spLocks noGrp="1"/>
+          </p:cNvSpPr>
+          <p:nvPr>
+            <p:ph type="sldNum" sz="quarter" idx="12"/>
+          </p:nvPr>
+        </p:nvSpPr>
+        <p:spPr/>
+        <p:txBody>
+          <a:bodyPr/>
+          <a:lstStyle/>
+          <a:p>
+            <a:fld id="{2FEB4479-D22B-484D-8CD5-C4BFA81D8A5B}" type="slidenum">
+              <a:rPr lang="en-US" smtClean="0"/>
+              <a:t>45</a:t>
+            </a:fld>
+            <a:endParaRPr lang="en-US"/>
+          </a:p>
+        </p:txBody>
+      </p:sp>
+      <p:sp>
+        <p:nvSpPr>
+          <p:cNvPr id="6" name="TextBox 5">
+            <a:extLst>
+              <a:ext uri="{FF2B5EF4-FFF2-40B4-BE49-F238E27FC236}">
+                <a16:creationId xmlns:a16="http://schemas.microsoft.com/office/drawing/2014/main" id="{4030EB1D-84AB-FCA8-F965-02BA0F8F3DF9}"/>
+              </a:ext>
+            </a:extLst>
+          </p:cNvPr>
+          <p:cNvSpPr txBox="1"/>
+          <p:nvPr/>
+        </p:nvSpPr>
+        <p:spPr>
+          <a:xfrm>
+            <a:off x="1981682" y="312516"/>
+            <a:ext cx="8228635" cy="5909310"/>
+          </a:xfrm>
+          <a:prstGeom prst="rect">
+            <a:avLst/>
+          </a:prstGeom>
+          <a:solidFill>
+            <a:schemeClr val="bg1"/>
+          </a:solidFill>
+          <a:ln>
+            <a:solidFill>
+              <a:schemeClr val="tx1"/>
+            </a:solidFill>
+          </a:ln>
+        </p:spPr>
+        <p:txBody>
+          <a:bodyPr wrap="square" rtlCol="0">
+            <a:spAutoFit/>
+          </a:bodyPr>
+          <a:lstStyle/>
+          <a:p>
+            <a:r>
+              <a:rPr lang="en-US" dirty="0">
+                <a:latin typeface="Cascadia Code" panose="020B0609020000020004" pitchFamily="49" charset="0"/>
+              </a:rPr>
+              <a:t>t_light:</a:t>
+            </a:r>
+          </a:p>
+          <a:p>
+            <a:r>
+              <a:rPr lang="en-US" dirty="0">
+                <a:latin typeface="Cascadia Code" panose="020B0609020000020004" pitchFamily="49" charset="0"/>
+              </a:rPr>
+              <a:t>    @ 1. Set the LED pins as outputs</a:t>
+            </a:r>
+          </a:p>
+          <a:p>
+            <a:r>
+              <a:rPr lang="en-US" b="0" dirty="0">
+                <a:solidFill>
+                  <a:srgbClr val="C0BAB1"/>
+                </a:solidFill>
+                <a:effectLst/>
+                <a:latin typeface="Cascadia Code" panose="020B0609020000020004" pitchFamily="49" charset="0"/>
+              </a:rPr>
+              <a:t>    </a:t>
+            </a:r>
+            <a:r>
+              <a:rPr lang="en-US" dirty="0">
+                <a:latin typeface="Cascadia Code" panose="020B0609020000020004" pitchFamily="49" charset="0"/>
+              </a:rPr>
+              <a:t>ldr</a:t>
+            </a:r>
+            <a:r>
+              <a:rPr lang="en-US" b="0" dirty="0">
+                <a:solidFill>
+                  <a:srgbClr val="C0BAB1"/>
+                </a:solidFill>
+                <a:effectLst/>
+                <a:latin typeface="Cascadia Code" panose="020B0609020000020004" pitchFamily="49" charset="0"/>
+              </a:rPr>
+              <a:t> </a:t>
+            </a:r>
+            <a:r>
+              <a:rPr lang="en-US" b="0" dirty="0">
+                <a:solidFill>
+                  <a:srgbClr val="168AAD"/>
+                </a:solidFill>
+                <a:effectLst/>
+                <a:latin typeface="Cascadia Code" panose="020B0609020000020004" pitchFamily="49" charset="0"/>
+              </a:rPr>
+              <a:t>r0</a:t>
+            </a:r>
+            <a:r>
+              <a:rPr lang="en-US" b="0" dirty="0">
+                <a:solidFill>
+                  <a:srgbClr val="C0BAB1"/>
+                </a:solidFill>
+                <a:effectLst/>
+                <a:latin typeface="Cascadia Code" panose="020B0609020000020004" pitchFamily="49" charset="0"/>
+              </a:rPr>
+              <a:t>, </a:t>
+            </a:r>
+            <a:r>
+              <a:rPr lang="en-US" dirty="0">
+                <a:latin typeface="Cascadia Code" panose="020B0609020000020004" pitchFamily="49" charset="0"/>
+              </a:rPr>
+              <a:t>=</a:t>
+            </a:r>
+            <a:r>
+              <a:rPr lang="en-US" b="0" dirty="0">
+                <a:effectLst/>
+                <a:latin typeface="Cascadia Code" panose="020B0609020000020004" pitchFamily="49" charset="0"/>
+              </a:rPr>
+              <a:t>doe31_0_reg</a:t>
+            </a:r>
+          </a:p>
+          <a:p>
+            <a:r>
+              <a:rPr lang="en-US" b="0" dirty="0">
+                <a:solidFill>
+                  <a:srgbClr val="C0BAB1"/>
+                </a:solidFill>
+                <a:effectLst/>
+                <a:latin typeface="Cascadia Code" panose="020B0609020000020004" pitchFamily="49" charset="0"/>
+              </a:rPr>
+              <a:t>    </a:t>
+            </a:r>
+            <a:r>
+              <a:rPr lang="en-US" b="0" dirty="0">
+                <a:solidFill>
+                  <a:srgbClr val="9676D1"/>
+                </a:solidFill>
+                <a:effectLst/>
+                <a:latin typeface="Cascadia Code" panose="020B0609020000020004" pitchFamily="49" charset="0"/>
+              </a:rPr>
+              <a:t>mov</a:t>
+            </a:r>
+            <a:r>
+              <a:rPr lang="en-US" b="0" dirty="0">
+                <a:solidFill>
+                  <a:srgbClr val="C0BAB1"/>
+                </a:solidFill>
+                <a:effectLst/>
+                <a:latin typeface="Cascadia Code" panose="020B0609020000020004" pitchFamily="49" charset="0"/>
+              </a:rPr>
+              <a:t> </a:t>
+            </a:r>
+            <a:r>
+              <a:rPr lang="en-US" b="0" dirty="0">
+                <a:solidFill>
+                  <a:srgbClr val="168AAD"/>
+                </a:solidFill>
+                <a:effectLst/>
+                <a:latin typeface="Cascadia Code" panose="020B0609020000020004" pitchFamily="49" charset="0"/>
+              </a:rPr>
+              <a:t>r1</a:t>
+            </a:r>
+            <a:r>
+              <a:rPr lang="en-US" b="0" dirty="0">
+                <a:solidFill>
+                  <a:srgbClr val="C0BAB1"/>
+                </a:solidFill>
+                <a:effectLst/>
+                <a:latin typeface="Cascadia Code" panose="020B0609020000020004" pitchFamily="49" charset="0"/>
+              </a:rPr>
+              <a:t>, #</a:t>
+            </a:r>
+            <a:r>
+              <a:rPr lang="en-US" b="0" dirty="0">
+                <a:solidFill>
+                  <a:srgbClr val="168AAD"/>
+                </a:solidFill>
+                <a:effectLst/>
+                <a:latin typeface="Cascadia Code" panose="020B0609020000020004" pitchFamily="49" charset="0"/>
+              </a:rPr>
+              <a:t>1</a:t>
+            </a:r>
+            <a:endParaRPr lang="en-US" b="0" dirty="0">
+              <a:solidFill>
+                <a:srgbClr val="C0BAB1"/>
+              </a:solidFill>
+              <a:effectLst/>
+              <a:latin typeface="Cascadia Code" panose="020B0609020000020004" pitchFamily="49" charset="0"/>
+            </a:endParaRPr>
+          </a:p>
+          <a:p>
+            <a:r>
+              <a:rPr lang="en-US" b="0" dirty="0">
+                <a:solidFill>
+                  <a:srgbClr val="C0BAB1"/>
+                </a:solidFill>
+                <a:effectLst/>
+                <a:latin typeface="Cascadia Code" panose="020B0609020000020004" pitchFamily="49" charset="0"/>
+              </a:rPr>
+              <a:t>    </a:t>
+            </a:r>
+            <a:r>
+              <a:rPr lang="en-US" b="0" dirty="0">
+                <a:solidFill>
+                  <a:srgbClr val="9676D1"/>
+                </a:solidFill>
+                <a:effectLst/>
+                <a:latin typeface="Cascadia Code" panose="020B0609020000020004" pitchFamily="49" charset="0"/>
+              </a:rPr>
+              <a:t>mov</a:t>
+            </a:r>
+            <a:r>
+              <a:rPr lang="en-US" b="0" dirty="0">
+                <a:solidFill>
+                  <a:srgbClr val="C0BAB1"/>
+                </a:solidFill>
+                <a:effectLst/>
+                <a:latin typeface="Cascadia Code" panose="020B0609020000020004" pitchFamily="49" charset="0"/>
+              </a:rPr>
+              <a:t> </a:t>
+            </a:r>
+            <a:r>
+              <a:rPr lang="en-US" b="0" dirty="0">
+                <a:solidFill>
+                  <a:srgbClr val="168AAD"/>
+                </a:solidFill>
+                <a:effectLst/>
+                <a:latin typeface="Cascadia Code" panose="020B0609020000020004" pitchFamily="49" charset="0"/>
+              </a:rPr>
+              <a:t>r2</a:t>
+            </a:r>
+            <a:r>
+              <a:rPr lang="en-US" b="0" dirty="0">
+                <a:solidFill>
+                  <a:srgbClr val="C0BAB1"/>
+                </a:solidFill>
+                <a:effectLst/>
+                <a:latin typeface="Cascadia Code" panose="020B0609020000020004" pitchFamily="49" charset="0"/>
+              </a:rPr>
+              <a:t>, #</a:t>
+            </a:r>
+            <a:r>
+              <a:rPr lang="en-US" b="0" dirty="0">
+                <a:solidFill>
+                  <a:srgbClr val="168AAD"/>
+                </a:solidFill>
+                <a:effectLst/>
+                <a:latin typeface="Cascadia Code" panose="020B0609020000020004" pitchFamily="49" charset="0"/>
+              </a:rPr>
+              <a:t>0</a:t>
+            </a:r>
+            <a:endParaRPr lang="en-US" b="0" dirty="0">
+              <a:solidFill>
+                <a:srgbClr val="C0BAB1"/>
+              </a:solidFill>
+              <a:effectLst/>
+              <a:latin typeface="Cascadia Code" panose="020B0609020000020004" pitchFamily="49" charset="0"/>
+            </a:endParaRPr>
+          </a:p>
+          <a:p>
+            <a:r>
+              <a:rPr lang="en-US" b="0" dirty="0">
+                <a:solidFill>
+                  <a:srgbClr val="C0BAB1"/>
+                </a:solidFill>
+                <a:effectLst/>
+                <a:latin typeface="Cascadia Code" panose="020B0609020000020004" pitchFamily="49" charset="0"/>
+              </a:rPr>
+              <a:t>    </a:t>
+            </a:r>
+            <a:r>
+              <a:rPr lang="en-US" dirty="0">
+                <a:latin typeface="Cascadia Code" panose="020B0609020000020004" pitchFamily="49" charset="0"/>
+              </a:rPr>
+              <a:t>orr</a:t>
+            </a:r>
+            <a:r>
+              <a:rPr lang="en-US" b="0" dirty="0">
+                <a:solidFill>
+                  <a:srgbClr val="C0BAB1"/>
+                </a:solidFill>
+                <a:effectLst/>
+                <a:latin typeface="Cascadia Code" panose="020B0609020000020004" pitchFamily="49" charset="0"/>
+              </a:rPr>
+              <a:t> </a:t>
+            </a:r>
+            <a:r>
+              <a:rPr lang="en-US" b="0" dirty="0">
+                <a:solidFill>
+                  <a:srgbClr val="168AAD"/>
+                </a:solidFill>
+                <a:effectLst/>
+                <a:latin typeface="Cascadia Code" panose="020B0609020000020004" pitchFamily="49" charset="0"/>
+              </a:rPr>
+              <a:t>r2</a:t>
+            </a:r>
+            <a:r>
+              <a:rPr lang="en-US" b="0" dirty="0">
+                <a:solidFill>
+                  <a:srgbClr val="C0BAB1"/>
+                </a:solidFill>
+                <a:effectLst/>
+                <a:latin typeface="Cascadia Code" panose="020B0609020000020004" pitchFamily="49" charset="0"/>
+              </a:rPr>
+              <a:t>, </a:t>
+            </a:r>
+            <a:r>
+              <a:rPr lang="en-US" b="0" dirty="0">
+                <a:solidFill>
+                  <a:srgbClr val="168AAD"/>
+                </a:solidFill>
+                <a:effectLst/>
+                <a:latin typeface="Cascadia Code" panose="020B0609020000020004" pitchFamily="49" charset="0"/>
+              </a:rPr>
+              <a:t>r2</a:t>
+            </a:r>
+            <a:r>
+              <a:rPr lang="en-US" b="0" dirty="0">
+                <a:solidFill>
+                  <a:srgbClr val="C0BAB1"/>
+                </a:solidFill>
+                <a:effectLst/>
+                <a:latin typeface="Cascadia Code" panose="020B0609020000020004" pitchFamily="49" charset="0"/>
+              </a:rPr>
+              <a:t>, </a:t>
+            </a:r>
+            <a:r>
+              <a:rPr lang="en-US" b="0" dirty="0">
+                <a:solidFill>
+                  <a:srgbClr val="168AAD"/>
+                </a:solidFill>
+                <a:effectLst/>
+                <a:latin typeface="Cascadia Code" panose="020B0609020000020004" pitchFamily="49" charset="0"/>
+              </a:rPr>
+              <a:t>r1</a:t>
+            </a:r>
+            <a:r>
+              <a:rPr lang="en-US" b="0" dirty="0">
+                <a:solidFill>
+                  <a:srgbClr val="C0BAB1"/>
+                </a:solidFill>
+                <a:effectLst/>
+                <a:latin typeface="Cascadia Code" panose="020B0609020000020004" pitchFamily="49" charset="0"/>
+              </a:rPr>
+              <a:t>, </a:t>
+            </a:r>
+            <a:r>
+              <a:rPr lang="en-US" dirty="0">
+                <a:latin typeface="Cascadia Code" panose="020B0609020000020004" pitchFamily="49" charset="0"/>
+              </a:rPr>
+              <a:t>LSL #green_led</a:t>
+            </a:r>
+          </a:p>
+          <a:p>
+            <a:r>
+              <a:rPr lang="en-US" b="0" dirty="0">
+                <a:solidFill>
+                  <a:srgbClr val="C0BAB1"/>
+                </a:solidFill>
+                <a:effectLst/>
+                <a:latin typeface="Cascadia Code" panose="020B0609020000020004" pitchFamily="49" charset="0"/>
+              </a:rPr>
+              <a:t>    </a:t>
+            </a:r>
+            <a:r>
+              <a:rPr lang="en-US" dirty="0">
+                <a:latin typeface="Cascadia Code" panose="020B0609020000020004" pitchFamily="49" charset="0"/>
+              </a:rPr>
+              <a:t>orr</a:t>
+            </a:r>
+            <a:r>
+              <a:rPr lang="en-US" b="0" dirty="0">
+                <a:solidFill>
+                  <a:srgbClr val="C0BAB1"/>
+                </a:solidFill>
+                <a:effectLst/>
+                <a:latin typeface="Cascadia Code" panose="020B0609020000020004" pitchFamily="49" charset="0"/>
+              </a:rPr>
+              <a:t> </a:t>
+            </a:r>
+            <a:r>
+              <a:rPr lang="en-US" b="0" dirty="0">
+                <a:solidFill>
+                  <a:srgbClr val="168AAD"/>
+                </a:solidFill>
+                <a:effectLst/>
+                <a:latin typeface="Cascadia Code" panose="020B0609020000020004" pitchFamily="49" charset="0"/>
+              </a:rPr>
+              <a:t>r2</a:t>
+            </a:r>
+            <a:r>
+              <a:rPr lang="en-US" b="0" dirty="0">
+                <a:solidFill>
+                  <a:srgbClr val="C0BAB1"/>
+                </a:solidFill>
+                <a:effectLst/>
+                <a:latin typeface="Cascadia Code" panose="020B0609020000020004" pitchFamily="49" charset="0"/>
+              </a:rPr>
+              <a:t>, </a:t>
+            </a:r>
+            <a:r>
+              <a:rPr lang="en-US" b="0" dirty="0">
+                <a:solidFill>
+                  <a:srgbClr val="168AAD"/>
+                </a:solidFill>
+                <a:effectLst/>
+                <a:latin typeface="Cascadia Code" panose="020B0609020000020004" pitchFamily="49" charset="0"/>
+              </a:rPr>
+              <a:t>r2</a:t>
+            </a:r>
+            <a:r>
+              <a:rPr lang="en-US" b="0" dirty="0">
+                <a:solidFill>
+                  <a:srgbClr val="C0BAB1"/>
+                </a:solidFill>
+                <a:effectLst/>
+                <a:latin typeface="Cascadia Code" panose="020B0609020000020004" pitchFamily="49" charset="0"/>
+              </a:rPr>
+              <a:t>, </a:t>
+            </a:r>
+            <a:r>
+              <a:rPr lang="en-US" b="0" dirty="0">
+                <a:solidFill>
+                  <a:srgbClr val="168AAD"/>
+                </a:solidFill>
+                <a:effectLst/>
+                <a:latin typeface="Cascadia Code" panose="020B0609020000020004" pitchFamily="49" charset="0"/>
+              </a:rPr>
+              <a:t>r1</a:t>
+            </a:r>
+            <a:r>
+              <a:rPr lang="en-US" b="0" dirty="0">
+                <a:solidFill>
+                  <a:srgbClr val="C0BAB1"/>
+                </a:solidFill>
+                <a:effectLst/>
+                <a:latin typeface="Cascadia Code" panose="020B0609020000020004" pitchFamily="49" charset="0"/>
+              </a:rPr>
+              <a:t>, </a:t>
+            </a:r>
+            <a:r>
+              <a:rPr lang="en-US" dirty="0">
+                <a:latin typeface="Cascadia Code" panose="020B0609020000020004" pitchFamily="49" charset="0"/>
+              </a:rPr>
+              <a:t>LSL #red_led</a:t>
+            </a:r>
+          </a:p>
+          <a:p>
+            <a:r>
+              <a:rPr lang="en-US" b="0" dirty="0">
+                <a:solidFill>
+                  <a:srgbClr val="C0BAB1"/>
+                </a:solidFill>
+                <a:effectLst/>
+                <a:latin typeface="Cascadia Code" panose="020B0609020000020004" pitchFamily="49" charset="0"/>
+              </a:rPr>
+              <a:t>    </a:t>
+            </a:r>
+            <a:r>
+              <a:rPr lang="en-US" dirty="0">
+                <a:latin typeface="Cascadia Code" panose="020B0609020000020004" pitchFamily="49" charset="0"/>
+              </a:rPr>
+              <a:t>str</a:t>
+            </a:r>
+            <a:r>
+              <a:rPr lang="en-US" b="0" dirty="0">
+                <a:solidFill>
+                  <a:srgbClr val="C0BAB1"/>
+                </a:solidFill>
+                <a:effectLst/>
+                <a:latin typeface="Cascadia Code" panose="020B0609020000020004" pitchFamily="49" charset="0"/>
+              </a:rPr>
+              <a:t> </a:t>
+            </a:r>
+            <a:r>
+              <a:rPr lang="en-US" b="0" dirty="0">
+                <a:solidFill>
+                  <a:srgbClr val="168AAD"/>
+                </a:solidFill>
+                <a:effectLst/>
+                <a:latin typeface="Cascadia Code" panose="020B0609020000020004" pitchFamily="49" charset="0"/>
+              </a:rPr>
+              <a:t>r2</a:t>
+            </a:r>
+            <a:r>
+              <a:rPr lang="en-US" b="0" dirty="0">
+                <a:solidFill>
+                  <a:srgbClr val="C0BAB1"/>
+                </a:solidFill>
+                <a:effectLst/>
+                <a:latin typeface="Cascadia Code" panose="020B0609020000020004" pitchFamily="49" charset="0"/>
+              </a:rPr>
+              <a:t>, [</a:t>
+            </a:r>
+            <a:r>
+              <a:rPr lang="en-US" b="0" dirty="0">
+                <a:solidFill>
+                  <a:srgbClr val="168AAD"/>
+                </a:solidFill>
+                <a:effectLst/>
+                <a:latin typeface="Cascadia Code" panose="020B0609020000020004" pitchFamily="49" charset="0"/>
+              </a:rPr>
+              <a:t>r0</a:t>
+            </a:r>
+            <a:r>
+              <a:rPr lang="en-US" b="0" dirty="0">
+                <a:solidFill>
+                  <a:srgbClr val="C0BAB1"/>
+                </a:solidFill>
+                <a:effectLst/>
+                <a:latin typeface="Cascadia Code" panose="020B0609020000020004" pitchFamily="49" charset="0"/>
+              </a:rPr>
+              <a:t>]</a:t>
+            </a:r>
+          </a:p>
+          <a:p>
+            <a:br>
+              <a:rPr lang="en-US" b="0" dirty="0">
+                <a:solidFill>
+                  <a:srgbClr val="C0BAB1"/>
+                </a:solidFill>
+                <a:effectLst/>
+                <a:latin typeface="Cascadia Code" panose="020B0609020000020004" pitchFamily="49" charset="0"/>
+              </a:rPr>
+            </a:br>
+            <a:r>
+              <a:rPr lang="en-US" b="0" dirty="0">
+                <a:solidFill>
+                  <a:srgbClr val="C0BAB1"/>
+                </a:solidFill>
+                <a:effectLst/>
+                <a:latin typeface="Cascadia Code" panose="020B0609020000020004" pitchFamily="49" charset="0"/>
+              </a:rPr>
+              <a:t>    </a:t>
+            </a:r>
+            <a:r>
+              <a:rPr lang="en-US" dirty="0">
+                <a:latin typeface="Cascadia Code" panose="020B0609020000020004" pitchFamily="49" charset="0"/>
+              </a:rPr>
+              <a:t>@ 2. Set the buttons as inputs</a:t>
+            </a:r>
+          </a:p>
+          <a:p>
+            <a:r>
+              <a:rPr lang="en-US" b="0" dirty="0">
+                <a:solidFill>
+                  <a:srgbClr val="C0BAB1"/>
+                </a:solidFill>
+                <a:effectLst/>
+                <a:latin typeface="Cascadia Code" panose="020B0609020000020004" pitchFamily="49" charset="0"/>
+              </a:rPr>
+              <a:t>    </a:t>
+            </a:r>
+            <a:r>
+              <a:rPr lang="en-US" dirty="0">
+                <a:latin typeface="Cascadia Code" panose="020B0609020000020004" pitchFamily="49" charset="0"/>
+              </a:rPr>
+              <a:t>ldr</a:t>
+            </a:r>
+            <a:r>
+              <a:rPr lang="en-US" b="0" dirty="0">
+                <a:solidFill>
+                  <a:srgbClr val="C0BAB1"/>
+                </a:solidFill>
+                <a:effectLst/>
+                <a:latin typeface="Cascadia Code" panose="020B0609020000020004" pitchFamily="49" charset="0"/>
+              </a:rPr>
+              <a:t> </a:t>
+            </a:r>
+            <a:r>
+              <a:rPr lang="en-US" b="0" dirty="0">
+                <a:solidFill>
+                  <a:srgbClr val="168AAD"/>
+                </a:solidFill>
+                <a:effectLst/>
+                <a:latin typeface="Cascadia Code" panose="020B0609020000020004" pitchFamily="49" charset="0"/>
+              </a:rPr>
+              <a:t>r0</a:t>
+            </a:r>
+            <a:r>
+              <a:rPr lang="en-US" b="0" dirty="0">
+                <a:solidFill>
+                  <a:srgbClr val="C0BAB1"/>
+                </a:solidFill>
+                <a:effectLst/>
+                <a:latin typeface="Cascadia Code" panose="020B0609020000020004" pitchFamily="49" charset="0"/>
+              </a:rPr>
+              <a:t>, </a:t>
+            </a:r>
+            <a:r>
+              <a:rPr lang="en-US" dirty="0">
+                <a:latin typeface="Cascadia Code" panose="020B0609020000020004" pitchFamily="49" charset="0"/>
+              </a:rPr>
+              <a:t>=iocfg_btn</a:t>
+            </a:r>
+          </a:p>
+          <a:p>
+            <a:r>
+              <a:rPr lang="en-US" b="0" dirty="0">
+                <a:solidFill>
+                  <a:srgbClr val="C0BAB1"/>
+                </a:solidFill>
+                <a:effectLst/>
+                <a:latin typeface="Cascadia Code" panose="020B0609020000020004" pitchFamily="49" charset="0"/>
+              </a:rPr>
+              <a:t>    </a:t>
+            </a:r>
+            <a:r>
+              <a:rPr lang="en-US" b="0" dirty="0">
+                <a:solidFill>
+                  <a:srgbClr val="9676D1"/>
+                </a:solidFill>
+                <a:effectLst/>
+                <a:latin typeface="Cascadia Code" panose="020B0609020000020004" pitchFamily="49" charset="0"/>
+              </a:rPr>
+              <a:t>mov</a:t>
+            </a:r>
+            <a:r>
+              <a:rPr lang="en-US" b="0" dirty="0">
+                <a:solidFill>
+                  <a:srgbClr val="C0BAB1"/>
+                </a:solidFill>
+                <a:effectLst/>
+                <a:latin typeface="Cascadia Code" panose="020B0609020000020004" pitchFamily="49" charset="0"/>
+              </a:rPr>
+              <a:t> </a:t>
+            </a:r>
+            <a:r>
+              <a:rPr lang="en-US" b="0" dirty="0">
+                <a:solidFill>
+                  <a:srgbClr val="168AAD"/>
+                </a:solidFill>
+                <a:effectLst/>
+                <a:latin typeface="Cascadia Code" panose="020B0609020000020004" pitchFamily="49" charset="0"/>
+              </a:rPr>
+              <a:t>r1</a:t>
+            </a:r>
+            <a:r>
+              <a:rPr lang="en-US" b="0" dirty="0">
+                <a:solidFill>
+                  <a:srgbClr val="C0BAB1"/>
+                </a:solidFill>
+                <a:effectLst/>
+                <a:latin typeface="Cascadia Code" panose="020B0609020000020004" pitchFamily="49" charset="0"/>
+              </a:rPr>
+              <a:t>, #</a:t>
+            </a:r>
+            <a:r>
+              <a:rPr lang="en-US" b="0" dirty="0">
+                <a:solidFill>
+                  <a:srgbClr val="168AAD"/>
+                </a:solidFill>
+                <a:effectLst/>
+                <a:latin typeface="Cascadia Code" panose="020B0609020000020004" pitchFamily="49" charset="0"/>
+              </a:rPr>
+              <a:t>1</a:t>
+            </a:r>
+            <a:endParaRPr lang="en-US" b="0" dirty="0">
+              <a:solidFill>
+                <a:srgbClr val="C0BAB1"/>
+              </a:solidFill>
+              <a:effectLst/>
+              <a:latin typeface="Cascadia Code" panose="020B0609020000020004" pitchFamily="49" charset="0"/>
+            </a:endParaRPr>
+          </a:p>
+          <a:p>
+            <a:r>
+              <a:rPr lang="en-US" b="0" dirty="0">
+                <a:solidFill>
+                  <a:srgbClr val="C0BAB1"/>
+                </a:solidFill>
+                <a:effectLst/>
+                <a:latin typeface="Cascadia Code" panose="020B0609020000020004" pitchFamily="49" charset="0"/>
+              </a:rPr>
+              <a:t>    </a:t>
+            </a:r>
+            <a:r>
+              <a:rPr lang="en-US" b="0" dirty="0">
+                <a:solidFill>
+                  <a:srgbClr val="9676D1"/>
+                </a:solidFill>
+                <a:effectLst/>
+                <a:latin typeface="Cascadia Code" panose="020B0609020000020004" pitchFamily="49" charset="0"/>
+              </a:rPr>
+              <a:t>mov</a:t>
+            </a:r>
+            <a:r>
+              <a:rPr lang="en-US" b="0" dirty="0">
+                <a:solidFill>
+                  <a:srgbClr val="C0BAB1"/>
+                </a:solidFill>
+                <a:effectLst/>
+                <a:latin typeface="Cascadia Code" panose="020B0609020000020004" pitchFamily="49" charset="0"/>
+              </a:rPr>
+              <a:t> </a:t>
+            </a:r>
+            <a:r>
+              <a:rPr lang="en-US" b="0" dirty="0">
+                <a:solidFill>
+                  <a:srgbClr val="168AAD"/>
+                </a:solidFill>
+                <a:effectLst/>
+                <a:latin typeface="Cascadia Code" panose="020B0609020000020004" pitchFamily="49" charset="0"/>
+              </a:rPr>
+              <a:t>r2</a:t>
+            </a:r>
+            <a:r>
+              <a:rPr lang="en-US" b="0" dirty="0">
+                <a:solidFill>
+                  <a:srgbClr val="C0BAB1"/>
+                </a:solidFill>
+                <a:effectLst/>
+                <a:latin typeface="Cascadia Code" panose="020B0609020000020004" pitchFamily="49" charset="0"/>
+              </a:rPr>
+              <a:t>, #</a:t>
+            </a:r>
+            <a:r>
+              <a:rPr lang="en-US" b="0" dirty="0">
+                <a:solidFill>
+                  <a:srgbClr val="168AAD"/>
+                </a:solidFill>
+                <a:effectLst/>
+                <a:latin typeface="Cascadia Code" panose="020B0609020000020004" pitchFamily="49" charset="0"/>
+              </a:rPr>
+              <a:t>0</a:t>
+            </a:r>
+            <a:endParaRPr lang="en-US" b="0" dirty="0">
+              <a:solidFill>
+                <a:srgbClr val="C0BAB1"/>
+              </a:solidFill>
+              <a:effectLst/>
+              <a:latin typeface="Cascadia Code" panose="020B0609020000020004" pitchFamily="49" charset="0"/>
+            </a:endParaRPr>
+          </a:p>
+          <a:p>
+            <a:r>
+              <a:rPr lang="en-US" b="0" dirty="0">
+                <a:solidFill>
+                  <a:srgbClr val="C0BAB1"/>
+                </a:solidFill>
+                <a:effectLst/>
+                <a:latin typeface="Cascadia Code" panose="020B0609020000020004" pitchFamily="49" charset="0"/>
+              </a:rPr>
+              <a:t>    </a:t>
+            </a:r>
+            <a:r>
+              <a:rPr lang="en-US" dirty="0">
+                <a:latin typeface="Cascadia Code" panose="020B0609020000020004" pitchFamily="49" charset="0"/>
+              </a:rPr>
+              <a:t>orr</a:t>
+            </a:r>
+            <a:r>
+              <a:rPr lang="en-US" b="0" dirty="0">
+                <a:solidFill>
+                  <a:srgbClr val="C0BAB1"/>
+                </a:solidFill>
+                <a:effectLst/>
+                <a:latin typeface="Cascadia Code" panose="020B0609020000020004" pitchFamily="49" charset="0"/>
+              </a:rPr>
+              <a:t> </a:t>
+            </a:r>
+            <a:r>
+              <a:rPr lang="en-US" b="0" dirty="0">
+                <a:solidFill>
+                  <a:srgbClr val="168AAD"/>
+                </a:solidFill>
+                <a:effectLst/>
+                <a:latin typeface="Cascadia Code" panose="020B0609020000020004" pitchFamily="49" charset="0"/>
+              </a:rPr>
+              <a:t>r2</a:t>
+            </a:r>
+            <a:r>
+              <a:rPr lang="en-US" b="0" dirty="0">
+                <a:solidFill>
+                  <a:srgbClr val="C0BAB1"/>
+                </a:solidFill>
+                <a:effectLst/>
+                <a:latin typeface="Cascadia Code" panose="020B0609020000020004" pitchFamily="49" charset="0"/>
+              </a:rPr>
+              <a:t>, </a:t>
+            </a:r>
+            <a:r>
+              <a:rPr lang="en-US" b="0" dirty="0">
+                <a:solidFill>
+                  <a:srgbClr val="168AAD"/>
+                </a:solidFill>
+                <a:effectLst/>
+                <a:latin typeface="Cascadia Code" panose="020B0609020000020004" pitchFamily="49" charset="0"/>
+              </a:rPr>
+              <a:t>r2</a:t>
+            </a:r>
+            <a:r>
+              <a:rPr lang="en-US" b="0" dirty="0">
+                <a:solidFill>
+                  <a:srgbClr val="C0BAB1"/>
+                </a:solidFill>
+                <a:effectLst/>
+                <a:latin typeface="Cascadia Code" panose="020B0609020000020004" pitchFamily="49" charset="0"/>
+              </a:rPr>
+              <a:t>, </a:t>
+            </a:r>
+            <a:r>
+              <a:rPr lang="en-US" b="0" dirty="0">
+                <a:solidFill>
+                  <a:srgbClr val="168AAD"/>
+                </a:solidFill>
+                <a:effectLst/>
+                <a:latin typeface="Cascadia Code" panose="020B0609020000020004" pitchFamily="49" charset="0"/>
+              </a:rPr>
+              <a:t>r1</a:t>
+            </a:r>
+            <a:r>
+              <a:rPr lang="en-US" b="0" dirty="0">
+                <a:solidFill>
+                  <a:srgbClr val="C0BAB1"/>
+                </a:solidFill>
+                <a:effectLst/>
+                <a:latin typeface="Cascadia Code" panose="020B0609020000020004" pitchFamily="49" charset="0"/>
+              </a:rPr>
+              <a:t>, </a:t>
+            </a:r>
+            <a:r>
+              <a:rPr lang="en-US" dirty="0">
+                <a:latin typeface="Cascadia Code" panose="020B0609020000020004" pitchFamily="49" charset="0"/>
+              </a:rPr>
+              <a:t>LSL</a:t>
+            </a:r>
+            <a:r>
+              <a:rPr lang="en-US" b="0" dirty="0">
+                <a:solidFill>
+                  <a:srgbClr val="C0BAB1"/>
+                </a:solidFill>
+                <a:effectLst/>
+                <a:latin typeface="Cascadia Code" panose="020B0609020000020004" pitchFamily="49" charset="0"/>
+              </a:rPr>
+              <a:t> </a:t>
+            </a:r>
+            <a:r>
+              <a:rPr lang="en-US" b="0" dirty="0">
+                <a:solidFill>
+                  <a:srgbClr val="168AAD"/>
+                </a:solidFill>
+                <a:effectLst/>
+                <a:latin typeface="Cascadia Code" panose="020B0609020000020004" pitchFamily="49" charset="0"/>
+              </a:rPr>
+              <a:t>29</a:t>
+            </a:r>
+            <a:endParaRPr lang="en-US" b="0" dirty="0">
+              <a:solidFill>
+                <a:srgbClr val="C0BAB1"/>
+              </a:solidFill>
+              <a:effectLst/>
+              <a:latin typeface="Cascadia Code" panose="020B0609020000020004" pitchFamily="49" charset="0"/>
+            </a:endParaRPr>
+          </a:p>
+          <a:p>
+            <a:r>
+              <a:rPr lang="en-US" b="0" dirty="0">
+                <a:solidFill>
+                  <a:srgbClr val="C0BAB1"/>
+                </a:solidFill>
+                <a:effectLst/>
+                <a:latin typeface="Cascadia Code" panose="020B0609020000020004" pitchFamily="49" charset="0"/>
+              </a:rPr>
+              <a:t>    </a:t>
+            </a:r>
+            <a:r>
+              <a:rPr lang="en-US" dirty="0">
+                <a:latin typeface="Cascadia Code" panose="020B0609020000020004" pitchFamily="49" charset="0"/>
+              </a:rPr>
+              <a:t>str</a:t>
+            </a:r>
+            <a:r>
+              <a:rPr lang="en-US" b="0" dirty="0">
+                <a:solidFill>
+                  <a:srgbClr val="C0BAB1"/>
+                </a:solidFill>
+                <a:effectLst/>
+                <a:latin typeface="Cascadia Code" panose="020B0609020000020004" pitchFamily="49" charset="0"/>
+              </a:rPr>
+              <a:t> </a:t>
+            </a:r>
+            <a:r>
+              <a:rPr lang="en-US" b="0" dirty="0">
+                <a:solidFill>
+                  <a:srgbClr val="168AAD"/>
+                </a:solidFill>
+                <a:effectLst/>
+                <a:latin typeface="Cascadia Code" panose="020B0609020000020004" pitchFamily="49" charset="0"/>
+              </a:rPr>
+              <a:t>r2</a:t>
+            </a:r>
+            <a:r>
+              <a:rPr lang="en-US" b="0" dirty="0">
+                <a:solidFill>
+                  <a:srgbClr val="C0BAB1"/>
+                </a:solidFill>
+                <a:effectLst/>
+                <a:latin typeface="Cascadia Code" panose="020B0609020000020004" pitchFamily="49" charset="0"/>
+              </a:rPr>
+              <a:t>, [</a:t>
+            </a:r>
+            <a:r>
+              <a:rPr lang="en-US" b="0" dirty="0">
+                <a:solidFill>
+                  <a:srgbClr val="168AAD"/>
+                </a:solidFill>
+                <a:effectLst/>
+                <a:latin typeface="Cascadia Code" panose="020B0609020000020004" pitchFamily="49" charset="0"/>
+              </a:rPr>
+              <a:t>r0</a:t>
+            </a:r>
+            <a:r>
+              <a:rPr lang="en-US" b="0" dirty="0">
+                <a:solidFill>
+                  <a:srgbClr val="C0BAB1"/>
+                </a:solidFill>
+                <a:effectLst/>
+                <a:latin typeface="Cascadia Code" panose="020B0609020000020004" pitchFamily="49" charset="0"/>
+              </a:rPr>
+              <a:t>]</a:t>
+            </a:r>
+          </a:p>
+          <a:p>
+            <a:br>
+              <a:rPr lang="en-US" b="0" dirty="0">
+                <a:solidFill>
+                  <a:srgbClr val="C0BAB1"/>
+                </a:solidFill>
+                <a:effectLst/>
+                <a:latin typeface="Cascadia Code" panose="020B0609020000020004" pitchFamily="49" charset="0"/>
+              </a:rPr>
+            </a:br>
+            <a:r>
+              <a:rPr lang="en-US" dirty="0">
+                <a:latin typeface="Cascadia Code" panose="020B0609020000020004" pitchFamily="49" charset="0"/>
+              </a:rPr>
+              <a:t>    @ 3. Turn On RED by default</a:t>
+            </a:r>
+          </a:p>
+          <a:p>
+            <a:r>
+              <a:rPr lang="en-US" b="0" dirty="0">
+                <a:solidFill>
+                  <a:srgbClr val="C0BAB1"/>
+                </a:solidFill>
+                <a:effectLst/>
+                <a:latin typeface="Cascadia Code" panose="020B0609020000020004" pitchFamily="49" charset="0"/>
+              </a:rPr>
+              <a:t>    </a:t>
+            </a:r>
+            <a:r>
+              <a:rPr lang="en-US" b="0" dirty="0">
+                <a:solidFill>
+                  <a:srgbClr val="9676D1"/>
+                </a:solidFill>
+                <a:effectLst/>
+                <a:latin typeface="Cascadia Code" panose="020B0609020000020004" pitchFamily="49" charset="0"/>
+              </a:rPr>
+              <a:t>mov</a:t>
+            </a:r>
+            <a:r>
+              <a:rPr lang="en-US" b="0" dirty="0">
+                <a:solidFill>
+                  <a:srgbClr val="C0BAB1"/>
+                </a:solidFill>
+                <a:effectLst/>
+                <a:latin typeface="Cascadia Code" panose="020B0609020000020004" pitchFamily="49" charset="0"/>
+              </a:rPr>
+              <a:t> </a:t>
+            </a:r>
+            <a:r>
+              <a:rPr lang="en-US" b="0" dirty="0">
+                <a:solidFill>
+                  <a:srgbClr val="168AAD"/>
+                </a:solidFill>
+                <a:effectLst/>
+                <a:latin typeface="Cascadia Code" panose="020B0609020000020004" pitchFamily="49" charset="0"/>
+              </a:rPr>
+              <a:t>r2</a:t>
+            </a:r>
+            <a:r>
+              <a:rPr lang="en-US" b="0" dirty="0">
+                <a:solidFill>
+                  <a:srgbClr val="C0BAB1"/>
+                </a:solidFill>
+                <a:effectLst/>
+                <a:latin typeface="Cascadia Code" panose="020B0609020000020004" pitchFamily="49" charset="0"/>
+              </a:rPr>
+              <a:t>, #</a:t>
+            </a:r>
+            <a:r>
+              <a:rPr lang="en-US" b="0" dirty="0">
+                <a:solidFill>
+                  <a:srgbClr val="168AAD"/>
+                </a:solidFill>
+                <a:effectLst/>
+                <a:latin typeface="Cascadia Code" panose="020B0609020000020004" pitchFamily="49" charset="0"/>
+              </a:rPr>
+              <a:t>0</a:t>
+            </a:r>
+            <a:endParaRPr lang="en-US" b="0" dirty="0">
+              <a:solidFill>
+                <a:srgbClr val="C0BAB1"/>
+              </a:solidFill>
+              <a:effectLst/>
+              <a:latin typeface="Cascadia Code" panose="020B0609020000020004" pitchFamily="49" charset="0"/>
+            </a:endParaRPr>
+          </a:p>
+          <a:p>
+            <a:r>
+              <a:rPr lang="en-US" b="0" dirty="0">
+                <a:solidFill>
+                  <a:srgbClr val="C0BAB1"/>
+                </a:solidFill>
+                <a:effectLst/>
+                <a:latin typeface="Cascadia Code" panose="020B0609020000020004" pitchFamily="49" charset="0"/>
+              </a:rPr>
+              <a:t>    </a:t>
+            </a:r>
+            <a:r>
+              <a:rPr lang="en-US" dirty="0">
+                <a:latin typeface="Cascadia Code" panose="020B0609020000020004" pitchFamily="49" charset="0"/>
+              </a:rPr>
+              <a:t>eor</a:t>
+            </a:r>
+            <a:r>
+              <a:rPr lang="en-US" b="0" dirty="0">
+                <a:solidFill>
+                  <a:srgbClr val="C0BAB1"/>
+                </a:solidFill>
+                <a:effectLst/>
+                <a:latin typeface="Cascadia Code" panose="020B0609020000020004" pitchFamily="49" charset="0"/>
+              </a:rPr>
+              <a:t> </a:t>
+            </a:r>
+            <a:r>
+              <a:rPr lang="en-US" b="0" dirty="0">
+                <a:solidFill>
+                  <a:srgbClr val="168AAD"/>
+                </a:solidFill>
+                <a:effectLst/>
+                <a:latin typeface="Cascadia Code" panose="020B0609020000020004" pitchFamily="49" charset="0"/>
+              </a:rPr>
+              <a:t>r2</a:t>
+            </a:r>
+            <a:r>
+              <a:rPr lang="en-US" b="0" dirty="0">
+                <a:solidFill>
+                  <a:srgbClr val="C0BAB1"/>
+                </a:solidFill>
+                <a:effectLst/>
+                <a:latin typeface="Cascadia Code" panose="020B0609020000020004" pitchFamily="49" charset="0"/>
+              </a:rPr>
+              <a:t>, </a:t>
+            </a:r>
+            <a:r>
+              <a:rPr lang="en-US" b="0" dirty="0">
+                <a:solidFill>
+                  <a:srgbClr val="168AAD"/>
+                </a:solidFill>
+                <a:effectLst/>
+                <a:latin typeface="Cascadia Code" panose="020B0609020000020004" pitchFamily="49" charset="0"/>
+              </a:rPr>
+              <a:t>r2</a:t>
+            </a:r>
+            <a:r>
+              <a:rPr lang="en-US" b="0" dirty="0">
+                <a:solidFill>
+                  <a:srgbClr val="C0BAB1"/>
+                </a:solidFill>
+                <a:effectLst/>
+                <a:latin typeface="Cascadia Code" panose="020B0609020000020004" pitchFamily="49" charset="0"/>
+              </a:rPr>
+              <a:t>, </a:t>
+            </a:r>
+            <a:r>
+              <a:rPr lang="en-US" b="0" dirty="0">
+                <a:solidFill>
+                  <a:srgbClr val="168AAD"/>
+                </a:solidFill>
+                <a:effectLst/>
+                <a:latin typeface="Cascadia Code" panose="020B0609020000020004" pitchFamily="49" charset="0"/>
+              </a:rPr>
+              <a:t>r1</a:t>
+            </a:r>
+            <a:r>
+              <a:rPr lang="en-US" b="0" dirty="0">
+                <a:solidFill>
+                  <a:srgbClr val="C0BAB1"/>
+                </a:solidFill>
+                <a:effectLst/>
+                <a:latin typeface="Cascadia Code" panose="020B0609020000020004" pitchFamily="49" charset="0"/>
+              </a:rPr>
+              <a:t>, </a:t>
+            </a:r>
+            <a:r>
+              <a:rPr lang="en-US" dirty="0">
+                <a:latin typeface="Cascadia Code" panose="020B0609020000020004" pitchFamily="49" charset="0"/>
+              </a:rPr>
+              <a:t>LSL</a:t>
+            </a:r>
+            <a:r>
+              <a:rPr lang="en-US" b="0" dirty="0">
+                <a:solidFill>
+                  <a:srgbClr val="C0BAB1"/>
+                </a:solidFill>
+                <a:effectLst/>
+                <a:latin typeface="Cascadia Code" panose="020B0609020000020004" pitchFamily="49" charset="0"/>
+              </a:rPr>
+              <a:t> #</a:t>
+            </a:r>
+            <a:r>
+              <a:rPr lang="en-US" b="0" dirty="0">
+                <a:solidFill>
+                  <a:srgbClr val="168AAD"/>
+                </a:solidFill>
+                <a:effectLst/>
+                <a:latin typeface="Cascadia Code" panose="020B0609020000020004" pitchFamily="49" charset="0"/>
+              </a:rPr>
+              <a:t>16</a:t>
+            </a:r>
+            <a:endParaRPr lang="en-US" b="0" dirty="0">
+              <a:solidFill>
+                <a:srgbClr val="C0BAB1"/>
+              </a:solidFill>
+              <a:effectLst/>
+              <a:latin typeface="Cascadia Code" panose="020B0609020000020004" pitchFamily="49" charset="0"/>
+            </a:endParaRPr>
+          </a:p>
+          <a:p>
+            <a:r>
+              <a:rPr lang="en-US" b="0" dirty="0">
+                <a:solidFill>
+                  <a:srgbClr val="C0BAB1"/>
+                </a:solidFill>
+                <a:effectLst/>
+                <a:latin typeface="Cascadia Code" panose="020B0609020000020004" pitchFamily="49" charset="0"/>
+              </a:rPr>
+              <a:t>    </a:t>
+            </a:r>
+            <a:r>
+              <a:rPr lang="en-US" dirty="0">
+                <a:latin typeface="Cascadia Code" panose="020B0609020000020004" pitchFamily="49" charset="0"/>
+              </a:rPr>
+              <a:t>ldr</a:t>
+            </a:r>
+            <a:r>
+              <a:rPr lang="en-US" b="0" dirty="0">
+                <a:solidFill>
+                  <a:srgbClr val="C0BAB1"/>
+                </a:solidFill>
+                <a:effectLst/>
+                <a:latin typeface="Cascadia Code" panose="020B0609020000020004" pitchFamily="49" charset="0"/>
+              </a:rPr>
+              <a:t> </a:t>
+            </a:r>
+            <a:r>
+              <a:rPr lang="en-US" b="0" dirty="0">
+                <a:solidFill>
+                  <a:srgbClr val="168AAD"/>
+                </a:solidFill>
+                <a:effectLst/>
+                <a:latin typeface="Cascadia Code" panose="020B0609020000020004" pitchFamily="49" charset="0"/>
+              </a:rPr>
+              <a:t>r0</a:t>
+            </a:r>
+            <a:r>
+              <a:rPr lang="en-US" b="0" dirty="0">
+                <a:solidFill>
+                  <a:srgbClr val="C0BAB1"/>
+                </a:solidFill>
+                <a:effectLst/>
+                <a:latin typeface="Cascadia Code" panose="020B0609020000020004" pitchFamily="49" charset="0"/>
+              </a:rPr>
+              <a:t>, </a:t>
+            </a:r>
+            <a:r>
+              <a:rPr lang="en-US" dirty="0">
+                <a:latin typeface="Cascadia Code" panose="020B0609020000020004" pitchFamily="49" charset="0"/>
+              </a:rPr>
+              <a:t>=dout4_7_reg</a:t>
+            </a:r>
+          </a:p>
+          <a:p>
+            <a:r>
+              <a:rPr lang="en-US" b="0" dirty="0">
+                <a:solidFill>
+                  <a:srgbClr val="C0BAB1"/>
+                </a:solidFill>
+                <a:effectLst/>
+                <a:latin typeface="Cascadia Code" panose="020B0609020000020004" pitchFamily="49" charset="0"/>
+              </a:rPr>
+              <a:t>    </a:t>
+            </a:r>
+            <a:r>
+              <a:rPr lang="en-US" dirty="0">
+                <a:latin typeface="Cascadia Code" panose="020B0609020000020004" pitchFamily="49" charset="0"/>
+              </a:rPr>
+              <a:t>str</a:t>
+            </a:r>
+            <a:r>
+              <a:rPr lang="en-US" b="0" dirty="0">
+                <a:solidFill>
+                  <a:srgbClr val="C0BAB1"/>
+                </a:solidFill>
+                <a:effectLst/>
+                <a:latin typeface="Cascadia Code" panose="020B0609020000020004" pitchFamily="49" charset="0"/>
+              </a:rPr>
+              <a:t> </a:t>
+            </a:r>
+            <a:r>
+              <a:rPr lang="en-US" b="0" dirty="0">
+                <a:solidFill>
+                  <a:srgbClr val="168AAD"/>
+                </a:solidFill>
+                <a:effectLst/>
+                <a:latin typeface="Cascadia Code" panose="020B0609020000020004" pitchFamily="49" charset="0"/>
+              </a:rPr>
+              <a:t>r2</a:t>
+            </a:r>
+            <a:r>
+              <a:rPr lang="en-US" b="0" dirty="0">
+                <a:solidFill>
+                  <a:srgbClr val="C0BAB1"/>
+                </a:solidFill>
+                <a:effectLst/>
+                <a:latin typeface="Cascadia Code" panose="020B0609020000020004" pitchFamily="49" charset="0"/>
+              </a:rPr>
+              <a:t>, [</a:t>
+            </a:r>
+            <a:r>
+              <a:rPr lang="en-US" b="0" dirty="0">
+                <a:solidFill>
+                  <a:srgbClr val="168AAD"/>
+                </a:solidFill>
+                <a:effectLst/>
+                <a:latin typeface="Cascadia Code" panose="020B0609020000020004" pitchFamily="49" charset="0"/>
+              </a:rPr>
+              <a:t>r0</a:t>
+            </a:r>
+            <a:r>
+              <a:rPr lang="en-US" b="0" dirty="0">
+                <a:solidFill>
+                  <a:srgbClr val="C0BAB1"/>
+                </a:solidFill>
+                <a:effectLst/>
+                <a:latin typeface="Cascadia Code" panose="020B0609020000020004" pitchFamily="49" charset="0"/>
+              </a:rPr>
+              <a:t>]</a:t>
+            </a:r>
+            <a:endParaRPr lang="en-US" dirty="0"/>
+          </a:p>
+        </p:txBody>
+      </p:sp>
+      <p:sp>
+        <p:nvSpPr>
+          <p:cNvPr id="7" name="TextBox 6">
+            <a:extLst>
+              <a:ext uri="{FF2B5EF4-FFF2-40B4-BE49-F238E27FC236}">
+                <a16:creationId xmlns:a16="http://schemas.microsoft.com/office/drawing/2014/main" id="{62A7BC64-B1DF-9EAD-5003-6A888E70FD0C}"/>
+              </a:ext>
+            </a:extLst>
+          </p:cNvPr>
+          <p:cNvSpPr txBox="1"/>
+          <p:nvPr/>
+        </p:nvSpPr>
+        <p:spPr>
+          <a:xfrm>
+            <a:off x="7379342" y="4271058"/>
+            <a:ext cx="2870522" cy="1754326"/>
+          </a:xfrm>
+          <a:prstGeom prst="rect">
+            <a:avLst/>
+          </a:prstGeom>
+          <a:noFill/>
+        </p:spPr>
+        <p:txBody>
+          <a:bodyPr wrap="square" rtlCol="0">
+            <a:spAutoFit/>
+          </a:bodyPr>
+          <a:lstStyle/>
+          <a:p>
+            <a:pPr algn="ctr"/>
+            <a:r>
+              <a:rPr lang="en-US" b="1" dirty="0">
+                <a:solidFill>
+                  <a:srgbClr val="FE3D3E"/>
+                </a:solidFill>
+                <a:latin typeface="Consolas" panose="020B0609020204030204" pitchFamily="49" charset="0"/>
+                <a:ea typeface="Cascadia Code PL Light" panose="020B0609020000020004" pitchFamily="49" charset="0"/>
+                <a:cs typeface="Cascadia Code PL Light" panose="020B0609020000020004" pitchFamily="49" charset="0"/>
+              </a:rPr>
+              <a:t>To do literally anything, we need a read-modify-write operation.</a:t>
+            </a:r>
+          </a:p>
+          <a:p>
+            <a:pPr algn="ctr"/>
+            <a:endParaRPr lang="en-US" b="1" dirty="0">
+              <a:solidFill>
+                <a:srgbClr val="FE3D3E"/>
+              </a:solidFill>
+              <a:latin typeface="Consolas" panose="020B0609020204030204" pitchFamily="49" charset="0"/>
+              <a:ea typeface="Cascadia Code PL Light" panose="020B0609020000020004" pitchFamily="49" charset="0"/>
+              <a:cs typeface="Cascadia Code PL Light" panose="020B0609020000020004" pitchFamily="49" charset="0"/>
+            </a:endParaRPr>
+          </a:p>
+          <a:p>
+            <a:pPr algn="ctr"/>
+            <a:r>
+              <a:rPr lang="en-US" b="1" dirty="0">
+                <a:solidFill>
+                  <a:srgbClr val="FE3D3E"/>
+                </a:solidFill>
+                <a:latin typeface="Consolas" panose="020B0609020204030204" pitchFamily="49" charset="0"/>
+                <a:ea typeface="Cascadia Code PL Light" panose="020B0609020000020004" pitchFamily="49" charset="0"/>
+                <a:cs typeface="Cascadia Code PL Light" panose="020B0609020000020004" pitchFamily="49" charset="0"/>
+              </a:rPr>
+              <a:t>Keep this in mind.</a:t>
+            </a:r>
+          </a:p>
+        </p:txBody>
+      </p:sp>
+      <p:sp>
+        <p:nvSpPr>
+          <p:cNvPr id="9" name="TextBox 8">
+            <a:extLst>
+              <a:ext uri="{FF2B5EF4-FFF2-40B4-BE49-F238E27FC236}">
+                <a16:creationId xmlns:a16="http://schemas.microsoft.com/office/drawing/2014/main" id="{F3AAA646-ED60-C3D6-1C97-768E35F18742}"/>
+              </a:ext>
+            </a:extLst>
+          </p:cNvPr>
+          <p:cNvSpPr txBox="1"/>
+          <p:nvPr/>
+        </p:nvSpPr>
+        <p:spPr>
+          <a:xfrm>
+            <a:off x="5694743" y="1095393"/>
+            <a:ext cx="774058" cy="369332"/>
+          </a:xfrm>
+          <a:prstGeom prst="rect">
+            <a:avLst/>
+          </a:prstGeom>
+          <a:noFill/>
+        </p:spPr>
+        <p:txBody>
+          <a:bodyPr wrap="square" rtlCol="0">
+            <a:spAutoFit/>
+          </a:bodyPr>
+          <a:lstStyle/>
+          <a:p>
+            <a:r>
+              <a:rPr lang="en-US" b="1" dirty="0">
+                <a:solidFill>
+                  <a:srgbClr val="00B050"/>
+                </a:solidFill>
+              </a:rPr>
+              <a:t>READ</a:t>
+            </a:r>
+          </a:p>
+        </p:txBody>
+      </p:sp>
+      <p:sp>
+        <p:nvSpPr>
+          <p:cNvPr id="10" name="TextBox 9">
+            <a:extLst>
+              <a:ext uri="{FF2B5EF4-FFF2-40B4-BE49-F238E27FC236}">
+                <a16:creationId xmlns:a16="http://schemas.microsoft.com/office/drawing/2014/main" id="{F2CF8EA0-995D-86FF-2F5C-4BDA57ECF94D}"/>
+              </a:ext>
+            </a:extLst>
+          </p:cNvPr>
+          <p:cNvSpPr txBox="1"/>
+          <p:nvPr/>
+        </p:nvSpPr>
+        <p:spPr>
+          <a:xfrm>
+            <a:off x="6840637" y="1815448"/>
+            <a:ext cx="1064871" cy="369332"/>
+          </a:xfrm>
+          <a:prstGeom prst="rect">
+            <a:avLst/>
+          </a:prstGeom>
+          <a:noFill/>
+        </p:spPr>
+        <p:txBody>
+          <a:bodyPr wrap="square" rtlCol="0">
+            <a:spAutoFit/>
+          </a:bodyPr>
+          <a:lstStyle/>
+          <a:p>
+            <a:r>
+              <a:rPr lang="en-US" b="1" dirty="0">
+                <a:solidFill>
+                  <a:schemeClr val="accent1"/>
+                </a:solidFill>
+              </a:rPr>
+              <a:t>MODIFY</a:t>
+            </a:r>
+          </a:p>
+        </p:txBody>
+      </p:sp>
+      <p:sp>
+        <p:nvSpPr>
+          <p:cNvPr id="11" name="Arc 10">
+            <a:extLst>
+              <a:ext uri="{FF2B5EF4-FFF2-40B4-BE49-F238E27FC236}">
+                <a16:creationId xmlns:a16="http://schemas.microsoft.com/office/drawing/2014/main" id="{22C45FD9-67FD-7298-693E-1F08A4986FAC}"/>
+              </a:ext>
+            </a:extLst>
+          </p:cNvPr>
+          <p:cNvSpPr/>
+          <p:nvPr/>
+        </p:nvSpPr>
+        <p:spPr>
+          <a:xfrm rot="20514593">
+            <a:off x="3229337" y="1451659"/>
+            <a:ext cx="2866662" cy="898002"/>
+          </a:xfrm>
+          <a:prstGeom prst="arc">
+            <a:avLst>
+              <a:gd name="adj1" fmla="val 12955166"/>
+              <a:gd name="adj2" fmla="val 20778557"/>
+            </a:avLst>
+          </a:prstGeom>
+          <a:ln w="76200">
+            <a:solidFill>
+              <a:srgbClr val="00B050"/>
+            </a:solidFill>
+            <a:headEnd type="arrow" w="med" len="med"/>
+            <a:tailEnd type="none" w="med" len="med"/>
+          </a:ln>
+        </p:spPr>
+        <p:style>
+          <a:lnRef idx="1">
+            <a:schemeClr val="accent1"/>
+          </a:lnRef>
+          <a:fillRef idx="0">
+            <a:schemeClr val="accent1"/>
+          </a:fillRef>
+          <a:effectRef idx="0">
+            <a:schemeClr val="accent1"/>
+          </a:effectRef>
+          <a:fontRef idx="minor">
+            <a:schemeClr val="tx1"/>
+          </a:fontRef>
+        </p:style>
+        <p:txBody>
+          <a:bodyPr rtlCol="0" anchor="ctr"/>
+          <a:lstStyle/>
+          <a:p>
+            <a:pPr algn="ctr"/>
+            <a:endParaRPr lang="en-US"/>
+          </a:p>
+        </p:txBody>
+      </p:sp>
+      <p:sp>
+        <p:nvSpPr>
+          <p:cNvPr id="12" name="Oval 11">
+            <a:extLst>
+              <a:ext uri="{FF2B5EF4-FFF2-40B4-BE49-F238E27FC236}">
+                <a16:creationId xmlns:a16="http://schemas.microsoft.com/office/drawing/2014/main" id="{9D97B9BD-305B-2631-24F8-56999FFE577D}"/>
+              </a:ext>
+            </a:extLst>
+          </p:cNvPr>
+          <p:cNvSpPr/>
+          <p:nvPr/>
+        </p:nvSpPr>
+        <p:spPr>
+          <a:xfrm>
+            <a:off x="3507129" y="1704975"/>
+            <a:ext cx="613458" cy="571500"/>
+          </a:xfrm>
+          <a:prstGeom prst="ellipse">
+            <a:avLst/>
+          </a:prstGeom>
+          <a:noFill/>
+          <a:ln w="28575">
+            <a:solidFill>
+              <a:srgbClr val="00B050"/>
+            </a:solidFill>
+          </a:ln>
+        </p:spPr>
+        <p:style>
+          <a:lnRef idx="2">
+            <a:schemeClr val="accent1">
+              <a:shade val="15000"/>
+            </a:schemeClr>
+          </a:lnRef>
+          <a:fillRef idx="1">
+            <a:schemeClr val="accent1"/>
+          </a:fillRef>
+          <a:effectRef idx="0">
+            <a:schemeClr val="accent1"/>
+          </a:effectRef>
+          <a:fontRef idx="minor">
+            <a:schemeClr val="lt1"/>
+          </a:fontRef>
+        </p:style>
+        <p:txBody>
+          <a:bodyPr rtlCol="0" anchor="ctr"/>
+          <a:lstStyle/>
+          <a:p>
+            <a:pPr algn="ctr"/>
+            <a:endParaRPr lang="en-US"/>
+          </a:p>
+        </p:txBody>
+      </p:sp>
+      <p:sp>
+        <p:nvSpPr>
+          <p:cNvPr id="13" name="Left Brace 12">
+            <a:extLst>
+              <a:ext uri="{FF2B5EF4-FFF2-40B4-BE49-F238E27FC236}">
+                <a16:creationId xmlns:a16="http://schemas.microsoft.com/office/drawing/2014/main" id="{B76B5067-597D-5286-2182-A1B6C746C6A5}"/>
+              </a:ext>
+            </a:extLst>
+          </p:cNvPr>
+          <p:cNvSpPr/>
+          <p:nvPr/>
+        </p:nvSpPr>
+        <p:spPr>
+          <a:xfrm rot="10800000">
+            <a:off x="6655443" y="1704975"/>
+            <a:ext cx="185195" cy="609962"/>
+          </a:xfrm>
+          <a:prstGeom prst="leftBrace">
+            <a:avLst>
+              <a:gd name="adj1" fmla="val 82341"/>
+              <a:gd name="adj2" fmla="val 50000"/>
+            </a:avLst>
+          </a:prstGeom>
+          <a:ln w="76200"/>
+        </p:spPr>
+        <p:style>
+          <a:lnRef idx="1">
+            <a:schemeClr val="accent1"/>
+          </a:lnRef>
+          <a:fillRef idx="0">
+            <a:schemeClr val="accent1"/>
+          </a:fillRef>
+          <a:effectRef idx="0">
+            <a:schemeClr val="accent1"/>
+          </a:effectRef>
+          <a:fontRef idx="minor">
+            <a:schemeClr val="tx1"/>
+          </a:fontRef>
+        </p:style>
+        <p:txBody>
+          <a:bodyPr rtlCol="0" anchor="ctr"/>
+          <a:lstStyle/>
+          <a:p>
+            <a:pPr algn="ctr"/>
+            <a:endParaRPr lang="en-US"/>
+          </a:p>
+        </p:txBody>
+      </p:sp>
+      <p:sp>
+        <p:nvSpPr>
+          <p:cNvPr id="14" name="TextBox 13">
+            <a:extLst>
+              <a:ext uri="{FF2B5EF4-FFF2-40B4-BE49-F238E27FC236}">
+                <a16:creationId xmlns:a16="http://schemas.microsoft.com/office/drawing/2014/main" id="{938573D6-36CC-025B-307F-7BBF4557B421}"/>
+              </a:ext>
+            </a:extLst>
+          </p:cNvPr>
+          <p:cNvSpPr txBox="1"/>
+          <p:nvPr/>
+        </p:nvSpPr>
+        <p:spPr>
+          <a:xfrm>
+            <a:off x="4660583" y="2276475"/>
+            <a:ext cx="878229" cy="369332"/>
+          </a:xfrm>
+          <a:prstGeom prst="rect">
+            <a:avLst/>
+          </a:prstGeom>
+          <a:noFill/>
+        </p:spPr>
+        <p:txBody>
+          <a:bodyPr wrap="square" rtlCol="0">
+            <a:spAutoFit/>
+          </a:bodyPr>
+          <a:lstStyle/>
+          <a:p>
+            <a:r>
+              <a:rPr lang="en-US" b="1" dirty="0">
+                <a:solidFill>
+                  <a:srgbClr val="002060"/>
+                </a:solidFill>
+              </a:rPr>
+              <a:t>WRITE</a:t>
+            </a:r>
+          </a:p>
+        </p:txBody>
+      </p:sp>
+      <p:cxnSp>
+        <p:nvCxnSpPr>
+          <p:cNvPr id="16" name="Straight Arrow Connector 15">
+            <a:extLst>
+              <a:ext uri="{FF2B5EF4-FFF2-40B4-BE49-F238E27FC236}">
+                <a16:creationId xmlns:a16="http://schemas.microsoft.com/office/drawing/2014/main" id="{B997A696-9785-A7C5-43BA-1B5B4BBC8CF6}"/>
+              </a:ext>
+            </a:extLst>
+          </p:cNvPr>
+          <p:cNvCxnSpPr/>
+          <p:nvPr/>
+        </p:nvCxnSpPr>
+        <p:spPr>
+          <a:xfrm flipH="1">
+            <a:off x="4224759" y="2461141"/>
+            <a:ext cx="435824" cy="0"/>
+          </a:xfrm>
+          <a:prstGeom prst="straightConnector1">
+            <a:avLst/>
+          </a:prstGeom>
+          <a:ln w="76200">
+            <a:solidFill>
+              <a:srgbClr val="002060"/>
+            </a:solidFill>
+            <a:tailEnd type="triangle"/>
+          </a:ln>
+        </p:spPr>
+        <p:style>
+          <a:lnRef idx="1">
+            <a:schemeClr val="accent1"/>
+          </a:lnRef>
+          <a:fillRef idx="0">
+            <a:schemeClr val="accent1"/>
+          </a:fillRef>
+          <a:effectRef idx="0">
+            <a:schemeClr val="accent1"/>
+          </a:effectRef>
+          <a:fontRef idx="minor">
+            <a:schemeClr val="tx1"/>
+          </a:fontRef>
+        </p:style>
+      </p:cxnSp>
+    </p:spTree>
+    <p:extLst>
+      <p:ext uri="{BB962C8B-B14F-4D97-AF65-F5344CB8AC3E}">
+        <p14:creationId xmlns:p14="http://schemas.microsoft.com/office/powerpoint/2010/main" val="2877619976"/>
+      </p:ext>
+    </p:extLst>
+  </p:cSld>
+  <p:clrMapOvr>
+    <a:masterClrMapping/>
+  </p:clrMapOvr>
+  <mc:AlternateContent xmlns:mc="http://schemas.openxmlformats.org/markup-compatibility/2006" xmlns:p14="http://schemas.microsoft.com/office/powerpoint/2010/main">
+    <mc:Choice Requires="p14">
+      <p:transition spd="med" p14:dur="700">
+        <p:fade/>
+      </p:transition>
+    </mc:Choice>
+    <mc:Fallback xmlns="">
+      <p:transition spd="med">
+        <p:fade/>
+      </p:transition>
+    </mc:Fallback>
+  </mc:AlternateContent>
+  <p:timing>
+    <p:tnLst>
+      <p:par>
+        <p:cTn id="1" dur="indefinite" restart="never" nodeType="tmRoot">
+          <p:childTnLst>
+            <p:seq concurrent="1" nextAc="seek">
+              <p:cTn id="2" dur="indefinite" nodeType="mainSeq">
+                <p:childTnLst>
+                  <p:par>
+                    <p:cTn id="3" fill="hold">
+                      <p:stCondLst>
+                        <p:cond delay="indefinite"/>
+                      </p:stCondLst>
+                      <p:childTnLst>
+                        <p:par>
+                          <p:cTn id="4" fill="hold">
+                            <p:stCondLst>
+                              <p:cond delay="0"/>
+                            </p:stCondLst>
+                            <p:childTnLst>
+                              <p:par>
+                                <p:cTn id="5" presetID="10" presetClass="entr" presetSubtype="0" fill="hold" nodeType="clickEffect">
+                                  <p:stCondLst>
+                                    <p:cond delay="0"/>
+                                  </p:stCondLst>
+                                  <p:childTnLst>
+                                    <p:set>
+                                      <p:cBhvr>
+                                        <p:cTn id="6" dur="1" fill="hold">
+                                          <p:stCondLst>
+                                            <p:cond delay="0"/>
+                                          </p:stCondLst>
+                                        </p:cTn>
+                                        <p:tgtEl>
+                                          <p:spTgt spid="6">
+                                            <p:txEl>
+                                              <p:pRg st="2" end="2"/>
+                                            </p:txEl>
+                                          </p:spTgt>
+                                        </p:tgtEl>
+                                        <p:attrNameLst>
+                                          <p:attrName>style.visibility</p:attrName>
+                                        </p:attrNameLst>
+                                      </p:cBhvr>
+                                      <p:to>
+                                        <p:strVal val="visible"/>
+                                      </p:to>
+                                    </p:set>
+                                    <p:animEffect transition="in" filter="fade">
+                                      <p:cBhvr>
+                                        <p:cTn id="7" dur="500"/>
+                                        <p:tgtEl>
+                                          <p:spTgt spid="6">
+                                            <p:txEl>
+                                              <p:pRg st="2" end="2"/>
+                                            </p:txEl>
+                                          </p:spTgt>
+                                        </p:tgtEl>
+                                      </p:cBhvr>
+                                    </p:animEffect>
+                                  </p:childTnLst>
+                                </p:cTn>
+                              </p:par>
+                            </p:childTnLst>
+                          </p:cTn>
+                        </p:par>
+                      </p:childTnLst>
+                    </p:cTn>
+                  </p:par>
+                  <p:par>
+                    <p:cTn id="8" fill="hold">
+                      <p:stCondLst>
+                        <p:cond delay="indefinite"/>
+                      </p:stCondLst>
+                      <p:childTnLst>
+                        <p:par>
+                          <p:cTn id="9" fill="hold">
+                            <p:stCondLst>
+                              <p:cond delay="0"/>
+                            </p:stCondLst>
+                            <p:childTnLst>
+                              <p:par>
+                                <p:cTn id="10" presetID="10" presetClass="entr" presetSubtype="0" fill="hold" nodeType="clickEffect">
+                                  <p:stCondLst>
+                                    <p:cond delay="0"/>
+                                  </p:stCondLst>
+                                  <p:childTnLst>
+                                    <p:set>
+                                      <p:cBhvr>
+                                        <p:cTn id="11" dur="1" fill="hold">
+                                          <p:stCondLst>
+                                            <p:cond delay="0"/>
+                                          </p:stCondLst>
+                                        </p:cTn>
+                                        <p:tgtEl>
+                                          <p:spTgt spid="6">
+                                            <p:txEl>
+                                              <p:pRg st="7" end="7"/>
+                                            </p:txEl>
+                                          </p:spTgt>
+                                        </p:tgtEl>
+                                        <p:attrNameLst>
+                                          <p:attrName>style.visibility</p:attrName>
+                                        </p:attrNameLst>
+                                      </p:cBhvr>
+                                      <p:to>
+                                        <p:strVal val="visible"/>
+                                      </p:to>
+                                    </p:set>
+                                    <p:animEffect transition="in" filter="fade">
+                                      <p:cBhvr>
+                                        <p:cTn id="12" dur="500"/>
+                                        <p:tgtEl>
+                                          <p:spTgt spid="6">
+                                            <p:txEl>
+                                              <p:pRg st="7" end="7"/>
+                                            </p:txEl>
+                                          </p:spTgt>
+                                        </p:tgtEl>
+                                      </p:cBhvr>
+                                    </p:animEffect>
+                                  </p:childTnLst>
+                                </p:cTn>
+                              </p:par>
+                            </p:childTnLst>
+                          </p:cTn>
+                        </p:par>
+                      </p:childTnLst>
+                    </p:cTn>
+                  </p:par>
+                  <p:par>
+                    <p:cTn id="13" fill="hold">
+                      <p:stCondLst>
+                        <p:cond delay="indefinite"/>
+                      </p:stCondLst>
+                      <p:childTnLst>
+                        <p:par>
+                          <p:cTn id="14" fill="hold">
+                            <p:stCondLst>
+                              <p:cond delay="0"/>
+                            </p:stCondLst>
+                            <p:childTnLst>
+                              <p:par>
+                                <p:cTn id="15" presetID="10" presetClass="entr" presetSubtype="0" fill="hold" nodeType="clickEffect">
+                                  <p:stCondLst>
+                                    <p:cond delay="0"/>
+                                  </p:stCondLst>
+                                  <p:childTnLst>
+                                    <p:set>
+                                      <p:cBhvr>
+                                        <p:cTn id="16" dur="1" fill="hold">
+                                          <p:stCondLst>
+                                            <p:cond delay="0"/>
+                                          </p:stCondLst>
+                                        </p:cTn>
+                                        <p:tgtEl>
+                                          <p:spTgt spid="6">
+                                            <p:txEl>
+                                              <p:pRg st="5" end="5"/>
+                                            </p:txEl>
+                                          </p:spTgt>
+                                        </p:tgtEl>
+                                        <p:attrNameLst>
+                                          <p:attrName>style.visibility</p:attrName>
+                                        </p:attrNameLst>
+                                      </p:cBhvr>
+                                      <p:to>
+                                        <p:strVal val="visible"/>
+                                      </p:to>
+                                    </p:set>
+                                    <p:animEffect transition="in" filter="fade">
+                                      <p:cBhvr>
+                                        <p:cTn id="17" dur="500"/>
+                                        <p:tgtEl>
+                                          <p:spTgt spid="6">
+                                            <p:txEl>
+                                              <p:pRg st="5" end="5"/>
+                                            </p:txEl>
+                                          </p:spTgt>
+                                        </p:tgtEl>
+                                      </p:cBhvr>
+                                    </p:animEffect>
+                                  </p:childTnLst>
+                                </p:cTn>
+                              </p:par>
+                              <p:par>
+                                <p:cTn id="18" presetID="10" presetClass="entr" presetSubtype="0" fill="hold" nodeType="withEffect">
+                                  <p:stCondLst>
+                                    <p:cond delay="0"/>
+                                  </p:stCondLst>
+                                  <p:childTnLst>
+                                    <p:set>
+                                      <p:cBhvr>
+                                        <p:cTn id="19" dur="1" fill="hold">
+                                          <p:stCondLst>
+                                            <p:cond delay="0"/>
+                                          </p:stCondLst>
+                                        </p:cTn>
+                                        <p:tgtEl>
+                                          <p:spTgt spid="6">
+                                            <p:txEl>
+                                              <p:pRg st="3" end="3"/>
+                                            </p:txEl>
+                                          </p:spTgt>
+                                        </p:tgtEl>
+                                        <p:attrNameLst>
+                                          <p:attrName>style.visibility</p:attrName>
+                                        </p:attrNameLst>
+                                      </p:cBhvr>
+                                      <p:to>
+                                        <p:strVal val="visible"/>
+                                      </p:to>
+                                    </p:set>
+                                    <p:animEffect transition="in" filter="fade">
+                                      <p:cBhvr>
+                                        <p:cTn id="20" dur="500"/>
+                                        <p:tgtEl>
+                                          <p:spTgt spid="6">
+                                            <p:txEl>
+                                              <p:pRg st="3" end="3"/>
+                                            </p:txEl>
+                                          </p:spTgt>
+                                        </p:tgtEl>
+                                      </p:cBhvr>
+                                    </p:animEffect>
+                                  </p:childTnLst>
+                                </p:cTn>
+                              </p:par>
+                              <p:par>
+                                <p:cTn id="21" presetID="10" presetClass="entr" presetSubtype="0" fill="hold" nodeType="withEffect">
+                                  <p:stCondLst>
+                                    <p:cond delay="0"/>
+                                  </p:stCondLst>
+                                  <p:childTnLst>
+                                    <p:set>
+                                      <p:cBhvr>
+                                        <p:cTn id="22" dur="1" fill="hold">
+                                          <p:stCondLst>
+                                            <p:cond delay="0"/>
+                                          </p:stCondLst>
+                                        </p:cTn>
+                                        <p:tgtEl>
+                                          <p:spTgt spid="6">
+                                            <p:txEl>
+                                              <p:pRg st="4" end="4"/>
+                                            </p:txEl>
+                                          </p:spTgt>
+                                        </p:tgtEl>
+                                        <p:attrNameLst>
+                                          <p:attrName>style.visibility</p:attrName>
+                                        </p:attrNameLst>
+                                      </p:cBhvr>
+                                      <p:to>
+                                        <p:strVal val="visible"/>
+                                      </p:to>
+                                    </p:set>
+                                    <p:animEffect transition="in" filter="fade">
+                                      <p:cBhvr>
+                                        <p:cTn id="23" dur="500"/>
+                                        <p:tgtEl>
+                                          <p:spTgt spid="6">
+                                            <p:txEl>
+                                              <p:pRg st="4" end="4"/>
+                                            </p:txEl>
+                                          </p:spTgt>
+                                        </p:tgtEl>
+                                      </p:cBhvr>
+                                    </p:animEffect>
+                                  </p:childTnLst>
+                                </p:cTn>
+                              </p:par>
+                            </p:childTnLst>
+                          </p:cTn>
+                        </p:par>
+                      </p:childTnLst>
+                    </p:cTn>
+                  </p:par>
+                  <p:par>
+                    <p:cTn id="24" fill="hold">
+                      <p:stCondLst>
+                        <p:cond delay="indefinite"/>
+                      </p:stCondLst>
+                      <p:childTnLst>
+                        <p:par>
+                          <p:cTn id="25" fill="hold">
+                            <p:stCondLst>
+                              <p:cond delay="0"/>
+                            </p:stCondLst>
+                            <p:childTnLst>
+                              <p:par>
+                                <p:cTn id="26" presetID="10" presetClass="entr" presetSubtype="0" fill="hold" nodeType="clickEffect">
+                                  <p:stCondLst>
+                                    <p:cond delay="0"/>
+                                  </p:stCondLst>
+                                  <p:childTnLst>
+                                    <p:set>
+                                      <p:cBhvr>
+                                        <p:cTn id="27" dur="1" fill="hold">
+                                          <p:stCondLst>
+                                            <p:cond delay="0"/>
+                                          </p:stCondLst>
+                                        </p:cTn>
+                                        <p:tgtEl>
+                                          <p:spTgt spid="6">
+                                            <p:txEl>
+                                              <p:pRg st="6" end="6"/>
+                                            </p:txEl>
+                                          </p:spTgt>
+                                        </p:tgtEl>
+                                        <p:attrNameLst>
+                                          <p:attrName>style.visibility</p:attrName>
+                                        </p:attrNameLst>
+                                      </p:cBhvr>
+                                      <p:to>
+                                        <p:strVal val="visible"/>
+                                      </p:to>
+                                    </p:set>
+                                    <p:animEffect transition="in" filter="fade">
+                                      <p:cBhvr>
+                                        <p:cTn id="28" dur="500"/>
+                                        <p:tgtEl>
+                                          <p:spTgt spid="6">
+                                            <p:txEl>
+                                              <p:pRg st="6" end="6"/>
+                                            </p:txEl>
+                                          </p:spTgt>
+                                        </p:tgtEl>
+                                      </p:cBhvr>
+                                    </p:animEffect>
+                                  </p:childTnLst>
+                                </p:cTn>
+                              </p:par>
+                            </p:childTnLst>
+                          </p:cTn>
+                        </p:par>
+                      </p:childTnLst>
+                    </p:cTn>
+                  </p:par>
+                  <p:par>
+                    <p:cTn id="29" fill="hold">
+                      <p:stCondLst>
+                        <p:cond delay="indefinite"/>
+                      </p:stCondLst>
+                      <p:childTnLst>
+                        <p:par>
+                          <p:cTn id="30" fill="hold">
+                            <p:stCondLst>
+                              <p:cond delay="0"/>
+                            </p:stCondLst>
+                            <p:childTnLst>
+                              <p:par>
+                                <p:cTn id="31" presetID="10" presetClass="entr" presetSubtype="0" fill="hold" grpId="0" nodeType="clickEffect">
+                                  <p:stCondLst>
+                                    <p:cond delay="0"/>
+                                  </p:stCondLst>
+                                  <p:childTnLst>
+                                    <p:set>
+                                      <p:cBhvr>
+                                        <p:cTn id="32" dur="1" fill="hold">
+                                          <p:stCondLst>
+                                            <p:cond delay="0"/>
+                                          </p:stCondLst>
+                                        </p:cTn>
+                                        <p:tgtEl>
+                                          <p:spTgt spid="9"/>
+                                        </p:tgtEl>
+                                        <p:attrNameLst>
+                                          <p:attrName>style.visibility</p:attrName>
+                                        </p:attrNameLst>
+                                      </p:cBhvr>
+                                      <p:to>
+                                        <p:strVal val="visible"/>
+                                      </p:to>
+                                    </p:set>
+                                    <p:animEffect transition="in" filter="fade">
+                                      <p:cBhvr>
+                                        <p:cTn id="33" dur="500"/>
+                                        <p:tgtEl>
+                                          <p:spTgt spid="9"/>
+                                        </p:tgtEl>
+                                      </p:cBhvr>
+                                    </p:animEffect>
+                                  </p:childTnLst>
+                                </p:cTn>
+                              </p:par>
+                              <p:par>
+                                <p:cTn id="34" presetID="10" presetClass="entr" presetSubtype="0" fill="hold" grpId="0" nodeType="withEffect">
+                                  <p:stCondLst>
+                                    <p:cond delay="0"/>
+                                  </p:stCondLst>
+                                  <p:childTnLst>
+                                    <p:set>
+                                      <p:cBhvr>
+                                        <p:cTn id="35" dur="1" fill="hold">
+                                          <p:stCondLst>
+                                            <p:cond delay="0"/>
+                                          </p:stCondLst>
+                                        </p:cTn>
+                                        <p:tgtEl>
+                                          <p:spTgt spid="11"/>
+                                        </p:tgtEl>
+                                        <p:attrNameLst>
+                                          <p:attrName>style.visibility</p:attrName>
+                                        </p:attrNameLst>
+                                      </p:cBhvr>
+                                      <p:to>
+                                        <p:strVal val="visible"/>
+                                      </p:to>
+                                    </p:set>
+                                    <p:animEffect transition="in" filter="fade">
+                                      <p:cBhvr>
+                                        <p:cTn id="36" dur="500"/>
+                                        <p:tgtEl>
+                                          <p:spTgt spid="11"/>
+                                        </p:tgtEl>
+                                      </p:cBhvr>
+                                    </p:animEffect>
+                                  </p:childTnLst>
+                                </p:cTn>
+                              </p:par>
+                              <p:par>
+                                <p:cTn id="37" presetID="10" presetClass="entr" presetSubtype="0" fill="hold" grpId="0" nodeType="withEffect">
+                                  <p:stCondLst>
+                                    <p:cond delay="0"/>
+                                  </p:stCondLst>
+                                  <p:childTnLst>
+                                    <p:set>
+                                      <p:cBhvr>
+                                        <p:cTn id="38" dur="1" fill="hold">
+                                          <p:stCondLst>
+                                            <p:cond delay="0"/>
+                                          </p:stCondLst>
+                                        </p:cTn>
+                                        <p:tgtEl>
+                                          <p:spTgt spid="12"/>
+                                        </p:tgtEl>
+                                        <p:attrNameLst>
+                                          <p:attrName>style.visibility</p:attrName>
+                                        </p:attrNameLst>
+                                      </p:cBhvr>
+                                      <p:to>
+                                        <p:strVal val="visible"/>
+                                      </p:to>
+                                    </p:set>
+                                    <p:animEffect transition="in" filter="fade">
+                                      <p:cBhvr>
+                                        <p:cTn id="39" dur="500"/>
+                                        <p:tgtEl>
+                                          <p:spTgt spid="12"/>
+                                        </p:tgtEl>
+                                      </p:cBhvr>
+                                    </p:animEffect>
+                                  </p:childTnLst>
+                                </p:cTn>
+                              </p:par>
+                            </p:childTnLst>
+                          </p:cTn>
+                        </p:par>
+                      </p:childTnLst>
+                    </p:cTn>
+                  </p:par>
+                  <p:par>
+                    <p:cTn id="40" fill="hold">
+                      <p:stCondLst>
+                        <p:cond delay="indefinite"/>
+                      </p:stCondLst>
+                      <p:childTnLst>
+                        <p:par>
+                          <p:cTn id="41" fill="hold">
+                            <p:stCondLst>
+                              <p:cond delay="0"/>
+                            </p:stCondLst>
+                            <p:childTnLst>
+                              <p:par>
+                                <p:cTn id="42" presetID="10" presetClass="entr" presetSubtype="0" fill="hold" grpId="0" nodeType="clickEffect">
+                                  <p:stCondLst>
+                                    <p:cond delay="0"/>
+                                  </p:stCondLst>
+                                  <p:childTnLst>
+                                    <p:set>
+                                      <p:cBhvr>
+                                        <p:cTn id="43" dur="1" fill="hold">
+                                          <p:stCondLst>
+                                            <p:cond delay="0"/>
+                                          </p:stCondLst>
+                                        </p:cTn>
+                                        <p:tgtEl>
+                                          <p:spTgt spid="13"/>
+                                        </p:tgtEl>
+                                        <p:attrNameLst>
+                                          <p:attrName>style.visibility</p:attrName>
+                                        </p:attrNameLst>
+                                      </p:cBhvr>
+                                      <p:to>
+                                        <p:strVal val="visible"/>
+                                      </p:to>
+                                    </p:set>
+                                    <p:animEffect transition="in" filter="fade">
+                                      <p:cBhvr>
+                                        <p:cTn id="44" dur="500"/>
+                                        <p:tgtEl>
+                                          <p:spTgt spid="13"/>
+                                        </p:tgtEl>
+                                      </p:cBhvr>
+                                    </p:animEffect>
+                                  </p:childTnLst>
+                                </p:cTn>
+                              </p:par>
+                              <p:par>
+                                <p:cTn id="45" presetID="10" presetClass="entr" presetSubtype="0" fill="hold" grpId="0" nodeType="withEffect">
+                                  <p:stCondLst>
+                                    <p:cond delay="0"/>
+                                  </p:stCondLst>
+                                  <p:childTnLst>
+                                    <p:set>
+                                      <p:cBhvr>
+                                        <p:cTn id="46" dur="1" fill="hold">
+                                          <p:stCondLst>
+                                            <p:cond delay="0"/>
+                                          </p:stCondLst>
+                                        </p:cTn>
+                                        <p:tgtEl>
+                                          <p:spTgt spid="10"/>
+                                        </p:tgtEl>
+                                        <p:attrNameLst>
+                                          <p:attrName>style.visibility</p:attrName>
+                                        </p:attrNameLst>
+                                      </p:cBhvr>
+                                      <p:to>
+                                        <p:strVal val="visible"/>
+                                      </p:to>
+                                    </p:set>
+                                    <p:animEffect transition="in" filter="fade">
+                                      <p:cBhvr>
+                                        <p:cTn id="47" dur="500"/>
+                                        <p:tgtEl>
+                                          <p:spTgt spid="10"/>
+                                        </p:tgtEl>
+                                      </p:cBhvr>
+                                    </p:animEffect>
+                                  </p:childTnLst>
+                                </p:cTn>
+                              </p:par>
+                            </p:childTnLst>
+                          </p:cTn>
+                        </p:par>
+                      </p:childTnLst>
+                    </p:cTn>
+                  </p:par>
+                  <p:par>
+                    <p:cTn id="48" fill="hold">
+                      <p:stCondLst>
+                        <p:cond delay="indefinite"/>
+                      </p:stCondLst>
+                      <p:childTnLst>
+                        <p:par>
+                          <p:cTn id="49" fill="hold">
+                            <p:stCondLst>
+                              <p:cond delay="0"/>
+                            </p:stCondLst>
+                            <p:childTnLst>
+                              <p:par>
+                                <p:cTn id="50" presetID="10" presetClass="entr" presetSubtype="0" fill="hold" grpId="0" nodeType="clickEffect">
+                                  <p:stCondLst>
+                                    <p:cond delay="0"/>
+                                  </p:stCondLst>
+                                  <p:childTnLst>
+                                    <p:set>
+                                      <p:cBhvr>
+                                        <p:cTn id="51" dur="1" fill="hold">
+                                          <p:stCondLst>
+                                            <p:cond delay="0"/>
+                                          </p:stCondLst>
+                                        </p:cTn>
+                                        <p:tgtEl>
+                                          <p:spTgt spid="14"/>
+                                        </p:tgtEl>
+                                        <p:attrNameLst>
+                                          <p:attrName>style.visibility</p:attrName>
+                                        </p:attrNameLst>
+                                      </p:cBhvr>
+                                      <p:to>
+                                        <p:strVal val="visible"/>
+                                      </p:to>
+                                    </p:set>
+                                    <p:animEffect transition="in" filter="fade">
+                                      <p:cBhvr>
+                                        <p:cTn id="52" dur="500"/>
+                                        <p:tgtEl>
+                                          <p:spTgt spid="14"/>
+                                        </p:tgtEl>
+                                      </p:cBhvr>
+                                    </p:animEffect>
+                                  </p:childTnLst>
+                                </p:cTn>
+                              </p:par>
+                              <p:par>
+                                <p:cTn id="53" presetID="10" presetClass="entr" presetSubtype="0" fill="hold" nodeType="withEffect">
+                                  <p:stCondLst>
+                                    <p:cond delay="0"/>
+                                  </p:stCondLst>
+                                  <p:childTnLst>
+                                    <p:set>
+                                      <p:cBhvr>
+                                        <p:cTn id="54" dur="1" fill="hold">
+                                          <p:stCondLst>
+                                            <p:cond delay="0"/>
+                                          </p:stCondLst>
+                                        </p:cTn>
+                                        <p:tgtEl>
+                                          <p:spTgt spid="16"/>
+                                        </p:tgtEl>
+                                        <p:attrNameLst>
+                                          <p:attrName>style.visibility</p:attrName>
+                                        </p:attrNameLst>
+                                      </p:cBhvr>
+                                      <p:to>
+                                        <p:strVal val="visible"/>
+                                      </p:to>
+                                    </p:set>
+                                    <p:animEffect transition="in" filter="fade">
+                                      <p:cBhvr>
+                                        <p:cTn id="55" dur="500"/>
+                                        <p:tgtEl>
+                                          <p:spTgt spid="16"/>
+                                        </p:tgtEl>
+                                      </p:cBhvr>
+                                    </p:animEffect>
+                                  </p:childTnLst>
+                                </p:cTn>
+                              </p:par>
+                            </p:childTnLst>
+                          </p:cTn>
+                        </p:par>
+                      </p:childTnLst>
+                    </p:cTn>
+                  </p:par>
+                  <p:par>
+                    <p:cTn id="56" fill="hold">
+                      <p:stCondLst>
+                        <p:cond delay="indefinite"/>
+                      </p:stCondLst>
+                      <p:childTnLst>
+                        <p:par>
+                          <p:cTn id="57" fill="hold">
+                            <p:stCondLst>
+                              <p:cond delay="0"/>
+                            </p:stCondLst>
+                            <p:childTnLst>
+                              <p:par>
+                                <p:cTn id="58" presetID="10" presetClass="entr" presetSubtype="0" fill="hold" nodeType="clickEffect">
+                                  <p:stCondLst>
+                                    <p:cond delay="0"/>
+                                  </p:stCondLst>
+                                  <p:childTnLst>
+                                    <p:set>
+                                      <p:cBhvr>
+                                        <p:cTn id="59" dur="1" fill="hold">
+                                          <p:stCondLst>
+                                            <p:cond delay="0"/>
+                                          </p:stCondLst>
+                                        </p:cTn>
+                                        <p:tgtEl>
+                                          <p:spTgt spid="6">
+                                            <p:txEl>
+                                              <p:pRg st="9" end="9"/>
+                                            </p:txEl>
+                                          </p:spTgt>
+                                        </p:tgtEl>
+                                        <p:attrNameLst>
+                                          <p:attrName>style.visibility</p:attrName>
+                                        </p:attrNameLst>
+                                      </p:cBhvr>
+                                      <p:to>
+                                        <p:strVal val="visible"/>
+                                      </p:to>
+                                    </p:set>
+                                    <p:animEffect transition="in" filter="fade">
+                                      <p:cBhvr>
+                                        <p:cTn id="60" dur="500"/>
+                                        <p:tgtEl>
+                                          <p:spTgt spid="6">
+                                            <p:txEl>
+                                              <p:pRg st="9" end="9"/>
+                                            </p:txEl>
+                                          </p:spTgt>
+                                        </p:tgtEl>
+                                      </p:cBhvr>
+                                    </p:animEffect>
+                                  </p:childTnLst>
+                                </p:cTn>
+                              </p:par>
+                              <p:par>
+                                <p:cTn id="61" presetID="10" presetClass="entr" presetSubtype="0" fill="hold" nodeType="withEffect">
+                                  <p:stCondLst>
+                                    <p:cond delay="0"/>
+                                  </p:stCondLst>
+                                  <p:childTnLst>
+                                    <p:set>
+                                      <p:cBhvr>
+                                        <p:cTn id="62" dur="1" fill="hold">
+                                          <p:stCondLst>
+                                            <p:cond delay="0"/>
+                                          </p:stCondLst>
+                                        </p:cTn>
+                                        <p:tgtEl>
+                                          <p:spTgt spid="6">
+                                            <p:txEl>
+                                              <p:pRg st="13" end="13"/>
+                                            </p:txEl>
+                                          </p:spTgt>
+                                        </p:tgtEl>
+                                        <p:attrNameLst>
+                                          <p:attrName>style.visibility</p:attrName>
+                                        </p:attrNameLst>
+                                      </p:cBhvr>
+                                      <p:to>
+                                        <p:strVal val="visible"/>
+                                      </p:to>
+                                    </p:set>
+                                    <p:animEffect transition="in" filter="fade">
+                                      <p:cBhvr>
+                                        <p:cTn id="63" dur="500"/>
+                                        <p:tgtEl>
+                                          <p:spTgt spid="6">
+                                            <p:txEl>
+                                              <p:pRg st="13" end="13"/>
+                                            </p:txEl>
+                                          </p:spTgt>
+                                        </p:tgtEl>
+                                      </p:cBhvr>
+                                    </p:animEffect>
+                                  </p:childTnLst>
+                                </p:cTn>
+                              </p:par>
+                            </p:childTnLst>
+                          </p:cTn>
+                        </p:par>
+                      </p:childTnLst>
+                    </p:cTn>
+                  </p:par>
+                  <p:par>
+                    <p:cTn id="64" fill="hold">
+                      <p:stCondLst>
+                        <p:cond delay="indefinite"/>
+                      </p:stCondLst>
+                      <p:childTnLst>
+                        <p:par>
+                          <p:cTn id="65" fill="hold">
+                            <p:stCondLst>
+                              <p:cond delay="0"/>
+                            </p:stCondLst>
+                            <p:childTnLst>
+                              <p:par>
+                                <p:cTn id="66" presetID="10" presetClass="entr" presetSubtype="0" fill="hold" nodeType="clickEffect">
+                                  <p:stCondLst>
+                                    <p:cond delay="0"/>
+                                  </p:stCondLst>
+                                  <p:childTnLst>
+                                    <p:set>
+                                      <p:cBhvr>
+                                        <p:cTn id="67" dur="1" fill="hold">
+                                          <p:stCondLst>
+                                            <p:cond delay="0"/>
+                                          </p:stCondLst>
+                                        </p:cTn>
+                                        <p:tgtEl>
+                                          <p:spTgt spid="6">
+                                            <p:txEl>
+                                              <p:pRg st="10" end="10"/>
+                                            </p:txEl>
+                                          </p:spTgt>
+                                        </p:tgtEl>
+                                        <p:attrNameLst>
+                                          <p:attrName>style.visibility</p:attrName>
+                                        </p:attrNameLst>
+                                      </p:cBhvr>
+                                      <p:to>
+                                        <p:strVal val="visible"/>
+                                      </p:to>
+                                    </p:set>
+                                    <p:animEffect transition="in" filter="fade">
+                                      <p:cBhvr>
+                                        <p:cTn id="68" dur="500"/>
+                                        <p:tgtEl>
+                                          <p:spTgt spid="6">
+                                            <p:txEl>
+                                              <p:pRg st="10" end="10"/>
+                                            </p:txEl>
+                                          </p:spTgt>
+                                        </p:tgtEl>
+                                      </p:cBhvr>
+                                    </p:animEffect>
+                                  </p:childTnLst>
+                                </p:cTn>
+                              </p:par>
+                              <p:par>
+                                <p:cTn id="69" presetID="10" presetClass="entr" presetSubtype="0" fill="hold" nodeType="withEffect">
+                                  <p:stCondLst>
+                                    <p:cond delay="0"/>
+                                  </p:stCondLst>
+                                  <p:childTnLst>
+                                    <p:set>
+                                      <p:cBhvr>
+                                        <p:cTn id="70" dur="1" fill="hold">
+                                          <p:stCondLst>
+                                            <p:cond delay="0"/>
+                                          </p:stCondLst>
+                                        </p:cTn>
+                                        <p:tgtEl>
+                                          <p:spTgt spid="6">
+                                            <p:txEl>
+                                              <p:pRg st="11" end="11"/>
+                                            </p:txEl>
+                                          </p:spTgt>
+                                        </p:tgtEl>
+                                        <p:attrNameLst>
+                                          <p:attrName>style.visibility</p:attrName>
+                                        </p:attrNameLst>
+                                      </p:cBhvr>
+                                      <p:to>
+                                        <p:strVal val="visible"/>
+                                      </p:to>
+                                    </p:set>
+                                    <p:animEffect transition="in" filter="fade">
+                                      <p:cBhvr>
+                                        <p:cTn id="71" dur="500"/>
+                                        <p:tgtEl>
+                                          <p:spTgt spid="6">
+                                            <p:txEl>
+                                              <p:pRg st="11" end="11"/>
+                                            </p:txEl>
+                                          </p:spTgt>
+                                        </p:tgtEl>
+                                      </p:cBhvr>
+                                    </p:animEffect>
+                                  </p:childTnLst>
+                                </p:cTn>
+                              </p:par>
+                              <p:par>
+                                <p:cTn id="72" presetID="10" presetClass="entr" presetSubtype="0" fill="hold" nodeType="withEffect">
+                                  <p:stCondLst>
+                                    <p:cond delay="0"/>
+                                  </p:stCondLst>
+                                  <p:childTnLst>
+                                    <p:set>
+                                      <p:cBhvr>
+                                        <p:cTn id="73" dur="1" fill="hold">
+                                          <p:stCondLst>
+                                            <p:cond delay="0"/>
+                                          </p:stCondLst>
+                                        </p:cTn>
+                                        <p:tgtEl>
+                                          <p:spTgt spid="6">
+                                            <p:txEl>
+                                              <p:pRg st="12" end="12"/>
+                                            </p:txEl>
+                                          </p:spTgt>
+                                        </p:tgtEl>
+                                        <p:attrNameLst>
+                                          <p:attrName>style.visibility</p:attrName>
+                                        </p:attrNameLst>
+                                      </p:cBhvr>
+                                      <p:to>
+                                        <p:strVal val="visible"/>
+                                      </p:to>
+                                    </p:set>
+                                    <p:animEffect transition="in" filter="fade">
+                                      <p:cBhvr>
+                                        <p:cTn id="74" dur="500"/>
+                                        <p:tgtEl>
+                                          <p:spTgt spid="6">
+                                            <p:txEl>
+                                              <p:pRg st="12" end="12"/>
+                                            </p:txEl>
+                                          </p:spTgt>
+                                        </p:tgtEl>
+                                      </p:cBhvr>
+                                    </p:animEffect>
+                                  </p:childTnLst>
+                                </p:cTn>
+                              </p:par>
+                            </p:childTnLst>
+                          </p:cTn>
+                        </p:par>
+                      </p:childTnLst>
+                    </p:cTn>
+                  </p:par>
+                  <p:par>
+                    <p:cTn id="75" fill="hold">
+                      <p:stCondLst>
+                        <p:cond delay="indefinite"/>
+                      </p:stCondLst>
+                      <p:childTnLst>
+                        <p:par>
+                          <p:cTn id="76" fill="hold">
+                            <p:stCondLst>
+                              <p:cond delay="0"/>
+                            </p:stCondLst>
+                            <p:childTnLst>
+                              <p:par>
+                                <p:cTn id="77" presetID="10" presetClass="entr" presetSubtype="0" fill="hold" nodeType="clickEffect">
+                                  <p:stCondLst>
+                                    <p:cond delay="0"/>
+                                  </p:stCondLst>
+                                  <p:childTnLst>
+                                    <p:set>
+                                      <p:cBhvr>
+                                        <p:cTn id="78" dur="1" fill="hold">
+                                          <p:stCondLst>
+                                            <p:cond delay="0"/>
+                                          </p:stCondLst>
+                                        </p:cTn>
+                                        <p:tgtEl>
+                                          <p:spTgt spid="6">
+                                            <p:txEl>
+                                              <p:pRg st="15" end="15"/>
+                                            </p:txEl>
+                                          </p:spTgt>
+                                        </p:tgtEl>
+                                        <p:attrNameLst>
+                                          <p:attrName>style.visibility</p:attrName>
+                                        </p:attrNameLst>
+                                      </p:cBhvr>
+                                      <p:to>
+                                        <p:strVal val="visible"/>
+                                      </p:to>
+                                    </p:set>
+                                    <p:animEffect transition="in" filter="fade">
+                                      <p:cBhvr>
+                                        <p:cTn id="79" dur="500"/>
+                                        <p:tgtEl>
+                                          <p:spTgt spid="6">
+                                            <p:txEl>
+                                              <p:pRg st="15" end="15"/>
+                                            </p:txEl>
+                                          </p:spTgt>
+                                        </p:tgtEl>
+                                      </p:cBhvr>
+                                    </p:animEffect>
+                                  </p:childTnLst>
+                                </p:cTn>
+                              </p:par>
+                              <p:par>
+                                <p:cTn id="80" presetID="10" presetClass="entr" presetSubtype="0" fill="hold" nodeType="withEffect">
+                                  <p:stCondLst>
+                                    <p:cond delay="0"/>
+                                  </p:stCondLst>
+                                  <p:childTnLst>
+                                    <p:set>
+                                      <p:cBhvr>
+                                        <p:cTn id="81" dur="1" fill="hold">
+                                          <p:stCondLst>
+                                            <p:cond delay="0"/>
+                                          </p:stCondLst>
+                                        </p:cTn>
+                                        <p:tgtEl>
+                                          <p:spTgt spid="6">
+                                            <p:txEl>
+                                              <p:pRg st="16" end="16"/>
+                                            </p:txEl>
+                                          </p:spTgt>
+                                        </p:tgtEl>
+                                        <p:attrNameLst>
+                                          <p:attrName>style.visibility</p:attrName>
+                                        </p:attrNameLst>
+                                      </p:cBhvr>
+                                      <p:to>
+                                        <p:strVal val="visible"/>
+                                      </p:to>
+                                    </p:set>
+                                    <p:animEffect transition="in" filter="fade">
+                                      <p:cBhvr>
+                                        <p:cTn id="82" dur="500"/>
+                                        <p:tgtEl>
+                                          <p:spTgt spid="6">
+                                            <p:txEl>
+                                              <p:pRg st="16" end="16"/>
+                                            </p:txEl>
+                                          </p:spTgt>
+                                        </p:tgtEl>
+                                      </p:cBhvr>
+                                    </p:animEffect>
+                                  </p:childTnLst>
+                                </p:cTn>
+                              </p:par>
+                            </p:childTnLst>
+                          </p:cTn>
+                        </p:par>
+                      </p:childTnLst>
+                    </p:cTn>
+                  </p:par>
+                  <p:par>
+                    <p:cTn id="83" fill="hold">
+                      <p:stCondLst>
+                        <p:cond delay="indefinite"/>
+                      </p:stCondLst>
+                      <p:childTnLst>
+                        <p:par>
+                          <p:cTn id="84" fill="hold">
+                            <p:stCondLst>
+                              <p:cond delay="0"/>
+                            </p:stCondLst>
+                            <p:childTnLst>
+                              <p:par>
+                                <p:cTn id="85" presetID="10" presetClass="entr" presetSubtype="0" fill="hold" nodeType="clickEffect">
+                                  <p:stCondLst>
+                                    <p:cond delay="0"/>
+                                  </p:stCondLst>
+                                  <p:childTnLst>
+                                    <p:set>
+                                      <p:cBhvr>
+                                        <p:cTn id="86" dur="1" fill="hold">
+                                          <p:stCondLst>
+                                            <p:cond delay="0"/>
+                                          </p:stCondLst>
+                                        </p:cTn>
+                                        <p:tgtEl>
+                                          <p:spTgt spid="6">
+                                            <p:txEl>
+                                              <p:pRg st="17" end="17"/>
+                                            </p:txEl>
+                                          </p:spTgt>
+                                        </p:tgtEl>
+                                        <p:attrNameLst>
+                                          <p:attrName>style.visibility</p:attrName>
+                                        </p:attrNameLst>
+                                      </p:cBhvr>
+                                      <p:to>
+                                        <p:strVal val="visible"/>
+                                      </p:to>
+                                    </p:set>
+                                    <p:animEffect transition="in" filter="fade">
+                                      <p:cBhvr>
+                                        <p:cTn id="87" dur="500"/>
+                                        <p:tgtEl>
+                                          <p:spTgt spid="6">
+                                            <p:txEl>
+                                              <p:pRg st="17" end="17"/>
+                                            </p:txEl>
+                                          </p:spTgt>
+                                        </p:tgtEl>
+                                      </p:cBhvr>
+                                    </p:animEffect>
+                                  </p:childTnLst>
+                                </p:cTn>
+                              </p:par>
+                              <p:par>
+                                <p:cTn id="88" presetID="10" presetClass="entr" presetSubtype="0" fill="hold" nodeType="withEffect">
+                                  <p:stCondLst>
+                                    <p:cond delay="0"/>
+                                  </p:stCondLst>
+                                  <p:childTnLst>
+                                    <p:set>
+                                      <p:cBhvr>
+                                        <p:cTn id="89" dur="1" fill="hold">
+                                          <p:stCondLst>
+                                            <p:cond delay="0"/>
+                                          </p:stCondLst>
+                                        </p:cTn>
+                                        <p:tgtEl>
+                                          <p:spTgt spid="6">
+                                            <p:txEl>
+                                              <p:pRg st="18" end="18"/>
+                                            </p:txEl>
+                                          </p:spTgt>
+                                        </p:tgtEl>
+                                        <p:attrNameLst>
+                                          <p:attrName>style.visibility</p:attrName>
+                                        </p:attrNameLst>
+                                      </p:cBhvr>
+                                      <p:to>
+                                        <p:strVal val="visible"/>
+                                      </p:to>
+                                    </p:set>
+                                    <p:animEffect transition="in" filter="fade">
+                                      <p:cBhvr>
+                                        <p:cTn id="90" dur="500"/>
+                                        <p:tgtEl>
+                                          <p:spTgt spid="6">
+                                            <p:txEl>
+                                              <p:pRg st="18" end="18"/>
+                                            </p:txEl>
+                                          </p:spTgt>
+                                        </p:tgtEl>
+                                      </p:cBhvr>
+                                    </p:animEffect>
+                                  </p:childTnLst>
+                                </p:cTn>
+                              </p:par>
+                            </p:childTnLst>
+                          </p:cTn>
+                        </p:par>
+                      </p:childTnLst>
+                    </p:cTn>
+                  </p:par>
+                </p:childTnLst>
+              </p:cTn>
+              <p:prevCondLst>
+                <p:cond evt="onPrev" delay="0">
+                  <p:tgtEl>
+                    <p:sldTgt/>
+                  </p:tgtEl>
+                </p:cond>
+              </p:prevCondLst>
+              <p:nextCondLst>
+                <p:cond evt="onNext" delay="0">
+                  <p:tgtEl>
+                    <p:sldTgt/>
+                  </p:tgtEl>
+                </p:cond>
+              </p:nextCondLst>
+            </p:seq>
+          </p:childTnLst>
+        </p:cTn>
+      </p:par>
+    </p:tnLst>
+    <p:bldLst>
+      <p:bldP spid="9" grpId="0"/>
+      <p:bldP spid="10" grpId="0"/>
+      <p:bldP spid="11" grpId="0" animBg="1"/>
+      <p:bldP spid="12" grpId="0" animBg="1"/>
+      <p:bldP spid="13" grpId="0" animBg="1"/>
+      <p:bldP spid="14" grpId="0"/>
+    </p:bldLst>
+  </p:timing>
+</p:sld>
+</file>
+
+<file path=ppt/slides/slide46.xml><?xml version="1.0" encoding="utf-8"?>
+<p:sld xmlns:a="http://schemas.openxmlformats.org/drawingml/2006/main" xmlns:r="http://schemas.openxmlformats.org/officeDocument/2006/relationships" xmlns:p="http://schemas.openxmlformats.org/presentationml/2006/main">
+  <p:cSld>
+    <p:spTree>
+      <p:nvGrpSpPr>
+        <p:cNvPr id="1" name=""/>
+        <p:cNvGrpSpPr/>
+        <p:nvPr/>
+      </p:nvGrpSpPr>
+      <p:grpSpPr>
+        <a:xfrm>
+          <a:off x="0" y="0"/>
+          <a:ext cx="0" cy="0"/>
+          <a:chOff x="0" y="0"/>
+          <a:chExt cx="0" cy="0"/>
+        </a:xfrm>
+      </p:grpSpPr>
+      <p:sp>
+        <p:nvSpPr>
+          <p:cNvPr id="2" name="Title 1">
+            <a:extLst>
+              <a:ext uri="{FF2B5EF4-FFF2-40B4-BE49-F238E27FC236}">
+                <a16:creationId xmlns:a16="http://schemas.microsoft.com/office/drawing/2014/main" id="{703F1FDE-C726-CCD2-1B3C-B055DF86EB64}"/>
+              </a:ext>
+            </a:extLst>
+          </p:cNvPr>
+          <p:cNvSpPr>
+            <a:spLocks noGrp="1"/>
+          </p:cNvSpPr>
+          <p:nvPr>
+            <p:ph type="title"/>
+          </p:nvPr>
+        </p:nvSpPr>
+        <p:spPr/>
+        <p:txBody>
+          <a:bodyPr/>
+          <a:lstStyle/>
+          <a:p>
+            <a:r>
+              <a:rPr lang="en-US" dirty="0"/>
+              <a:t>Thank </a:t>
+            </a:r>
+            <a:r>
+              <a:rPr lang="en-US" i="1" dirty="0">
+                <a:solidFill>
+                  <a:srgbClr val="00B0F0"/>
+                </a:solidFill>
+                <a:latin typeface="Cascadia Code PL Light" panose="020B0609020000020004" pitchFamily="49" charset="0"/>
+              </a:rPr>
+              <a:t>you.</a:t>
+            </a:r>
+          </a:p>
+        </p:txBody>
+      </p:sp>
+      <p:sp>
+        <p:nvSpPr>
+          <p:cNvPr id="4" name="Footer Placeholder 3">
+            <a:extLst>
+              <a:ext uri="{FF2B5EF4-FFF2-40B4-BE49-F238E27FC236}">
+                <a16:creationId xmlns:a16="http://schemas.microsoft.com/office/drawing/2014/main" id="{F0293BCD-EEE5-E4E7-E263-95704E35B647}"/>
+              </a:ext>
+            </a:extLst>
+          </p:cNvPr>
+          <p:cNvSpPr>
+            <a:spLocks noGrp="1"/>
+          </p:cNvSpPr>
+          <p:nvPr>
+            <p:ph type="ftr" sz="quarter" idx="11"/>
+          </p:nvPr>
+        </p:nvSpPr>
+        <p:spPr/>
+        <p:txBody>
+          <a:bodyPr/>
+          <a:lstStyle/>
+          <a:p>
+            <a:r>
+              <a:rPr lang="en-US"/>
+              <a:t>CMPS-201</a:t>
+            </a:r>
+            <a:endParaRPr lang="en-US" dirty="0"/>
+          </a:p>
+        </p:txBody>
+      </p:sp>
+      <p:sp>
+        <p:nvSpPr>
+          <p:cNvPr id="5" name="Slide Number Placeholder 4">
+            <a:extLst>
+              <a:ext uri="{FF2B5EF4-FFF2-40B4-BE49-F238E27FC236}">
+                <a16:creationId xmlns:a16="http://schemas.microsoft.com/office/drawing/2014/main" id="{28C28A27-D205-3FD4-074C-F6ED9BE3BF71}"/>
+              </a:ext>
+            </a:extLst>
+          </p:cNvPr>
+          <p:cNvSpPr>
+            <a:spLocks noGrp="1"/>
+          </p:cNvSpPr>
+          <p:nvPr>
+            <p:ph type="sldNum" sz="quarter" idx="12"/>
+          </p:nvPr>
+        </p:nvSpPr>
+        <p:spPr/>
+        <p:txBody>
+          <a:bodyPr/>
+          <a:lstStyle/>
+          <a:p>
+            <a:fld id="{2FEB4479-D22B-484D-8CD5-C4BFA81D8A5B}" type="slidenum">
+              <a:rPr lang="en-US" smtClean="0"/>
+              <a:t>46</a:t>
             </a:fld>
             <a:endParaRPr lang="en-US"/>
           </a:p>

--- a/Lab 4/Lab 4.pptx
+++ b/Lab 4/Lab 4.pptx
@@ -162,7 +162,7 @@
 
 <file path=ppt/commentAuthors.xml><?xml version="1.0" encoding="utf-8"?>
 <p:cmAuthorLst xmlns:a="http://schemas.openxmlformats.org/drawingml/2006/main" xmlns:r="http://schemas.openxmlformats.org/officeDocument/2006/relationships" xmlns:p="http://schemas.openxmlformats.org/presentationml/2006/main">
-  <p:cmAuthor id="1" name="Omar Amer" initials="OA" lastIdx="1" clrIdx="0">
+  <p:cmAuthor id="1" name="Omar Amer" initials="OA" lastIdx="2" clrIdx="0">
     <p:extLst>
       <p:ext uri="{19B8F6BF-5375-455C-9EA6-DF929625EA0E}">
         <p15:presenceInfo xmlns:p15="http://schemas.microsoft.com/office/powerpoint/2012/main" userId="c24b8c2d43b1cb7f" providerId="Windows Live"/>
@@ -767,6 +767,10 @@
               <a:rPr lang="en-US" dirty="0"/>
               <a:t>Note:: CTRL+F</a:t>
             </a:r>
+            <a:endParaRPr lang="ar-EG" dirty="0"/>
+          </a:p>
+          <a:p>
+            <a:endParaRPr lang="en-US" dirty="0"/>
           </a:p>
           <a:p>
             <a:r>
@@ -11965,7 +11969,7 @@
 </file>
 
 <file path=ppt/slides/slide24.xml><?xml version="1.0" encoding="utf-8"?>
-<p:sld xmlns:a="http://schemas.openxmlformats.org/drawingml/2006/main" xmlns:r="http://schemas.openxmlformats.org/officeDocument/2006/relationships" xmlns:p="http://schemas.openxmlformats.org/presentationml/2006/main" show="0">
+<p:sld xmlns:a="http://schemas.openxmlformats.org/drawingml/2006/main" xmlns:r="http://schemas.openxmlformats.org/officeDocument/2006/relationships" xmlns:p="http://schemas.openxmlformats.org/presentationml/2006/main">
   <p:cSld>
     <p:spTree>
       <p:nvGrpSpPr>
@@ -12505,6 +12509,734 @@
           </a:p>
         </p:txBody>
       </p:sp>
+      <p:sp>
+        <p:nvSpPr>
+          <p:cNvPr id="3" name="Rectangle 2">
+            <a:extLst>
+              <a:ext uri="{FF2B5EF4-FFF2-40B4-BE49-F238E27FC236}">
+                <a16:creationId xmlns:a16="http://schemas.microsoft.com/office/drawing/2014/main" id="{E9492032-0A5C-8448-DB2F-AD538BFBBA26}"/>
+              </a:ext>
+            </a:extLst>
+          </p:cNvPr>
+          <p:cNvSpPr/>
+          <p:nvPr/>
+        </p:nvSpPr>
+        <p:spPr>
+          <a:xfrm>
+            <a:off x="2197100" y="2768601"/>
+            <a:ext cx="8282446" cy="452622"/>
+          </a:xfrm>
+          <a:prstGeom prst="rect">
+            <a:avLst/>
+          </a:prstGeom>
+          <a:solidFill>
+            <a:srgbClr val="FFFFFF"/>
+          </a:solidFill>
+          <a:ln>
+            <a:noFill/>
+          </a:ln>
+        </p:spPr>
+        <p:style>
+          <a:lnRef idx="2">
+            <a:schemeClr val="accent1">
+              <a:shade val="15000"/>
+            </a:schemeClr>
+          </a:lnRef>
+          <a:fillRef idx="1">
+            <a:schemeClr val="accent1"/>
+          </a:fillRef>
+          <a:effectRef idx="0">
+            <a:schemeClr val="accent1"/>
+          </a:effectRef>
+          <a:fontRef idx="minor">
+            <a:schemeClr val="lt1"/>
+          </a:fontRef>
+        </p:style>
+        <p:txBody>
+          <a:bodyPr rtlCol="0" anchor="ctr"/>
+          <a:lstStyle/>
+          <a:p>
+            <a:pPr algn="ctr"/>
+            <a:endParaRPr lang="en-US"/>
+          </a:p>
+        </p:txBody>
+      </p:sp>
+      <p:sp>
+        <p:nvSpPr>
+          <p:cNvPr id="6" name="Rectangle 5">
+            <a:extLst>
+              <a:ext uri="{FF2B5EF4-FFF2-40B4-BE49-F238E27FC236}">
+                <a16:creationId xmlns:a16="http://schemas.microsoft.com/office/drawing/2014/main" id="{D786E8B9-8484-F2EC-81BA-D08181067AA1}"/>
+              </a:ext>
+            </a:extLst>
+          </p:cNvPr>
+          <p:cNvSpPr/>
+          <p:nvPr/>
+        </p:nvSpPr>
+        <p:spPr>
+          <a:xfrm>
+            <a:off x="1993900" y="3221223"/>
+            <a:ext cx="7988300" cy="403790"/>
+          </a:xfrm>
+          <a:prstGeom prst="rect">
+            <a:avLst/>
+          </a:prstGeom>
+          <a:solidFill>
+            <a:schemeClr val="bg1"/>
+          </a:solidFill>
+          <a:ln>
+            <a:noFill/>
+          </a:ln>
+        </p:spPr>
+        <p:style>
+          <a:lnRef idx="2">
+            <a:schemeClr val="accent1">
+              <a:shade val="15000"/>
+            </a:schemeClr>
+          </a:lnRef>
+          <a:fillRef idx="1">
+            <a:schemeClr val="accent1"/>
+          </a:fillRef>
+          <a:effectRef idx="0">
+            <a:schemeClr val="accent1"/>
+          </a:effectRef>
+          <a:fontRef idx="minor">
+            <a:schemeClr val="lt1"/>
+          </a:fontRef>
+        </p:style>
+        <p:txBody>
+          <a:bodyPr rtlCol="0" anchor="ctr"/>
+          <a:lstStyle/>
+          <a:p>
+            <a:pPr algn="ctr"/>
+            <a:endParaRPr lang="en-US"/>
+          </a:p>
+        </p:txBody>
+      </p:sp>
+      <p:sp>
+        <p:nvSpPr>
+          <p:cNvPr id="13" name="Rectangle 12">
+            <a:extLst>
+              <a:ext uri="{FF2B5EF4-FFF2-40B4-BE49-F238E27FC236}">
+                <a16:creationId xmlns:a16="http://schemas.microsoft.com/office/drawing/2014/main" id="{C02A00D2-1446-2589-0A39-73081A11189C}"/>
+              </a:ext>
+            </a:extLst>
+          </p:cNvPr>
+          <p:cNvSpPr/>
+          <p:nvPr/>
+        </p:nvSpPr>
+        <p:spPr>
+          <a:xfrm>
+            <a:off x="2197100" y="3636778"/>
+            <a:ext cx="7874000" cy="299720"/>
+          </a:xfrm>
+          <a:prstGeom prst="rect">
+            <a:avLst/>
+          </a:prstGeom>
+          <a:solidFill>
+            <a:schemeClr val="bg1"/>
+          </a:solidFill>
+          <a:ln>
+            <a:noFill/>
+          </a:ln>
+        </p:spPr>
+        <p:style>
+          <a:lnRef idx="2">
+            <a:schemeClr val="accent1">
+              <a:shade val="15000"/>
+            </a:schemeClr>
+          </a:lnRef>
+          <a:fillRef idx="1">
+            <a:schemeClr val="accent1"/>
+          </a:fillRef>
+          <a:effectRef idx="0">
+            <a:schemeClr val="accent1"/>
+          </a:effectRef>
+          <a:fontRef idx="minor">
+            <a:schemeClr val="lt1"/>
+          </a:fontRef>
+        </p:style>
+        <p:txBody>
+          <a:bodyPr rtlCol="0" anchor="ctr"/>
+          <a:lstStyle/>
+          <a:p>
+            <a:pPr algn="ctr"/>
+            <a:endParaRPr lang="en-US"/>
+          </a:p>
+        </p:txBody>
+      </p:sp>
+      <p:sp>
+        <p:nvSpPr>
+          <p:cNvPr id="15" name="Rectangle 14">
+            <a:extLst>
+              <a:ext uri="{FF2B5EF4-FFF2-40B4-BE49-F238E27FC236}">
+                <a16:creationId xmlns:a16="http://schemas.microsoft.com/office/drawing/2014/main" id="{952864FF-AB88-43E9-4692-4D246F497C7D}"/>
+              </a:ext>
+            </a:extLst>
+          </p:cNvPr>
+          <p:cNvSpPr/>
+          <p:nvPr/>
+        </p:nvSpPr>
+        <p:spPr>
+          <a:xfrm>
+            <a:off x="2197100" y="3936498"/>
+            <a:ext cx="3594100" cy="621717"/>
+          </a:xfrm>
+          <a:prstGeom prst="rect">
+            <a:avLst/>
+          </a:prstGeom>
+          <a:solidFill>
+            <a:schemeClr val="bg1"/>
+          </a:solidFill>
+          <a:ln>
+            <a:noFill/>
+          </a:ln>
+        </p:spPr>
+        <p:style>
+          <a:lnRef idx="2">
+            <a:schemeClr val="accent1">
+              <a:shade val="15000"/>
+            </a:schemeClr>
+          </a:lnRef>
+          <a:fillRef idx="1">
+            <a:schemeClr val="accent1"/>
+          </a:fillRef>
+          <a:effectRef idx="0">
+            <a:schemeClr val="accent1"/>
+          </a:effectRef>
+          <a:fontRef idx="minor">
+            <a:schemeClr val="lt1"/>
+          </a:fontRef>
+        </p:style>
+        <p:txBody>
+          <a:bodyPr rtlCol="0" anchor="ctr"/>
+          <a:lstStyle/>
+          <a:p>
+            <a:pPr algn="ctr"/>
+            <a:endParaRPr lang="en-US"/>
+          </a:p>
+        </p:txBody>
+      </p:sp>
+      <p:sp>
+        <p:nvSpPr>
+          <p:cNvPr id="16" name="Rectangle 15">
+            <a:extLst>
+              <a:ext uri="{FF2B5EF4-FFF2-40B4-BE49-F238E27FC236}">
+                <a16:creationId xmlns:a16="http://schemas.microsoft.com/office/drawing/2014/main" id="{11E297D2-175F-870B-71B4-79817F46BF9D}"/>
+              </a:ext>
+            </a:extLst>
+          </p:cNvPr>
+          <p:cNvSpPr/>
+          <p:nvPr/>
+        </p:nvSpPr>
+        <p:spPr>
+          <a:xfrm>
+            <a:off x="2209800" y="1702453"/>
+            <a:ext cx="7099300" cy="234942"/>
+          </a:xfrm>
+          <a:prstGeom prst="rect">
+            <a:avLst/>
+          </a:prstGeom>
+          <a:solidFill>
+            <a:schemeClr val="bg1"/>
+          </a:solidFill>
+          <a:ln>
+            <a:noFill/>
+          </a:ln>
+        </p:spPr>
+        <p:style>
+          <a:lnRef idx="2">
+            <a:schemeClr val="accent1">
+              <a:shade val="15000"/>
+            </a:schemeClr>
+          </a:lnRef>
+          <a:fillRef idx="1">
+            <a:schemeClr val="accent1"/>
+          </a:fillRef>
+          <a:effectRef idx="0">
+            <a:schemeClr val="accent1"/>
+          </a:effectRef>
+          <a:fontRef idx="minor">
+            <a:schemeClr val="lt1"/>
+          </a:fontRef>
+        </p:style>
+        <p:txBody>
+          <a:bodyPr rtlCol="0" anchor="ctr"/>
+          <a:lstStyle/>
+          <a:p>
+            <a:pPr algn="ctr"/>
+            <a:endParaRPr lang="en-US"/>
+          </a:p>
+        </p:txBody>
+      </p:sp>
+      <p:sp>
+        <p:nvSpPr>
+          <p:cNvPr id="17" name="Rectangle 16">
+            <a:extLst>
+              <a:ext uri="{FF2B5EF4-FFF2-40B4-BE49-F238E27FC236}">
+                <a16:creationId xmlns:a16="http://schemas.microsoft.com/office/drawing/2014/main" id="{0E60047E-FE21-7280-4F9B-56423F95835F}"/>
+              </a:ext>
+            </a:extLst>
+          </p:cNvPr>
+          <p:cNvSpPr/>
+          <p:nvPr/>
+        </p:nvSpPr>
+        <p:spPr>
+          <a:xfrm>
+            <a:off x="9309100" y="1702453"/>
+            <a:ext cx="529860" cy="234942"/>
+          </a:xfrm>
+          <a:prstGeom prst="rect">
+            <a:avLst/>
+          </a:prstGeom>
+          <a:solidFill>
+            <a:schemeClr val="bg1"/>
+          </a:solidFill>
+          <a:ln>
+            <a:noFill/>
+          </a:ln>
+        </p:spPr>
+        <p:style>
+          <a:lnRef idx="2">
+            <a:schemeClr val="accent1">
+              <a:shade val="15000"/>
+            </a:schemeClr>
+          </a:lnRef>
+          <a:fillRef idx="1">
+            <a:schemeClr val="accent1"/>
+          </a:fillRef>
+          <a:effectRef idx="0">
+            <a:schemeClr val="accent1"/>
+          </a:effectRef>
+          <a:fontRef idx="minor">
+            <a:schemeClr val="lt1"/>
+          </a:fontRef>
+        </p:style>
+        <p:txBody>
+          <a:bodyPr rtlCol="0" anchor="ctr"/>
+          <a:lstStyle/>
+          <a:p>
+            <a:pPr algn="ctr"/>
+            <a:endParaRPr lang="en-US"/>
+          </a:p>
+        </p:txBody>
+      </p:sp>
+      <p:sp>
+        <p:nvSpPr>
+          <p:cNvPr id="18" name="Rectangle 17">
+            <a:extLst>
+              <a:ext uri="{FF2B5EF4-FFF2-40B4-BE49-F238E27FC236}">
+                <a16:creationId xmlns:a16="http://schemas.microsoft.com/office/drawing/2014/main" id="{AC0858D6-97FE-681A-80C3-337148C29FB4}"/>
+              </a:ext>
+            </a:extLst>
+          </p:cNvPr>
+          <p:cNvSpPr/>
+          <p:nvPr/>
+        </p:nvSpPr>
+        <p:spPr>
+          <a:xfrm>
+            <a:off x="2209800" y="1937395"/>
+            <a:ext cx="3289300" cy="193543"/>
+          </a:xfrm>
+          <a:prstGeom prst="rect">
+            <a:avLst/>
+          </a:prstGeom>
+          <a:solidFill>
+            <a:schemeClr val="bg1"/>
+          </a:solidFill>
+          <a:ln>
+            <a:noFill/>
+          </a:ln>
+        </p:spPr>
+        <p:style>
+          <a:lnRef idx="2">
+            <a:schemeClr val="accent1">
+              <a:shade val="15000"/>
+            </a:schemeClr>
+          </a:lnRef>
+          <a:fillRef idx="1">
+            <a:schemeClr val="accent1"/>
+          </a:fillRef>
+          <a:effectRef idx="0">
+            <a:schemeClr val="accent1"/>
+          </a:effectRef>
+          <a:fontRef idx="minor">
+            <a:schemeClr val="lt1"/>
+          </a:fontRef>
+        </p:style>
+        <p:txBody>
+          <a:bodyPr rtlCol="0" anchor="ctr"/>
+          <a:lstStyle/>
+          <a:p>
+            <a:pPr algn="ctr"/>
+            <a:endParaRPr lang="en-US"/>
+          </a:p>
+        </p:txBody>
+      </p:sp>
+      <p:sp>
+        <p:nvSpPr>
+          <p:cNvPr id="19" name="Rectangle 18">
+            <a:extLst>
+              <a:ext uri="{FF2B5EF4-FFF2-40B4-BE49-F238E27FC236}">
+                <a16:creationId xmlns:a16="http://schemas.microsoft.com/office/drawing/2014/main" id="{C78B5214-5E30-DFA6-8BD0-3E48979E2439}"/>
+              </a:ext>
+            </a:extLst>
+          </p:cNvPr>
+          <p:cNvSpPr/>
+          <p:nvPr/>
+        </p:nvSpPr>
+        <p:spPr>
+          <a:xfrm>
+            <a:off x="5499100" y="1937395"/>
+            <a:ext cx="3556000" cy="193543"/>
+          </a:xfrm>
+          <a:prstGeom prst="rect">
+            <a:avLst/>
+          </a:prstGeom>
+          <a:solidFill>
+            <a:schemeClr val="bg1"/>
+          </a:solidFill>
+          <a:ln>
+            <a:noFill/>
+          </a:ln>
+        </p:spPr>
+        <p:style>
+          <a:lnRef idx="2">
+            <a:schemeClr val="accent1">
+              <a:shade val="15000"/>
+            </a:schemeClr>
+          </a:lnRef>
+          <a:fillRef idx="1">
+            <a:schemeClr val="accent1"/>
+          </a:fillRef>
+          <a:effectRef idx="0">
+            <a:schemeClr val="accent1"/>
+          </a:effectRef>
+          <a:fontRef idx="minor">
+            <a:schemeClr val="lt1"/>
+          </a:fontRef>
+        </p:style>
+        <p:txBody>
+          <a:bodyPr rtlCol="0" anchor="ctr"/>
+          <a:lstStyle/>
+          <a:p>
+            <a:pPr algn="ctr"/>
+            <a:endParaRPr lang="en-US"/>
+          </a:p>
+        </p:txBody>
+      </p:sp>
+      <p:sp>
+        <p:nvSpPr>
+          <p:cNvPr id="20" name="Rectangle 19">
+            <a:extLst>
+              <a:ext uri="{FF2B5EF4-FFF2-40B4-BE49-F238E27FC236}">
+                <a16:creationId xmlns:a16="http://schemas.microsoft.com/office/drawing/2014/main" id="{EBEDD4E9-5608-0AFD-9699-85E2D36F4324}"/>
+              </a:ext>
+            </a:extLst>
+          </p:cNvPr>
+          <p:cNvSpPr/>
+          <p:nvPr/>
+        </p:nvSpPr>
+        <p:spPr>
+          <a:xfrm>
+            <a:off x="9055100" y="1937395"/>
+            <a:ext cx="927100" cy="193543"/>
+          </a:xfrm>
+          <a:prstGeom prst="rect">
+            <a:avLst/>
+          </a:prstGeom>
+          <a:solidFill>
+            <a:schemeClr val="bg1"/>
+          </a:solidFill>
+          <a:ln>
+            <a:noFill/>
+          </a:ln>
+        </p:spPr>
+        <p:style>
+          <a:lnRef idx="2">
+            <a:schemeClr val="accent1">
+              <a:shade val="15000"/>
+            </a:schemeClr>
+          </a:lnRef>
+          <a:fillRef idx="1">
+            <a:schemeClr val="accent1"/>
+          </a:fillRef>
+          <a:effectRef idx="0">
+            <a:schemeClr val="accent1"/>
+          </a:effectRef>
+          <a:fontRef idx="minor">
+            <a:schemeClr val="lt1"/>
+          </a:fontRef>
+        </p:style>
+        <p:txBody>
+          <a:bodyPr rtlCol="0" anchor="ctr"/>
+          <a:lstStyle/>
+          <a:p>
+            <a:pPr algn="ctr"/>
+            <a:endParaRPr lang="en-US"/>
+          </a:p>
+        </p:txBody>
+      </p:sp>
+      <p:sp>
+        <p:nvSpPr>
+          <p:cNvPr id="21" name="Rectangle 20">
+            <a:extLst>
+              <a:ext uri="{FF2B5EF4-FFF2-40B4-BE49-F238E27FC236}">
+                <a16:creationId xmlns:a16="http://schemas.microsoft.com/office/drawing/2014/main" id="{B2DC8011-6E2A-8991-FB01-835224339E0E}"/>
+              </a:ext>
+            </a:extLst>
+          </p:cNvPr>
+          <p:cNvSpPr/>
+          <p:nvPr/>
+        </p:nvSpPr>
+        <p:spPr>
+          <a:xfrm>
+            <a:off x="2209800" y="2130938"/>
+            <a:ext cx="4483102" cy="189951"/>
+          </a:xfrm>
+          <a:prstGeom prst="rect">
+            <a:avLst/>
+          </a:prstGeom>
+          <a:solidFill>
+            <a:schemeClr val="bg1"/>
+          </a:solidFill>
+          <a:ln>
+            <a:noFill/>
+          </a:ln>
+        </p:spPr>
+        <p:style>
+          <a:lnRef idx="2">
+            <a:schemeClr val="accent1">
+              <a:shade val="15000"/>
+            </a:schemeClr>
+          </a:lnRef>
+          <a:fillRef idx="1">
+            <a:schemeClr val="accent1"/>
+          </a:fillRef>
+          <a:effectRef idx="0">
+            <a:schemeClr val="accent1"/>
+          </a:effectRef>
+          <a:fontRef idx="minor">
+            <a:schemeClr val="lt1"/>
+          </a:fontRef>
+        </p:style>
+        <p:txBody>
+          <a:bodyPr rtlCol="0" anchor="ctr"/>
+          <a:lstStyle/>
+          <a:p>
+            <a:pPr algn="ctr"/>
+            <a:endParaRPr lang="en-US"/>
+          </a:p>
+        </p:txBody>
+      </p:sp>
+      <p:sp>
+        <p:nvSpPr>
+          <p:cNvPr id="22" name="Rectangle 21">
+            <a:extLst>
+              <a:ext uri="{FF2B5EF4-FFF2-40B4-BE49-F238E27FC236}">
+                <a16:creationId xmlns:a16="http://schemas.microsoft.com/office/drawing/2014/main" id="{A73C946C-E6FD-8E9E-79AD-8E8785313CDC}"/>
+              </a:ext>
+            </a:extLst>
+          </p:cNvPr>
+          <p:cNvSpPr/>
+          <p:nvPr/>
+        </p:nvSpPr>
+        <p:spPr>
+          <a:xfrm>
+            <a:off x="6692902" y="2130938"/>
+            <a:ext cx="1714498" cy="189951"/>
+          </a:xfrm>
+          <a:prstGeom prst="rect">
+            <a:avLst/>
+          </a:prstGeom>
+          <a:solidFill>
+            <a:schemeClr val="bg1"/>
+          </a:solidFill>
+          <a:ln>
+            <a:noFill/>
+          </a:ln>
+        </p:spPr>
+        <p:style>
+          <a:lnRef idx="2">
+            <a:schemeClr val="accent1">
+              <a:shade val="15000"/>
+            </a:schemeClr>
+          </a:lnRef>
+          <a:fillRef idx="1">
+            <a:schemeClr val="accent1"/>
+          </a:fillRef>
+          <a:effectRef idx="0">
+            <a:schemeClr val="accent1"/>
+          </a:effectRef>
+          <a:fontRef idx="minor">
+            <a:schemeClr val="lt1"/>
+          </a:fontRef>
+        </p:style>
+        <p:txBody>
+          <a:bodyPr rtlCol="0" anchor="ctr"/>
+          <a:lstStyle/>
+          <a:p>
+            <a:pPr algn="ctr"/>
+            <a:endParaRPr lang="en-US"/>
+          </a:p>
+        </p:txBody>
+      </p:sp>
+      <p:sp>
+        <p:nvSpPr>
+          <p:cNvPr id="23" name="Rectangle 22">
+            <a:extLst>
+              <a:ext uri="{FF2B5EF4-FFF2-40B4-BE49-F238E27FC236}">
+                <a16:creationId xmlns:a16="http://schemas.microsoft.com/office/drawing/2014/main" id="{AA833DD8-B4AF-31C8-8888-A44D0154B12B}"/>
+              </a:ext>
+            </a:extLst>
+          </p:cNvPr>
+          <p:cNvSpPr/>
+          <p:nvPr/>
+        </p:nvSpPr>
+        <p:spPr>
+          <a:xfrm>
+            <a:off x="8407400" y="2130938"/>
+            <a:ext cx="1663700" cy="189951"/>
+          </a:xfrm>
+          <a:prstGeom prst="rect">
+            <a:avLst/>
+          </a:prstGeom>
+          <a:solidFill>
+            <a:schemeClr val="bg1"/>
+          </a:solidFill>
+          <a:ln>
+            <a:noFill/>
+          </a:ln>
+        </p:spPr>
+        <p:style>
+          <a:lnRef idx="2">
+            <a:schemeClr val="accent1">
+              <a:shade val="15000"/>
+            </a:schemeClr>
+          </a:lnRef>
+          <a:fillRef idx="1">
+            <a:schemeClr val="accent1"/>
+          </a:fillRef>
+          <a:effectRef idx="0">
+            <a:schemeClr val="accent1"/>
+          </a:effectRef>
+          <a:fontRef idx="minor">
+            <a:schemeClr val="lt1"/>
+          </a:fontRef>
+        </p:style>
+        <p:txBody>
+          <a:bodyPr rtlCol="0" anchor="ctr"/>
+          <a:lstStyle/>
+          <a:p>
+            <a:pPr algn="ctr"/>
+            <a:endParaRPr lang="en-US"/>
+          </a:p>
+        </p:txBody>
+      </p:sp>
+      <p:sp>
+        <p:nvSpPr>
+          <p:cNvPr id="24" name="Rectangle 23">
+            <a:extLst>
+              <a:ext uri="{FF2B5EF4-FFF2-40B4-BE49-F238E27FC236}">
+                <a16:creationId xmlns:a16="http://schemas.microsoft.com/office/drawing/2014/main" id="{19D10BBB-967B-7740-9918-F753DCBEB063}"/>
+              </a:ext>
+            </a:extLst>
+          </p:cNvPr>
+          <p:cNvSpPr/>
+          <p:nvPr/>
+        </p:nvSpPr>
+        <p:spPr>
+          <a:xfrm>
+            <a:off x="2209800" y="2320889"/>
+            <a:ext cx="4648200" cy="225604"/>
+          </a:xfrm>
+          <a:prstGeom prst="rect">
+            <a:avLst/>
+          </a:prstGeom>
+          <a:solidFill>
+            <a:schemeClr val="bg1"/>
+          </a:solidFill>
+          <a:ln>
+            <a:noFill/>
+          </a:ln>
+        </p:spPr>
+        <p:style>
+          <a:lnRef idx="2">
+            <a:schemeClr val="accent1">
+              <a:shade val="15000"/>
+            </a:schemeClr>
+          </a:lnRef>
+          <a:fillRef idx="1">
+            <a:schemeClr val="accent1"/>
+          </a:fillRef>
+          <a:effectRef idx="0">
+            <a:schemeClr val="accent1"/>
+          </a:effectRef>
+          <a:fontRef idx="minor">
+            <a:schemeClr val="lt1"/>
+          </a:fontRef>
+        </p:style>
+        <p:txBody>
+          <a:bodyPr rtlCol="0" anchor="ctr"/>
+          <a:lstStyle/>
+          <a:p>
+            <a:pPr algn="ctr"/>
+            <a:endParaRPr lang="en-US"/>
+          </a:p>
+        </p:txBody>
+      </p:sp>
+      <p:sp>
+        <p:nvSpPr>
+          <p:cNvPr id="25" name="Rectangle 24">
+            <a:extLst>
+              <a:ext uri="{FF2B5EF4-FFF2-40B4-BE49-F238E27FC236}">
+                <a16:creationId xmlns:a16="http://schemas.microsoft.com/office/drawing/2014/main" id="{B06CEB5C-3311-4CD9-97D5-2CF4AA039E46}"/>
+              </a:ext>
+            </a:extLst>
+          </p:cNvPr>
+          <p:cNvSpPr/>
+          <p:nvPr/>
+        </p:nvSpPr>
+        <p:spPr>
+          <a:xfrm>
+            <a:off x="2209800" y="2528275"/>
+            <a:ext cx="7861300" cy="277298"/>
+          </a:xfrm>
+          <a:prstGeom prst="rect">
+            <a:avLst/>
+          </a:prstGeom>
+          <a:solidFill>
+            <a:schemeClr val="bg1"/>
+          </a:solidFill>
+          <a:ln>
+            <a:noFill/>
+          </a:ln>
+        </p:spPr>
+        <p:style>
+          <a:lnRef idx="2">
+            <a:schemeClr val="accent1">
+              <a:shade val="15000"/>
+            </a:schemeClr>
+          </a:lnRef>
+          <a:fillRef idx="1">
+            <a:schemeClr val="accent1"/>
+          </a:fillRef>
+          <a:effectRef idx="0">
+            <a:schemeClr val="accent1"/>
+          </a:effectRef>
+          <a:fontRef idx="minor">
+            <a:schemeClr val="lt1"/>
+          </a:fontRef>
+        </p:style>
+        <p:txBody>
+          <a:bodyPr rtlCol="0" anchor="ctr"/>
+          <a:lstStyle/>
+          <a:p>
+            <a:pPr algn="ctr"/>
+            <a:endParaRPr lang="en-US"/>
+          </a:p>
+        </p:txBody>
+      </p:sp>
     </p:spTree>
     <p:extLst>
       <p:ext uri="{BB962C8B-B14F-4D97-AF65-F5344CB8AC3E}">
@@ -12515,13 +13247,13 @@
   <p:clrMapOvr>
     <a:masterClrMapping/>
   </p:clrMapOvr>
-  <mc:AlternateContent xmlns:mc="http://schemas.openxmlformats.org/markup-compatibility/2006" xmlns:p14="http://schemas.microsoft.com/office/powerpoint/2010/main">
-    <mc:Choice Requires="p14">
+  <mc:AlternateContent xmlns:mc="http://schemas.openxmlformats.org/markup-compatibility/2006">
+    <mc:Choice xmlns:p14="http://schemas.microsoft.com/office/powerpoint/2010/main" Requires="p14">
       <p:transition spd="med" p14:dur="700">
         <p:fade/>
       </p:transition>
     </mc:Choice>
-    <mc:Fallback xmlns="">
+    <mc:Fallback>
       <p:transition spd="med">
         <p:fade/>
       </p:transition>
@@ -12548,37 +13280,37 @@
                             </p:stCondLst>
                             <p:childTnLst>
                               <p:par>
-                                <p:cTn id="5" presetID="22" presetClass="entr" presetSubtype="8" fill="hold" grpId="0" nodeType="clickEffect">
+                                <p:cTn id="5" presetID="22" presetClass="exit" presetSubtype="8" fill="hold" grpId="0" nodeType="clickEffect">
                                   <p:stCondLst>
                                     <p:cond delay="0"/>
                                   </p:stCondLst>
                                   <p:childTnLst>
+                                    <p:animEffect transition="out" filter="wipe(left)">
+                                      <p:cBhvr>
+                                        <p:cTn id="6" dur="500"/>
+                                        <p:tgtEl>
+                                          <p:spTgt spid="16"/>
+                                        </p:tgtEl>
+                                      </p:cBhvr>
+                                    </p:animEffect>
                                     <p:set>
                                       <p:cBhvr>
-                                        <p:cTn id="6" dur="1" fill="hold">
+                                        <p:cTn id="7" dur="1" fill="hold">
                                           <p:stCondLst>
-                                            <p:cond delay="0"/>
+                                            <p:cond delay="499"/>
                                           </p:stCondLst>
                                         </p:cTn>
                                         <p:tgtEl>
-                                          <p:spTgt spid="9"/>
+                                          <p:spTgt spid="16"/>
                                         </p:tgtEl>
                                         <p:attrNameLst>
                                           <p:attrName>style.visibility</p:attrName>
                                         </p:attrNameLst>
                                       </p:cBhvr>
                                       <p:to>
-                                        <p:strVal val="visible"/>
+                                        <p:strVal val="hidden"/>
                                       </p:to>
                                     </p:set>
-                                    <p:animEffect transition="in" filter="wipe(left)">
-                                      <p:cBhvr>
-                                        <p:cTn id="7" dur="250"/>
-                                        <p:tgtEl>
-                                          <p:spTgt spid="9"/>
-                                        </p:tgtEl>
-                                      </p:cBhvr>
-                                    </p:animEffect>
                                   </p:childTnLst>
                                 </p:cTn>
                               </p:par>
@@ -12601,14 +13333,570 @@
                             </p:stCondLst>
                             <p:childTnLst>
                               <p:par>
-                                <p:cTn id="10" presetID="22" presetClass="entr" presetSubtype="8" fill="hold" grpId="0" nodeType="clickEffect">
+                                <p:cTn id="10" presetID="22" presetClass="exit" presetSubtype="8" fill="hold" grpId="0" nodeType="clickEffect">
+                                  <p:stCondLst>
+                                    <p:cond delay="0"/>
+                                  </p:stCondLst>
+                                  <p:childTnLst>
+                                    <p:animEffect transition="out" filter="wipe(left)">
+                                      <p:cBhvr>
+                                        <p:cTn id="11" dur="500"/>
+                                        <p:tgtEl>
+                                          <p:spTgt spid="17"/>
+                                        </p:tgtEl>
+                                      </p:cBhvr>
+                                    </p:animEffect>
+                                    <p:set>
+                                      <p:cBhvr>
+                                        <p:cTn id="12" dur="1" fill="hold">
+                                          <p:stCondLst>
+                                            <p:cond delay="499"/>
+                                          </p:stCondLst>
+                                        </p:cTn>
+                                        <p:tgtEl>
+                                          <p:spTgt spid="17"/>
+                                        </p:tgtEl>
+                                        <p:attrNameLst>
+                                          <p:attrName>style.visibility</p:attrName>
+                                        </p:attrNameLst>
+                                      </p:cBhvr>
+                                      <p:to>
+                                        <p:strVal val="hidden"/>
+                                      </p:to>
+                                    </p:set>
+                                  </p:childTnLst>
+                                </p:cTn>
+                              </p:par>
+                            </p:childTnLst>
+                          </p:cTn>
+                        </p:par>
+                        <p:par>
+                          <p:cTn id="13" fill="hold">
+                            <p:stCondLst>
+                              <p:cond delay="500"/>
+                            </p:stCondLst>
+                            <p:childTnLst>
+                              <p:par>
+                                <p:cTn id="14" presetID="22" presetClass="exit" presetSubtype="8" fill="hold" grpId="0" nodeType="afterEffect">
+                                  <p:stCondLst>
+                                    <p:cond delay="0"/>
+                                  </p:stCondLst>
+                                  <p:childTnLst>
+                                    <p:animEffect transition="out" filter="wipe(left)">
+                                      <p:cBhvr>
+                                        <p:cTn id="15" dur="500"/>
+                                        <p:tgtEl>
+                                          <p:spTgt spid="18"/>
+                                        </p:tgtEl>
+                                      </p:cBhvr>
+                                    </p:animEffect>
+                                    <p:set>
+                                      <p:cBhvr>
+                                        <p:cTn id="16" dur="1" fill="hold">
+                                          <p:stCondLst>
+                                            <p:cond delay="499"/>
+                                          </p:stCondLst>
+                                        </p:cTn>
+                                        <p:tgtEl>
+                                          <p:spTgt spid="18"/>
+                                        </p:tgtEl>
+                                        <p:attrNameLst>
+                                          <p:attrName>style.visibility</p:attrName>
+                                        </p:attrNameLst>
+                                      </p:cBhvr>
+                                      <p:to>
+                                        <p:strVal val="hidden"/>
+                                      </p:to>
+                                    </p:set>
+                                  </p:childTnLst>
+                                </p:cTn>
+                              </p:par>
+                            </p:childTnLst>
+                          </p:cTn>
+                        </p:par>
+                      </p:childTnLst>
+                    </p:cTn>
+                  </p:par>
+                  <p:par>
+                    <p:cTn id="17" fill="hold">
+                      <p:stCondLst>
+                        <p:cond delay="indefinite"/>
+                      </p:stCondLst>
+                      <p:childTnLst>
+                        <p:par>
+                          <p:cTn id="18" fill="hold">
+                            <p:stCondLst>
+                              <p:cond delay="0"/>
+                            </p:stCondLst>
+                            <p:childTnLst>
+                              <p:par>
+                                <p:cTn id="19" presetID="22" presetClass="exit" presetSubtype="8" fill="hold" grpId="0" nodeType="clickEffect">
+                                  <p:stCondLst>
+                                    <p:cond delay="0"/>
+                                  </p:stCondLst>
+                                  <p:childTnLst>
+                                    <p:animEffect transition="out" filter="wipe(left)">
+                                      <p:cBhvr>
+                                        <p:cTn id="20" dur="500"/>
+                                        <p:tgtEl>
+                                          <p:spTgt spid="19"/>
+                                        </p:tgtEl>
+                                      </p:cBhvr>
+                                    </p:animEffect>
+                                    <p:set>
+                                      <p:cBhvr>
+                                        <p:cTn id="21" dur="1" fill="hold">
+                                          <p:stCondLst>
+                                            <p:cond delay="499"/>
+                                          </p:stCondLst>
+                                        </p:cTn>
+                                        <p:tgtEl>
+                                          <p:spTgt spid="19"/>
+                                        </p:tgtEl>
+                                        <p:attrNameLst>
+                                          <p:attrName>style.visibility</p:attrName>
+                                        </p:attrNameLst>
+                                      </p:cBhvr>
+                                      <p:to>
+                                        <p:strVal val="hidden"/>
+                                      </p:to>
+                                    </p:set>
+                                  </p:childTnLst>
+                                </p:cTn>
+                              </p:par>
+                            </p:childTnLst>
+                          </p:cTn>
+                        </p:par>
+                      </p:childTnLst>
+                    </p:cTn>
+                  </p:par>
+                  <p:par>
+                    <p:cTn id="22" fill="hold">
+                      <p:stCondLst>
+                        <p:cond delay="indefinite"/>
+                      </p:stCondLst>
+                      <p:childTnLst>
+                        <p:par>
+                          <p:cTn id="23" fill="hold">
+                            <p:stCondLst>
+                              <p:cond delay="0"/>
+                            </p:stCondLst>
+                            <p:childTnLst>
+                              <p:par>
+                                <p:cTn id="24" presetID="22" presetClass="exit" presetSubtype="8" fill="hold" grpId="0" nodeType="clickEffect">
+                                  <p:stCondLst>
+                                    <p:cond delay="0"/>
+                                  </p:stCondLst>
+                                  <p:childTnLst>
+                                    <p:animEffect transition="out" filter="wipe(left)">
+                                      <p:cBhvr>
+                                        <p:cTn id="25" dur="500"/>
+                                        <p:tgtEl>
+                                          <p:spTgt spid="20"/>
+                                        </p:tgtEl>
+                                      </p:cBhvr>
+                                    </p:animEffect>
+                                    <p:set>
+                                      <p:cBhvr>
+                                        <p:cTn id="26" dur="1" fill="hold">
+                                          <p:stCondLst>
+                                            <p:cond delay="499"/>
+                                          </p:stCondLst>
+                                        </p:cTn>
+                                        <p:tgtEl>
+                                          <p:spTgt spid="20"/>
+                                        </p:tgtEl>
+                                        <p:attrNameLst>
+                                          <p:attrName>style.visibility</p:attrName>
+                                        </p:attrNameLst>
+                                      </p:cBhvr>
+                                      <p:to>
+                                        <p:strVal val="hidden"/>
+                                      </p:to>
+                                    </p:set>
+                                  </p:childTnLst>
+                                </p:cTn>
+                              </p:par>
+                            </p:childTnLst>
+                          </p:cTn>
+                        </p:par>
+                        <p:par>
+                          <p:cTn id="27" fill="hold">
+                            <p:stCondLst>
+                              <p:cond delay="500"/>
+                            </p:stCondLst>
+                            <p:childTnLst>
+                              <p:par>
+                                <p:cTn id="28" presetID="22" presetClass="exit" presetSubtype="8" fill="hold" grpId="0" nodeType="afterEffect">
+                                  <p:stCondLst>
+                                    <p:cond delay="0"/>
+                                  </p:stCondLst>
+                                  <p:childTnLst>
+                                    <p:animEffect transition="out" filter="wipe(left)">
+                                      <p:cBhvr>
+                                        <p:cTn id="29" dur="500"/>
+                                        <p:tgtEl>
+                                          <p:spTgt spid="21"/>
+                                        </p:tgtEl>
+                                      </p:cBhvr>
+                                    </p:animEffect>
+                                    <p:set>
+                                      <p:cBhvr>
+                                        <p:cTn id="30" dur="1" fill="hold">
+                                          <p:stCondLst>
+                                            <p:cond delay="499"/>
+                                          </p:stCondLst>
+                                        </p:cTn>
+                                        <p:tgtEl>
+                                          <p:spTgt spid="21"/>
+                                        </p:tgtEl>
+                                        <p:attrNameLst>
+                                          <p:attrName>style.visibility</p:attrName>
+                                        </p:attrNameLst>
+                                      </p:cBhvr>
+                                      <p:to>
+                                        <p:strVal val="hidden"/>
+                                      </p:to>
+                                    </p:set>
+                                  </p:childTnLst>
+                                </p:cTn>
+                              </p:par>
+                            </p:childTnLst>
+                          </p:cTn>
+                        </p:par>
+                      </p:childTnLst>
+                    </p:cTn>
+                  </p:par>
+                  <p:par>
+                    <p:cTn id="31" fill="hold">
+                      <p:stCondLst>
+                        <p:cond delay="indefinite"/>
+                      </p:stCondLst>
+                      <p:childTnLst>
+                        <p:par>
+                          <p:cTn id="32" fill="hold">
+                            <p:stCondLst>
+                              <p:cond delay="0"/>
+                            </p:stCondLst>
+                            <p:childTnLst>
+                              <p:par>
+                                <p:cTn id="33" presetID="22" presetClass="exit" presetSubtype="8" fill="hold" grpId="0" nodeType="clickEffect">
+                                  <p:stCondLst>
+                                    <p:cond delay="0"/>
+                                  </p:stCondLst>
+                                  <p:childTnLst>
+                                    <p:animEffect transition="out" filter="wipe(left)">
+                                      <p:cBhvr>
+                                        <p:cTn id="34" dur="500"/>
+                                        <p:tgtEl>
+                                          <p:spTgt spid="22"/>
+                                        </p:tgtEl>
+                                      </p:cBhvr>
+                                    </p:animEffect>
+                                    <p:set>
+                                      <p:cBhvr>
+                                        <p:cTn id="35" dur="1" fill="hold">
+                                          <p:stCondLst>
+                                            <p:cond delay="499"/>
+                                          </p:stCondLst>
+                                        </p:cTn>
+                                        <p:tgtEl>
+                                          <p:spTgt spid="22"/>
+                                        </p:tgtEl>
+                                        <p:attrNameLst>
+                                          <p:attrName>style.visibility</p:attrName>
+                                        </p:attrNameLst>
+                                      </p:cBhvr>
+                                      <p:to>
+                                        <p:strVal val="hidden"/>
+                                      </p:to>
+                                    </p:set>
+                                  </p:childTnLst>
+                                </p:cTn>
+                              </p:par>
+                            </p:childTnLst>
+                          </p:cTn>
+                        </p:par>
+                      </p:childTnLst>
+                    </p:cTn>
+                  </p:par>
+                  <p:par>
+                    <p:cTn id="36" fill="hold">
+                      <p:stCondLst>
+                        <p:cond delay="indefinite"/>
+                      </p:stCondLst>
+                      <p:childTnLst>
+                        <p:par>
+                          <p:cTn id="37" fill="hold">
+                            <p:stCondLst>
+                              <p:cond delay="0"/>
+                            </p:stCondLst>
+                            <p:childTnLst>
+                              <p:par>
+                                <p:cTn id="38" presetID="22" presetClass="exit" presetSubtype="8" fill="hold" grpId="0" nodeType="clickEffect">
+                                  <p:stCondLst>
+                                    <p:cond delay="0"/>
+                                  </p:stCondLst>
+                                  <p:childTnLst>
+                                    <p:animEffect transition="out" filter="wipe(left)">
+                                      <p:cBhvr>
+                                        <p:cTn id="39" dur="500"/>
+                                        <p:tgtEl>
+                                          <p:spTgt spid="23"/>
+                                        </p:tgtEl>
+                                      </p:cBhvr>
+                                    </p:animEffect>
+                                    <p:set>
+                                      <p:cBhvr>
+                                        <p:cTn id="40" dur="1" fill="hold">
+                                          <p:stCondLst>
+                                            <p:cond delay="499"/>
+                                          </p:stCondLst>
+                                        </p:cTn>
+                                        <p:tgtEl>
+                                          <p:spTgt spid="23"/>
+                                        </p:tgtEl>
+                                        <p:attrNameLst>
+                                          <p:attrName>style.visibility</p:attrName>
+                                        </p:attrNameLst>
+                                      </p:cBhvr>
+                                      <p:to>
+                                        <p:strVal val="hidden"/>
+                                      </p:to>
+                                    </p:set>
+                                  </p:childTnLst>
+                                </p:cTn>
+                              </p:par>
+                            </p:childTnLst>
+                          </p:cTn>
+                        </p:par>
+                        <p:par>
+                          <p:cTn id="41" fill="hold">
+                            <p:stCondLst>
+                              <p:cond delay="500"/>
+                            </p:stCondLst>
+                            <p:childTnLst>
+                              <p:par>
+                                <p:cTn id="42" presetID="22" presetClass="exit" presetSubtype="8" fill="hold" grpId="0" nodeType="afterEffect">
+                                  <p:stCondLst>
+                                    <p:cond delay="0"/>
+                                  </p:stCondLst>
+                                  <p:childTnLst>
+                                    <p:animEffect transition="out" filter="wipe(left)">
+                                      <p:cBhvr>
+                                        <p:cTn id="43" dur="500"/>
+                                        <p:tgtEl>
+                                          <p:spTgt spid="24"/>
+                                        </p:tgtEl>
+                                      </p:cBhvr>
+                                    </p:animEffect>
+                                    <p:set>
+                                      <p:cBhvr>
+                                        <p:cTn id="44" dur="1" fill="hold">
+                                          <p:stCondLst>
+                                            <p:cond delay="499"/>
+                                          </p:stCondLst>
+                                        </p:cTn>
+                                        <p:tgtEl>
+                                          <p:spTgt spid="24"/>
+                                        </p:tgtEl>
+                                        <p:attrNameLst>
+                                          <p:attrName>style.visibility</p:attrName>
+                                        </p:attrNameLst>
+                                      </p:cBhvr>
+                                      <p:to>
+                                        <p:strVal val="hidden"/>
+                                      </p:to>
+                                    </p:set>
+                                  </p:childTnLst>
+                                </p:cTn>
+                              </p:par>
+                            </p:childTnLst>
+                          </p:cTn>
+                        </p:par>
+                      </p:childTnLst>
+                    </p:cTn>
+                  </p:par>
+                  <p:par>
+                    <p:cTn id="45" fill="hold">
+                      <p:stCondLst>
+                        <p:cond delay="indefinite"/>
+                      </p:stCondLst>
+                      <p:childTnLst>
+                        <p:par>
+                          <p:cTn id="46" fill="hold">
+                            <p:stCondLst>
+                              <p:cond delay="0"/>
+                            </p:stCondLst>
+                            <p:childTnLst>
+                              <p:par>
+                                <p:cTn id="47" presetID="22" presetClass="exit" presetSubtype="8" fill="hold" grpId="0" nodeType="clickEffect">
+                                  <p:stCondLst>
+                                    <p:cond delay="0"/>
+                                  </p:stCondLst>
+                                  <p:childTnLst>
+                                    <p:animEffect transition="out" filter="wipe(left)">
+                                      <p:cBhvr>
+                                        <p:cTn id="48" dur="500"/>
+                                        <p:tgtEl>
+                                          <p:spTgt spid="25"/>
+                                        </p:tgtEl>
+                                      </p:cBhvr>
+                                    </p:animEffect>
+                                    <p:set>
+                                      <p:cBhvr>
+                                        <p:cTn id="49" dur="1" fill="hold">
+                                          <p:stCondLst>
+                                            <p:cond delay="499"/>
+                                          </p:stCondLst>
+                                        </p:cTn>
+                                        <p:tgtEl>
+                                          <p:spTgt spid="25"/>
+                                        </p:tgtEl>
+                                        <p:attrNameLst>
+                                          <p:attrName>style.visibility</p:attrName>
+                                        </p:attrNameLst>
+                                      </p:cBhvr>
+                                      <p:to>
+                                        <p:strVal val="hidden"/>
+                                      </p:to>
+                                    </p:set>
+                                  </p:childTnLst>
+                                </p:cTn>
+                              </p:par>
+                            </p:childTnLst>
+                          </p:cTn>
+                        </p:par>
+                      </p:childTnLst>
+                    </p:cTn>
+                  </p:par>
+                  <p:par>
+                    <p:cTn id="50" fill="hold">
+                      <p:stCondLst>
+                        <p:cond delay="indefinite"/>
+                      </p:stCondLst>
+                      <p:childTnLst>
+                        <p:par>
+                          <p:cTn id="51" fill="hold">
+                            <p:stCondLst>
+                              <p:cond delay="0"/>
+                            </p:stCondLst>
+                            <p:childTnLst>
+                              <p:par>
+                                <p:cTn id="52" presetID="22" presetClass="entr" presetSubtype="8" fill="hold" grpId="0" nodeType="clickEffect">
                                   <p:stCondLst>
                                     <p:cond delay="0"/>
                                   </p:stCondLst>
                                   <p:childTnLst>
                                     <p:set>
                                       <p:cBhvr>
-                                        <p:cTn id="11" dur="1" fill="hold">
+                                        <p:cTn id="53" dur="1" fill="hold">
+                                          <p:stCondLst>
+                                            <p:cond delay="0"/>
+                                          </p:stCondLst>
+                                        </p:cTn>
+                                        <p:tgtEl>
+                                          <p:spTgt spid="9"/>
+                                        </p:tgtEl>
+                                        <p:attrNameLst>
+                                          <p:attrName>style.visibility</p:attrName>
+                                        </p:attrNameLst>
+                                      </p:cBhvr>
+                                      <p:to>
+                                        <p:strVal val="visible"/>
+                                      </p:to>
+                                    </p:set>
+                                    <p:animEffect transition="in" filter="wipe(left)">
+                                      <p:cBhvr>
+                                        <p:cTn id="54" dur="250"/>
+                                        <p:tgtEl>
+                                          <p:spTgt spid="9"/>
+                                        </p:tgtEl>
+                                      </p:cBhvr>
+                                    </p:animEffect>
+                                  </p:childTnLst>
+                                </p:cTn>
+                              </p:par>
+                            </p:childTnLst>
+                          </p:cTn>
+                        </p:par>
+                      </p:childTnLst>
+                    </p:cTn>
+                  </p:par>
+                  <p:par>
+                    <p:cTn id="55" fill="hold">
+                      <p:stCondLst>
+                        <p:cond delay="indefinite"/>
+                      </p:stCondLst>
+                      <p:childTnLst>
+                        <p:par>
+                          <p:cTn id="56" fill="hold">
+                            <p:stCondLst>
+                              <p:cond delay="0"/>
+                            </p:stCondLst>
+                            <p:childTnLst>
+                              <p:par>
+                                <p:cTn id="57" presetID="10" presetClass="exit" presetSubtype="0" fill="hold" grpId="0" nodeType="clickEffect">
+                                  <p:stCondLst>
+                                    <p:cond delay="0"/>
+                                  </p:stCondLst>
+                                  <p:childTnLst>
+                                    <p:animEffect transition="out" filter="fade">
+                                      <p:cBhvr>
+                                        <p:cTn id="58" dur="500"/>
+                                        <p:tgtEl>
+                                          <p:spTgt spid="3"/>
+                                        </p:tgtEl>
+                                      </p:cBhvr>
+                                    </p:animEffect>
+                                    <p:set>
+                                      <p:cBhvr>
+                                        <p:cTn id="59" dur="1" fill="hold">
+                                          <p:stCondLst>
+                                            <p:cond delay="499"/>
+                                          </p:stCondLst>
+                                        </p:cTn>
+                                        <p:tgtEl>
+                                          <p:spTgt spid="3"/>
+                                        </p:tgtEl>
+                                        <p:attrNameLst>
+                                          <p:attrName>style.visibility</p:attrName>
+                                        </p:attrNameLst>
+                                      </p:cBhvr>
+                                      <p:to>
+                                        <p:strVal val="hidden"/>
+                                      </p:to>
+                                    </p:set>
+                                  </p:childTnLst>
+                                </p:cTn>
+                              </p:par>
+                            </p:childTnLst>
+                          </p:cTn>
+                        </p:par>
+                      </p:childTnLst>
+                    </p:cTn>
+                  </p:par>
+                  <p:par>
+                    <p:cTn id="60" fill="hold">
+                      <p:stCondLst>
+                        <p:cond delay="indefinite"/>
+                      </p:stCondLst>
+                      <p:childTnLst>
+                        <p:par>
+                          <p:cTn id="61" fill="hold">
+                            <p:stCondLst>
+                              <p:cond delay="0"/>
+                            </p:stCondLst>
+                            <p:childTnLst>
+                              <p:par>
+                                <p:cTn id="62" presetID="22" presetClass="entr" presetSubtype="8" fill="hold" grpId="0" nodeType="clickEffect">
+                                  <p:stCondLst>
+                                    <p:cond delay="0"/>
+                                  </p:stCondLst>
+                                  <p:childTnLst>
+                                    <p:set>
+                                      <p:cBhvr>
+                                        <p:cTn id="63" dur="1" fill="hold">
                                           <p:stCondLst>
                                             <p:cond delay="0"/>
                                           </p:stCondLst>
@@ -12626,7 +13914,7 @@
                                     </p:set>
                                     <p:animEffect transition="in" filter="wipe(left)">
                                       <p:cBhvr>
-                                        <p:cTn id="12" dur="250"/>
+                                        <p:cTn id="64" dur="250"/>
                                         <p:tgtEl>
                                           <p:spTgt spid="10"/>
                                         </p:tgtEl>
@@ -12642,26 +13930,79 @@
                     </p:cTn>
                   </p:par>
                   <p:par>
-                    <p:cTn id="13" fill="hold">
+                    <p:cTn id="65" fill="hold">
                       <p:stCondLst>
                         <p:cond delay="indefinite"/>
                       </p:stCondLst>
                       <p:childTnLst>
                         <p:par>
-                          <p:cTn id="14" fill="hold">
+                          <p:cTn id="66" fill="hold">
                             <p:stCondLst>
                               <p:cond delay="0"/>
                             </p:stCondLst>
                             <p:childTnLst>
                               <p:par>
-                                <p:cTn id="15" presetID="22" presetClass="entr" presetSubtype="8" fill="hold" grpId="0" nodeType="clickEffect">
+                                <p:cTn id="67" presetID="10" presetClass="exit" presetSubtype="0" fill="hold" grpId="0" nodeType="clickEffect">
+                                  <p:stCondLst>
+                                    <p:cond delay="0"/>
+                                  </p:stCondLst>
+                                  <p:childTnLst>
+                                    <p:animEffect transition="out" filter="fade">
+                                      <p:cBhvr>
+                                        <p:cTn id="68" dur="500"/>
+                                        <p:tgtEl>
+                                          <p:spTgt spid="6"/>
+                                        </p:tgtEl>
+                                      </p:cBhvr>
+                                    </p:animEffect>
+                                    <p:set>
+                                      <p:cBhvr>
+                                        <p:cTn id="69" dur="1" fill="hold">
+                                          <p:stCondLst>
+                                            <p:cond delay="499"/>
+                                          </p:stCondLst>
+                                        </p:cTn>
+                                        <p:tgtEl>
+                                          <p:spTgt spid="6"/>
+                                        </p:tgtEl>
+                                        <p:attrNameLst>
+                                          <p:attrName>style.visibility</p:attrName>
+                                        </p:attrNameLst>
+                                      </p:cBhvr>
+                                      <p:to>
+                                        <p:strVal val="hidden"/>
+                                      </p:to>
+                                    </p:set>
+                                  </p:childTnLst>
+                                </p:cTn>
+                              </p:par>
+                            </p:childTnLst>
+                          </p:cTn>
+                        </p:par>
+                      </p:childTnLst>
+                    </p:cTn>
+                  </p:par>
+                  <p:par>
+                    <p:cTn id="70" fill="hold">
+                      <p:stCondLst>
+                        <p:cond delay="indefinite"/>
+                      </p:stCondLst>
+                      <p:childTnLst>
+                        <p:par>
+                          <p:cTn id="71" fill="hold">
+                            <p:stCondLst>
+                              <p:cond delay="0"/>
+                            </p:stCondLst>
+                            <p:childTnLst>
+                              <p:par>
+                                <p:cTn id="72" presetID="22" presetClass="entr" presetSubtype="8" fill="hold" grpId="0" nodeType="clickEffect">
                                   <p:stCondLst>
                                     <p:cond delay="0"/>
                                   </p:stCondLst>
                                   <p:childTnLst>
                                     <p:set>
                                       <p:cBhvr>
-                                        <p:cTn id="16" dur="1" fill="hold">
+                                        <p:cTn id="73" dur="1" fill="hold">
                                           <p:stCondLst>
                                             <p:cond delay="0"/>
                                           </p:stCondLst>
@@ -12679,7 +14020,7 @@
                                     </p:set>
                                     <p:animEffect transition="in" filter="wipe(left)">
                                       <p:cBhvr>
-                                        <p:cTn id="17" dur="250"/>
+                                        <p:cTn id="74" dur="250"/>
                                         <p:tgtEl>
                                           <p:spTgt spid="11"/>
                                         </p:tgtEl>
@@ -12695,26 +14036,79 @@
                     </p:cTn>
                   </p:par>
                   <p:par>
-                    <p:cTn id="18" fill="hold">
+                    <p:cTn id="75" fill="hold">
                       <p:stCondLst>
                         <p:cond delay="indefinite"/>
                       </p:stCondLst>
                       <p:childTnLst>
                         <p:par>
-                          <p:cTn id="19" fill="hold">
+                          <p:cTn id="76" fill="hold">
                             <p:stCondLst>
                               <p:cond delay="0"/>
                             </p:stCondLst>
                             <p:childTnLst>
                               <p:par>
-                                <p:cTn id="20" presetID="22" presetClass="entr" presetSubtype="8" fill="hold" grpId="0" nodeType="clickEffect">
+                                <p:cTn id="77" presetID="10" presetClass="exit" presetSubtype="0" fill="hold" grpId="0" nodeType="clickEffect">
+                                  <p:stCondLst>
+                                    <p:cond delay="0"/>
+                                  </p:stCondLst>
+                                  <p:childTnLst>
+                                    <p:animEffect transition="out" filter="fade">
+                                      <p:cBhvr>
+                                        <p:cTn id="78" dur="500"/>
+                                        <p:tgtEl>
+                                          <p:spTgt spid="13"/>
+                                        </p:tgtEl>
+                                      </p:cBhvr>
+                                    </p:animEffect>
+                                    <p:set>
+                                      <p:cBhvr>
+                                        <p:cTn id="79" dur="1" fill="hold">
+                                          <p:stCondLst>
+                                            <p:cond delay="499"/>
+                                          </p:stCondLst>
+                                        </p:cTn>
+                                        <p:tgtEl>
+                                          <p:spTgt spid="13"/>
+                                        </p:tgtEl>
+                                        <p:attrNameLst>
+                                          <p:attrName>style.visibility</p:attrName>
+                                        </p:attrNameLst>
+                                      </p:cBhvr>
+                                      <p:to>
+                                        <p:strVal val="hidden"/>
+                                      </p:to>
+                                    </p:set>
+                                  </p:childTnLst>
+                                </p:cTn>
+                              </p:par>
+                            </p:childTnLst>
+                          </p:cTn>
+                        </p:par>
+                      </p:childTnLst>
+                    </p:cTn>
+                  </p:par>
+                  <p:par>
+                    <p:cTn id="80" fill="hold">
+                      <p:stCondLst>
+                        <p:cond delay="indefinite"/>
+                      </p:stCondLst>
+                      <p:childTnLst>
+                        <p:par>
+                          <p:cTn id="81" fill="hold">
+                            <p:stCondLst>
+                              <p:cond delay="0"/>
+                            </p:stCondLst>
+                            <p:childTnLst>
+                              <p:par>
+                                <p:cTn id="82" presetID="22" presetClass="entr" presetSubtype="8" fill="hold" grpId="0" nodeType="clickEffect">
                                   <p:stCondLst>
                                     <p:cond delay="0"/>
                                   </p:stCondLst>
                                   <p:childTnLst>
                                     <p:set>
                                       <p:cBhvr>
-                                        <p:cTn id="21" dur="1" fill="hold">
+                                        <p:cTn id="83" dur="1" fill="hold">
                                           <p:stCondLst>
                                             <p:cond delay="0"/>
                                           </p:stCondLst>
@@ -12732,7 +14126,7 @@
                                     </p:set>
                                     <p:animEffect transition="in" filter="wipe(left)">
                                       <p:cBhvr>
-                                        <p:cTn id="22" dur="250"/>
+                                        <p:cTn id="84" dur="250"/>
                                         <p:tgtEl>
                                           <p:spTgt spid="12"/>
                                         </p:tgtEl>
@@ -12745,20 +14139,20 @@
                           </p:cTn>
                         </p:par>
                         <p:par>
-                          <p:cTn id="23" fill="hold">
+                          <p:cTn id="85" fill="hold">
                             <p:stCondLst>
                               <p:cond delay="250"/>
                             </p:stCondLst>
                             <p:childTnLst>
                               <p:par>
-                                <p:cTn id="24" presetID="10" presetClass="entr" presetSubtype="0" fill="hold" grpId="0" nodeType="afterEffect">
+                                <p:cTn id="86" presetID="10" presetClass="entr" presetSubtype="0" fill="hold" grpId="0" nodeType="afterEffect">
                                   <p:stCondLst>
                                     <p:cond delay="0"/>
                                   </p:stCondLst>
                                   <p:childTnLst>
                                     <p:set>
                                       <p:cBhvr>
-                                        <p:cTn id="25" dur="1" fill="hold">
+                                        <p:cTn id="87" dur="1" fill="hold">
                                           <p:stCondLst>
                                             <p:cond delay="0"/>
                                           </p:stCondLst>
@@ -12776,7 +14170,7 @@
                                     </p:set>
                                     <p:animEffect transition="in" filter="fade">
                                       <p:cBhvr>
-                                        <p:cTn id="26" dur="500"/>
+                                        <p:cTn id="88" dur="500"/>
                                         <p:tgtEl>
                                           <p:spTgt spid="14"/>
                                         </p:tgtEl>
@@ -12818,6 +14212,19 @@
       <p:bldP spid="11" grpId="0" animBg="1"/>
       <p:bldP spid="12" grpId="0" animBg="1"/>
       <p:bldP spid="14" grpId="0"/>
+      <p:bldP spid="3" grpId="0" animBg="1"/>
+      <p:bldP spid="6" grpId="0" animBg="1"/>
+      <p:bldP spid="13" grpId="0" animBg="1"/>
+      <p:bldP spid="16" grpId="0" animBg="1"/>
+      <p:bldP spid="17" grpId="0" animBg="1"/>
+      <p:bldP spid="18" grpId="0" animBg="1"/>
+      <p:bldP spid="19" grpId="0" animBg="1"/>
+      <p:bldP spid="20" grpId="0" animBg="1"/>
+      <p:bldP spid="21" grpId="0" animBg="1"/>
+      <p:bldP spid="22" grpId="0" animBg="1"/>
+      <p:bldP spid="23" grpId="0" animBg="1"/>
+      <p:bldP spid="24" grpId="0" animBg="1"/>
+      <p:bldP spid="25" grpId="0" animBg="1"/>
     </p:bldLst>
   </p:timing>
 </p:sld>
@@ -23777,319 +25184,6 @@
           </a:p>
         </p:txBody>
       </p:sp>
-      <p:sp>
-        <p:nvSpPr>
-          <p:cNvPr id="9" name="TextBox 8">
-            <a:extLst>
-              <a:ext uri="{FF2B5EF4-FFF2-40B4-BE49-F238E27FC236}">
-                <a16:creationId xmlns:a16="http://schemas.microsoft.com/office/drawing/2014/main" id="{F3AAA646-ED60-C3D6-1C97-768E35F18742}"/>
-              </a:ext>
-            </a:extLst>
-          </p:cNvPr>
-          <p:cNvSpPr txBox="1"/>
-          <p:nvPr/>
-        </p:nvSpPr>
-        <p:spPr>
-          <a:xfrm>
-            <a:off x="5694743" y="1095393"/>
-            <a:ext cx="774058" cy="369332"/>
-          </a:xfrm>
-          <a:prstGeom prst="rect">
-            <a:avLst/>
-          </a:prstGeom>
-          <a:noFill/>
-        </p:spPr>
-        <p:txBody>
-          <a:bodyPr wrap="square" rtlCol="0">
-            <a:spAutoFit/>
-          </a:bodyPr>
-          <a:lstStyle/>
-          <a:p>
-            <a:r>
-              <a:rPr lang="en-US" b="1" dirty="0">
-                <a:solidFill>
-                  <a:srgbClr val="00B050"/>
-                </a:solidFill>
-              </a:rPr>
-              <a:t>READ</a:t>
-            </a:r>
-          </a:p>
-        </p:txBody>
-      </p:sp>
-      <p:sp>
-        <p:nvSpPr>
-          <p:cNvPr id="10" name="TextBox 9">
-            <a:extLst>
-              <a:ext uri="{FF2B5EF4-FFF2-40B4-BE49-F238E27FC236}">
-                <a16:creationId xmlns:a16="http://schemas.microsoft.com/office/drawing/2014/main" id="{F2CF8EA0-995D-86FF-2F5C-4BDA57ECF94D}"/>
-              </a:ext>
-            </a:extLst>
-          </p:cNvPr>
-          <p:cNvSpPr txBox="1"/>
-          <p:nvPr/>
-        </p:nvSpPr>
-        <p:spPr>
-          <a:xfrm>
-            <a:off x="6840637" y="1815448"/>
-            <a:ext cx="1064871" cy="369332"/>
-          </a:xfrm>
-          <a:prstGeom prst="rect">
-            <a:avLst/>
-          </a:prstGeom>
-          <a:noFill/>
-        </p:spPr>
-        <p:txBody>
-          <a:bodyPr wrap="square" rtlCol="0">
-            <a:spAutoFit/>
-          </a:bodyPr>
-          <a:lstStyle/>
-          <a:p>
-            <a:r>
-              <a:rPr lang="en-US" b="1" dirty="0">
-                <a:solidFill>
-                  <a:schemeClr val="accent1"/>
-                </a:solidFill>
-              </a:rPr>
-              <a:t>MODIFY</a:t>
-            </a:r>
-          </a:p>
-        </p:txBody>
-      </p:sp>
-      <p:sp>
-        <p:nvSpPr>
-          <p:cNvPr id="11" name="Arc 10">
-            <a:extLst>
-              <a:ext uri="{FF2B5EF4-FFF2-40B4-BE49-F238E27FC236}">
-                <a16:creationId xmlns:a16="http://schemas.microsoft.com/office/drawing/2014/main" id="{22C45FD9-67FD-7298-693E-1F08A4986FAC}"/>
-              </a:ext>
-            </a:extLst>
-          </p:cNvPr>
-          <p:cNvSpPr/>
-          <p:nvPr/>
-        </p:nvSpPr>
-        <p:spPr>
-          <a:xfrm rot="20514593">
-            <a:off x="3229337" y="1451659"/>
-            <a:ext cx="2866662" cy="898002"/>
-          </a:xfrm>
-          <a:prstGeom prst="arc">
-            <a:avLst>
-              <a:gd name="adj1" fmla="val 12955166"/>
-              <a:gd name="adj2" fmla="val 20778557"/>
-            </a:avLst>
-          </a:prstGeom>
-          <a:ln w="76200">
-            <a:solidFill>
-              <a:srgbClr val="00B050"/>
-            </a:solidFill>
-            <a:headEnd type="arrow" w="med" len="med"/>
-            <a:tailEnd type="none" w="med" len="med"/>
-          </a:ln>
-        </p:spPr>
-        <p:style>
-          <a:lnRef idx="1">
-            <a:schemeClr val="accent1"/>
-          </a:lnRef>
-          <a:fillRef idx="0">
-            <a:schemeClr val="accent1"/>
-          </a:fillRef>
-          <a:effectRef idx="0">
-            <a:schemeClr val="accent1"/>
-          </a:effectRef>
-          <a:fontRef idx="minor">
-            <a:schemeClr val="tx1"/>
-          </a:fontRef>
-        </p:style>
-        <p:txBody>
-          <a:bodyPr rtlCol="0" anchor="ctr"/>
-          <a:lstStyle/>
-          <a:p>
-            <a:pPr algn="ctr"/>
-            <a:endParaRPr lang="en-US"/>
-          </a:p>
-        </p:txBody>
-      </p:sp>
-      <p:sp>
-        <p:nvSpPr>
-          <p:cNvPr id="12" name="Oval 11">
-            <a:extLst>
-              <a:ext uri="{FF2B5EF4-FFF2-40B4-BE49-F238E27FC236}">
-                <a16:creationId xmlns:a16="http://schemas.microsoft.com/office/drawing/2014/main" id="{9D97B9BD-305B-2631-24F8-56999FFE577D}"/>
-              </a:ext>
-            </a:extLst>
-          </p:cNvPr>
-          <p:cNvSpPr/>
-          <p:nvPr/>
-        </p:nvSpPr>
-        <p:spPr>
-          <a:xfrm>
-            <a:off x="3507129" y="1704975"/>
-            <a:ext cx="613458" cy="571500"/>
-          </a:xfrm>
-          <a:prstGeom prst="ellipse">
-            <a:avLst/>
-          </a:prstGeom>
-          <a:noFill/>
-          <a:ln w="28575">
-            <a:solidFill>
-              <a:srgbClr val="00B050"/>
-            </a:solidFill>
-          </a:ln>
-        </p:spPr>
-        <p:style>
-          <a:lnRef idx="2">
-            <a:schemeClr val="accent1">
-              <a:shade val="15000"/>
-            </a:schemeClr>
-          </a:lnRef>
-          <a:fillRef idx="1">
-            <a:schemeClr val="accent1"/>
-          </a:fillRef>
-          <a:effectRef idx="0">
-            <a:schemeClr val="accent1"/>
-          </a:effectRef>
-          <a:fontRef idx="minor">
-            <a:schemeClr val="lt1"/>
-          </a:fontRef>
-        </p:style>
-        <p:txBody>
-          <a:bodyPr rtlCol="0" anchor="ctr"/>
-          <a:lstStyle/>
-          <a:p>
-            <a:pPr algn="ctr"/>
-            <a:endParaRPr lang="en-US"/>
-          </a:p>
-        </p:txBody>
-      </p:sp>
-      <p:sp>
-        <p:nvSpPr>
-          <p:cNvPr id="13" name="Left Brace 12">
-            <a:extLst>
-              <a:ext uri="{FF2B5EF4-FFF2-40B4-BE49-F238E27FC236}">
-                <a16:creationId xmlns:a16="http://schemas.microsoft.com/office/drawing/2014/main" id="{B76B5067-597D-5286-2182-A1B6C746C6A5}"/>
-              </a:ext>
-            </a:extLst>
-          </p:cNvPr>
-          <p:cNvSpPr/>
-          <p:nvPr/>
-        </p:nvSpPr>
-        <p:spPr>
-          <a:xfrm rot="10800000">
-            <a:off x="6655443" y="1704975"/>
-            <a:ext cx="185195" cy="609962"/>
-          </a:xfrm>
-          <a:prstGeom prst="leftBrace">
-            <a:avLst>
-              <a:gd name="adj1" fmla="val 82341"/>
-              <a:gd name="adj2" fmla="val 50000"/>
-            </a:avLst>
-          </a:prstGeom>
-          <a:ln w="76200"/>
-        </p:spPr>
-        <p:style>
-          <a:lnRef idx="1">
-            <a:schemeClr val="accent1"/>
-          </a:lnRef>
-          <a:fillRef idx="0">
-            <a:schemeClr val="accent1"/>
-          </a:fillRef>
-          <a:effectRef idx="0">
-            <a:schemeClr val="accent1"/>
-          </a:effectRef>
-          <a:fontRef idx="minor">
-            <a:schemeClr val="tx1"/>
-          </a:fontRef>
-        </p:style>
-        <p:txBody>
-          <a:bodyPr rtlCol="0" anchor="ctr"/>
-          <a:lstStyle/>
-          <a:p>
-            <a:pPr algn="ctr"/>
-            <a:endParaRPr lang="en-US"/>
-          </a:p>
-        </p:txBody>
-      </p:sp>
-      <p:sp>
-        <p:nvSpPr>
-          <p:cNvPr id="14" name="TextBox 13">
-            <a:extLst>
-              <a:ext uri="{FF2B5EF4-FFF2-40B4-BE49-F238E27FC236}">
-                <a16:creationId xmlns:a16="http://schemas.microsoft.com/office/drawing/2014/main" id="{938573D6-36CC-025B-307F-7BBF4557B421}"/>
-              </a:ext>
-            </a:extLst>
-          </p:cNvPr>
-          <p:cNvSpPr txBox="1"/>
-          <p:nvPr/>
-        </p:nvSpPr>
-        <p:spPr>
-          <a:xfrm>
-            <a:off x="4660583" y="2276475"/>
-            <a:ext cx="878229" cy="369332"/>
-          </a:xfrm>
-          <a:prstGeom prst="rect">
-            <a:avLst/>
-          </a:prstGeom>
-          <a:noFill/>
-        </p:spPr>
-        <p:txBody>
-          <a:bodyPr wrap="square" rtlCol="0">
-            <a:spAutoFit/>
-          </a:bodyPr>
-          <a:lstStyle/>
-          <a:p>
-            <a:r>
-              <a:rPr lang="en-US" b="1" dirty="0">
-                <a:solidFill>
-                  <a:srgbClr val="002060"/>
-                </a:solidFill>
-              </a:rPr>
-              <a:t>WRITE</a:t>
-            </a:r>
-          </a:p>
-        </p:txBody>
-      </p:sp>
-      <p:cxnSp>
-        <p:nvCxnSpPr>
-          <p:cNvPr id="16" name="Straight Arrow Connector 15">
-            <a:extLst>
-              <a:ext uri="{FF2B5EF4-FFF2-40B4-BE49-F238E27FC236}">
-                <a16:creationId xmlns:a16="http://schemas.microsoft.com/office/drawing/2014/main" id="{B997A696-9785-A7C5-43BA-1B5B4BBC8CF6}"/>
-              </a:ext>
-            </a:extLst>
-          </p:cNvPr>
-          <p:cNvCxnSpPr/>
-          <p:nvPr/>
-        </p:nvCxnSpPr>
-        <p:spPr>
-          <a:xfrm flipH="1">
-            <a:off x="4224759" y="2461141"/>
-            <a:ext cx="435824" cy="0"/>
-          </a:xfrm>
-          <a:prstGeom prst="straightConnector1">
-            <a:avLst/>
-          </a:prstGeom>
-          <a:ln w="76200">
-            <a:solidFill>
-              <a:srgbClr val="002060"/>
-            </a:solidFill>
-            <a:tailEnd type="triangle"/>
-          </a:ln>
-        </p:spPr>
-        <p:style>
-          <a:lnRef idx="1">
-            <a:schemeClr val="accent1"/>
-          </a:lnRef>
-          <a:fillRef idx="0">
-            <a:schemeClr val="accent1"/>
-          </a:fillRef>
-          <a:effectRef idx="0">
-            <a:schemeClr val="accent1"/>
-          </a:effectRef>
-          <a:fontRef idx="minor">
-            <a:schemeClr val="tx1"/>
-          </a:fontRef>
-        </p:style>
-      </p:cxnSp>
     </p:spTree>
     <p:extLst>
       <p:ext uri="{BB962C8B-B14F-4D97-AF65-F5344CB8AC3E}">
@@ -24463,7 +25557,7 @@
                             </p:stCondLst>
                             <p:childTnLst>
                               <p:par>
-                                <p:cTn id="31" presetID="10" presetClass="entr" presetSubtype="0" fill="hold" grpId="0" nodeType="clickEffect">
+                                <p:cTn id="31" presetID="10" presetClass="entr" presetSubtype="0" fill="hold" nodeType="clickEffect">
                                   <p:stCondLst>
                                     <p:cond delay="0"/>
                                   </p:stCondLst>
@@ -24476,7 +25570,11 @@
                                           </p:stCondLst>
                                         </p:cTn>
                                         <p:tgtEl>
-                                          <p:spTgt spid="9"/>
+                                          <p:spTgt spid="6">
+                                            <p:txEl>
+                                              <p:pRg st="9" end="9"/>
+                                            </p:txEl>
+                                          </p:spTgt>
                                         </p:tgtEl>
                                         <p:attrNameLst>
                                           <p:attrName>style.visibility</p:attrName>
@@ -24490,7 +25588,11 @@
                                       <p:cBhvr>
                                         <p:cTn id="33" dur="500"/>
                                         <p:tgtEl>
-                                          <p:spTgt spid="9"/>
+                                          <p:spTgt spid="6">
+                                            <p:txEl>
+                                              <p:pRg st="9" end="9"/>
+                                            </p:txEl>
+                                          </p:spTgt>
                                         </p:tgtEl>
                                       </p:cBhvr>
                                     </p:animEffect>
@@ -24498,7 +25600,7 @@
                                 </p:cTn>
                               </p:par>
                               <p:par>
-                                <p:cTn id="34" presetID="10" presetClass="entr" presetSubtype="0" fill="hold" grpId="0" nodeType="withEffect">
+                                <p:cTn id="34" presetID="10" presetClass="entr" presetSubtype="0" fill="hold" nodeType="withEffect">
                                   <p:stCondLst>
                                     <p:cond delay="0"/>
                                   </p:stCondLst>
@@ -24511,7 +25613,11 @@
                                           </p:stCondLst>
                                         </p:cTn>
                                         <p:tgtEl>
-                                          <p:spTgt spid="11"/>
+                                          <p:spTgt spid="6">
+                                            <p:txEl>
+                                              <p:pRg st="13" end="13"/>
+                                            </p:txEl>
+                                          </p:spTgt>
                                         </p:tgtEl>
                                         <p:attrNameLst>
                                           <p:attrName>style.visibility</p:attrName>
@@ -24525,42 +25631,11 @@
                                       <p:cBhvr>
                                         <p:cTn id="36" dur="500"/>
                                         <p:tgtEl>
-                                          <p:spTgt spid="11"/>
-                                        </p:tgtEl>
-                                      </p:cBhvr>
-                                    </p:animEffect>
-                                  </p:childTnLst>
-                                </p:cTn>
-                              </p:par>
-                              <p:par>
-                                <p:cTn id="37" presetID="10" presetClass="entr" presetSubtype="0" fill="hold" grpId="0" nodeType="withEffect">
-                                  <p:stCondLst>
-                                    <p:cond delay="0"/>
-                                  </p:stCondLst>
-                                  <p:childTnLst>
-                                    <p:set>
-                                      <p:cBhvr>
-                                        <p:cTn id="38" dur="1" fill="hold">
-                                          <p:stCondLst>
-                                            <p:cond delay="0"/>
-                                          </p:stCondLst>
-                                        </p:cTn>
-                                        <p:tgtEl>
-                                          <p:spTgt spid="12"/>
-                                        </p:tgtEl>
-                                        <p:attrNameLst>
-                                          <p:attrName>style.visibility</p:attrName>
-                                        </p:attrNameLst>
-                                      </p:cBhvr>
-                                      <p:to>
-                                        <p:strVal val="visible"/>
-                                      </p:to>
-                                    </p:set>
-                                    <p:animEffect transition="in" filter="fade">
-                                      <p:cBhvr>
-                                        <p:cTn id="39" dur="500"/>
-                                        <p:tgtEl>
-                                          <p:spTgt spid="12"/>
+                                          <p:spTgt spid="6">
+                                            <p:txEl>
+                                              <p:pRg st="13" end="13"/>
+                                            </p:txEl>
+                                          </p:spTgt>
                                         </p:tgtEl>
                                       </p:cBhvr>
                                     </p:animEffect>
@@ -24574,19 +25649,62 @@
                     </p:cTn>
                   </p:par>
                   <p:par>
-                    <p:cTn id="40" fill="hold">
+                    <p:cTn id="37" fill="hold">
                       <p:stCondLst>
                         <p:cond delay="indefinite"/>
                       </p:stCondLst>
                       <p:childTnLst>
                         <p:par>
-                          <p:cTn id="41" fill="hold">
+                          <p:cTn id="38" fill="hold">
                             <p:stCondLst>
                               <p:cond delay="0"/>
                             </p:stCondLst>
                             <p:childTnLst>
                               <p:par>
-                                <p:cTn id="42" presetID="10" presetClass="entr" presetSubtype="0" fill="hold" grpId="0" nodeType="clickEffect">
+                                <p:cTn id="39" presetID="10" presetClass="entr" presetSubtype="0" fill="hold" nodeType="clickEffect">
+                                  <p:stCondLst>
+                                    <p:cond delay="0"/>
+                                  </p:stCondLst>
+                                  <p:childTnLst>
+                                    <p:set>
+                                      <p:cBhvr>
+                                        <p:cTn id="40" dur="1" fill="hold">
+                                          <p:stCondLst>
+                                            <p:cond delay="0"/>
+                                          </p:stCondLst>
+                                        </p:cTn>
+                                        <p:tgtEl>
+                                          <p:spTgt spid="6">
+                                            <p:txEl>
+                                              <p:pRg st="10" end="10"/>
+                                            </p:txEl>
+                                          </p:spTgt>
+                                        </p:tgtEl>
+                                        <p:attrNameLst>
+                                          <p:attrName>style.visibility</p:attrName>
+                                        </p:attrNameLst>
+                                      </p:cBhvr>
+                                      <p:to>
+                                        <p:strVal val="visible"/>
+                                      </p:to>
+                                    </p:set>
+                                    <p:animEffect transition="in" filter="fade">
+                                      <p:cBhvr>
+                                        <p:cTn id="41" dur="500"/>
+                                        <p:tgtEl>
+                                          <p:spTgt spid="6">
+                                            <p:txEl>
+                                              <p:pRg st="10" end="10"/>
+                                            </p:txEl>
+                                          </p:spTgt>
+                                        </p:tgtEl>
+                                      </p:cBhvr>
+                                    </p:animEffect>
+                                  </p:childTnLst>
+                                </p:cTn>
+                              </p:par>
+                              <p:par>
+                                <p:cTn id="42" presetID="10" presetClass="entr" presetSubtype="0" fill="hold" nodeType="withEffect">
                                   <p:stCondLst>
                                     <p:cond delay="0"/>
                                   </p:stCondLst>
@@ -24599,7 +25717,11 @@
                                           </p:stCondLst>
                                         </p:cTn>
                                         <p:tgtEl>
-                                          <p:spTgt spid="13"/>
+                                          <p:spTgt spid="6">
+                                            <p:txEl>
+                                              <p:pRg st="11" end="11"/>
+                                            </p:txEl>
+                                          </p:spTgt>
                                         </p:tgtEl>
                                         <p:attrNameLst>
                                           <p:attrName>style.visibility</p:attrName>
@@ -24613,7 +25735,11 @@
                                       <p:cBhvr>
                                         <p:cTn id="44" dur="500"/>
                                         <p:tgtEl>
-                                          <p:spTgt spid="13"/>
+                                          <p:spTgt spid="6">
+                                            <p:txEl>
+                                              <p:pRg st="11" end="11"/>
+                                            </p:txEl>
+                                          </p:spTgt>
                                         </p:tgtEl>
                                       </p:cBhvr>
                                     </p:animEffect>
@@ -24621,7 +25747,7 @@
                                 </p:cTn>
                               </p:par>
                               <p:par>
-                                <p:cTn id="45" presetID="10" presetClass="entr" presetSubtype="0" fill="hold" grpId="0" nodeType="withEffect">
+                                <p:cTn id="45" presetID="10" presetClass="entr" presetSubtype="0" fill="hold" nodeType="withEffect">
                                   <p:stCondLst>
                                     <p:cond delay="0"/>
                                   </p:stCondLst>
@@ -24634,7 +25760,11 @@
                                           </p:stCondLst>
                                         </p:cTn>
                                         <p:tgtEl>
-                                          <p:spTgt spid="10"/>
+                                          <p:spTgt spid="6">
+                                            <p:txEl>
+                                              <p:pRg st="12" end="12"/>
+                                            </p:txEl>
+                                          </p:spTgt>
                                         </p:tgtEl>
                                         <p:attrNameLst>
                                           <p:attrName>style.visibility</p:attrName>
@@ -24648,7 +25778,11 @@
                                       <p:cBhvr>
                                         <p:cTn id="47" dur="500"/>
                                         <p:tgtEl>
-                                          <p:spTgt spid="10"/>
+                                          <p:spTgt spid="6">
+                                            <p:txEl>
+                                              <p:pRg st="12" end="12"/>
+                                            </p:txEl>
+                                          </p:spTgt>
                                         </p:tgtEl>
                                       </p:cBhvr>
                                     </p:animEffect>
@@ -24674,7 +25808,7 @@
                             </p:stCondLst>
                             <p:childTnLst>
                               <p:par>
-                                <p:cTn id="50" presetID="10" presetClass="entr" presetSubtype="0" fill="hold" grpId="0" nodeType="clickEffect">
+                                <p:cTn id="50" presetID="10" presetClass="entr" presetSubtype="0" fill="hold" nodeType="clickEffect">
                                   <p:stCondLst>
                                     <p:cond delay="0"/>
                                   </p:stCondLst>
@@ -24687,7 +25821,11 @@
                                           </p:stCondLst>
                                         </p:cTn>
                                         <p:tgtEl>
-                                          <p:spTgt spid="14"/>
+                                          <p:spTgt spid="6">
+                                            <p:txEl>
+                                              <p:pRg st="15" end="15"/>
+                                            </p:txEl>
+                                          </p:spTgt>
                                         </p:tgtEl>
                                         <p:attrNameLst>
                                           <p:attrName>style.visibility</p:attrName>
@@ -24701,7 +25839,11 @@
                                       <p:cBhvr>
                                         <p:cTn id="52" dur="500"/>
                                         <p:tgtEl>
-                                          <p:spTgt spid="14"/>
+                                          <p:spTgt spid="6">
+                                            <p:txEl>
+                                              <p:pRg st="15" end="15"/>
+                                            </p:txEl>
+                                          </p:spTgt>
                                         </p:tgtEl>
                                       </p:cBhvr>
                                     </p:animEffect>
@@ -24722,7 +25864,11 @@
                                           </p:stCondLst>
                                         </p:cTn>
                                         <p:tgtEl>
-                                          <p:spTgt spid="16"/>
+                                          <p:spTgt spid="6">
+                                            <p:txEl>
+                                              <p:pRg st="16" end="16"/>
+                                            </p:txEl>
+                                          </p:spTgt>
                                         </p:tgtEl>
                                         <p:attrNameLst>
                                           <p:attrName>style.visibility</p:attrName>
@@ -24736,7 +25882,11 @@
                                       <p:cBhvr>
                                         <p:cTn id="55" dur="500"/>
                                         <p:tgtEl>
-                                          <p:spTgt spid="16"/>
+                                          <p:spTgt spid="6">
+                                            <p:txEl>
+                                              <p:pRg st="16" end="16"/>
+                                            </p:txEl>
+                                          </p:spTgt>
                                         </p:tgtEl>
                                       </p:cBhvr>
                                     </p:animEffect>
@@ -24777,7 +25927,7 @@
                                         <p:tgtEl>
                                           <p:spTgt spid="6">
                                             <p:txEl>
-                                              <p:pRg st="9" end="9"/>
+                                              <p:pRg st="17" end="17"/>
                                             </p:txEl>
                                           </p:spTgt>
                                         </p:tgtEl>
@@ -24795,7 +25945,7 @@
                                         <p:tgtEl>
                                           <p:spTgt spid="6">
                                             <p:txEl>
-                                              <p:pRg st="9" end="9"/>
+                                              <p:pRg st="17" end="17"/>
                                             </p:txEl>
                                           </p:spTgt>
                                         </p:tgtEl>
@@ -24820,7 +25970,7 @@
                                         <p:tgtEl>
                                           <p:spTgt spid="6">
                                             <p:txEl>
-                                              <p:pRg st="13" end="13"/>
+                                              <p:pRg st="18" end="18"/>
                                             </p:txEl>
                                           </p:spTgt>
                                         </p:tgtEl>
@@ -24835,361 +25985,6 @@
                                     <p:animEffect transition="in" filter="fade">
                                       <p:cBhvr>
                                         <p:cTn id="63" dur="500"/>
-                                        <p:tgtEl>
-                                          <p:spTgt spid="6">
-                                            <p:txEl>
-                                              <p:pRg st="13" end="13"/>
-                                            </p:txEl>
-                                          </p:spTgt>
-                                        </p:tgtEl>
-                                      </p:cBhvr>
-                                    </p:animEffect>
-                                  </p:childTnLst>
-                                </p:cTn>
-                              </p:par>
-                            </p:childTnLst>
-                          </p:cTn>
-                        </p:par>
-                      </p:childTnLst>
-                    </p:cTn>
-                  </p:par>
-                  <p:par>
-                    <p:cTn id="64" fill="hold">
-                      <p:stCondLst>
-                        <p:cond delay="indefinite"/>
-                      </p:stCondLst>
-                      <p:childTnLst>
-                        <p:par>
-                          <p:cTn id="65" fill="hold">
-                            <p:stCondLst>
-                              <p:cond delay="0"/>
-                            </p:stCondLst>
-                            <p:childTnLst>
-                              <p:par>
-                                <p:cTn id="66" presetID="10" presetClass="entr" presetSubtype="0" fill="hold" nodeType="clickEffect">
-                                  <p:stCondLst>
-                                    <p:cond delay="0"/>
-                                  </p:stCondLst>
-                                  <p:childTnLst>
-                                    <p:set>
-                                      <p:cBhvr>
-                                        <p:cTn id="67" dur="1" fill="hold">
-                                          <p:stCondLst>
-                                            <p:cond delay="0"/>
-                                          </p:stCondLst>
-                                        </p:cTn>
-                                        <p:tgtEl>
-                                          <p:spTgt spid="6">
-                                            <p:txEl>
-                                              <p:pRg st="10" end="10"/>
-                                            </p:txEl>
-                                          </p:spTgt>
-                                        </p:tgtEl>
-                                        <p:attrNameLst>
-                                          <p:attrName>style.visibility</p:attrName>
-                                        </p:attrNameLst>
-                                      </p:cBhvr>
-                                      <p:to>
-                                        <p:strVal val="visible"/>
-                                      </p:to>
-                                    </p:set>
-                                    <p:animEffect transition="in" filter="fade">
-                                      <p:cBhvr>
-                                        <p:cTn id="68" dur="500"/>
-                                        <p:tgtEl>
-                                          <p:spTgt spid="6">
-                                            <p:txEl>
-                                              <p:pRg st="10" end="10"/>
-                                            </p:txEl>
-                                          </p:spTgt>
-                                        </p:tgtEl>
-                                      </p:cBhvr>
-                                    </p:animEffect>
-                                  </p:childTnLst>
-                                </p:cTn>
-                              </p:par>
-                              <p:par>
-                                <p:cTn id="69" presetID="10" presetClass="entr" presetSubtype="0" fill="hold" nodeType="withEffect">
-                                  <p:stCondLst>
-                                    <p:cond delay="0"/>
-                                  </p:stCondLst>
-                                  <p:childTnLst>
-                                    <p:set>
-                                      <p:cBhvr>
-                                        <p:cTn id="70" dur="1" fill="hold">
-                                          <p:stCondLst>
-                                            <p:cond delay="0"/>
-                                          </p:stCondLst>
-                                        </p:cTn>
-                                        <p:tgtEl>
-                                          <p:spTgt spid="6">
-                                            <p:txEl>
-                                              <p:pRg st="11" end="11"/>
-                                            </p:txEl>
-                                          </p:spTgt>
-                                        </p:tgtEl>
-                                        <p:attrNameLst>
-                                          <p:attrName>style.visibility</p:attrName>
-                                        </p:attrNameLst>
-                                      </p:cBhvr>
-                                      <p:to>
-                                        <p:strVal val="visible"/>
-                                      </p:to>
-                                    </p:set>
-                                    <p:animEffect transition="in" filter="fade">
-                                      <p:cBhvr>
-                                        <p:cTn id="71" dur="500"/>
-                                        <p:tgtEl>
-                                          <p:spTgt spid="6">
-                                            <p:txEl>
-                                              <p:pRg st="11" end="11"/>
-                                            </p:txEl>
-                                          </p:spTgt>
-                                        </p:tgtEl>
-                                      </p:cBhvr>
-                                    </p:animEffect>
-                                  </p:childTnLst>
-                                </p:cTn>
-                              </p:par>
-                              <p:par>
-                                <p:cTn id="72" presetID="10" presetClass="entr" presetSubtype="0" fill="hold" nodeType="withEffect">
-                                  <p:stCondLst>
-                                    <p:cond delay="0"/>
-                                  </p:stCondLst>
-                                  <p:childTnLst>
-                                    <p:set>
-                                      <p:cBhvr>
-                                        <p:cTn id="73" dur="1" fill="hold">
-                                          <p:stCondLst>
-                                            <p:cond delay="0"/>
-                                          </p:stCondLst>
-                                        </p:cTn>
-                                        <p:tgtEl>
-                                          <p:spTgt spid="6">
-                                            <p:txEl>
-                                              <p:pRg st="12" end="12"/>
-                                            </p:txEl>
-                                          </p:spTgt>
-                                        </p:tgtEl>
-                                        <p:attrNameLst>
-                                          <p:attrName>style.visibility</p:attrName>
-                                        </p:attrNameLst>
-                                      </p:cBhvr>
-                                      <p:to>
-                                        <p:strVal val="visible"/>
-                                      </p:to>
-                                    </p:set>
-                                    <p:animEffect transition="in" filter="fade">
-                                      <p:cBhvr>
-                                        <p:cTn id="74" dur="500"/>
-                                        <p:tgtEl>
-                                          <p:spTgt spid="6">
-                                            <p:txEl>
-                                              <p:pRg st="12" end="12"/>
-                                            </p:txEl>
-                                          </p:spTgt>
-                                        </p:tgtEl>
-                                      </p:cBhvr>
-                                    </p:animEffect>
-                                  </p:childTnLst>
-                                </p:cTn>
-                              </p:par>
-                            </p:childTnLst>
-                          </p:cTn>
-                        </p:par>
-                      </p:childTnLst>
-                    </p:cTn>
-                  </p:par>
-                  <p:par>
-                    <p:cTn id="75" fill="hold">
-                      <p:stCondLst>
-                        <p:cond delay="indefinite"/>
-                      </p:stCondLst>
-                      <p:childTnLst>
-                        <p:par>
-                          <p:cTn id="76" fill="hold">
-                            <p:stCondLst>
-                              <p:cond delay="0"/>
-                            </p:stCondLst>
-                            <p:childTnLst>
-                              <p:par>
-                                <p:cTn id="77" presetID="10" presetClass="entr" presetSubtype="0" fill="hold" nodeType="clickEffect">
-                                  <p:stCondLst>
-                                    <p:cond delay="0"/>
-                                  </p:stCondLst>
-                                  <p:childTnLst>
-                                    <p:set>
-                                      <p:cBhvr>
-                                        <p:cTn id="78" dur="1" fill="hold">
-                                          <p:stCondLst>
-                                            <p:cond delay="0"/>
-                                          </p:stCondLst>
-                                        </p:cTn>
-                                        <p:tgtEl>
-                                          <p:spTgt spid="6">
-                                            <p:txEl>
-                                              <p:pRg st="15" end="15"/>
-                                            </p:txEl>
-                                          </p:spTgt>
-                                        </p:tgtEl>
-                                        <p:attrNameLst>
-                                          <p:attrName>style.visibility</p:attrName>
-                                        </p:attrNameLst>
-                                      </p:cBhvr>
-                                      <p:to>
-                                        <p:strVal val="visible"/>
-                                      </p:to>
-                                    </p:set>
-                                    <p:animEffect transition="in" filter="fade">
-                                      <p:cBhvr>
-                                        <p:cTn id="79" dur="500"/>
-                                        <p:tgtEl>
-                                          <p:spTgt spid="6">
-                                            <p:txEl>
-                                              <p:pRg st="15" end="15"/>
-                                            </p:txEl>
-                                          </p:spTgt>
-                                        </p:tgtEl>
-                                      </p:cBhvr>
-                                    </p:animEffect>
-                                  </p:childTnLst>
-                                </p:cTn>
-                              </p:par>
-                              <p:par>
-                                <p:cTn id="80" presetID="10" presetClass="entr" presetSubtype="0" fill="hold" nodeType="withEffect">
-                                  <p:stCondLst>
-                                    <p:cond delay="0"/>
-                                  </p:stCondLst>
-                                  <p:childTnLst>
-                                    <p:set>
-                                      <p:cBhvr>
-                                        <p:cTn id="81" dur="1" fill="hold">
-                                          <p:stCondLst>
-                                            <p:cond delay="0"/>
-                                          </p:stCondLst>
-                                        </p:cTn>
-                                        <p:tgtEl>
-                                          <p:spTgt spid="6">
-                                            <p:txEl>
-                                              <p:pRg st="16" end="16"/>
-                                            </p:txEl>
-                                          </p:spTgt>
-                                        </p:tgtEl>
-                                        <p:attrNameLst>
-                                          <p:attrName>style.visibility</p:attrName>
-                                        </p:attrNameLst>
-                                      </p:cBhvr>
-                                      <p:to>
-                                        <p:strVal val="visible"/>
-                                      </p:to>
-                                    </p:set>
-                                    <p:animEffect transition="in" filter="fade">
-                                      <p:cBhvr>
-                                        <p:cTn id="82" dur="500"/>
-                                        <p:tgtEl>
-                                          <p:spTgt spid="6">
-                                            <p:txEl>
-                                              <p:pRg st="16" end="16"/>
-                                            </p:txEl>
-                                          </p:spTgt>
-                                        </p:tgtEl>
-                                      </p:cBhvr>
-                                    </p:animEffect>
-                                  </p:childTnLst>
-                                </p:cTn>
-                              </p:par>
-                            </p:childTnLst>
-                          </p:cTn>
-                        </p:par>
-                      </p:childTnLst>
-                    </p:cTn>
-                  </p:par>
-                  <p:par>
-                    <p:cTn id="83" fill="hold">
-                      <p:stCondLst>
-                        <p:cond delay="indefinite"/>
-                      </p:stCondLst>
-                      <p:childTnLst>
-                        <p:par>
-                          <p:cTn id="84" fill="hold">
-                            <p:stCondLst>
-                              <p:cond delay="0"/>
-                            </p:stCondLst>
-                            <p:childTnLst>
-                              <p:par>
-                                <p:cTn id="85" presetID="10" presetClass="entr" presetSubtype="0" fill="hold" nodeType="clickEffect">
-                                  <p:stCondLst>
-                                    <p:cond delay="0"/>
-                                  </p:stCondLst>
-                                  <p:childTnLst>
-                                    <p:set>
-                                      <p:cBhvr>
-                                        <p:cTn id="86" dur="1" fill="hold">
-                                          <p:stCondLst>
-                                            <p:cond delay="0"/>
-                                          </p:stCondLst>
-                                        </p:cTn>
-                                        <p:tgtEl>
-                                          <p:spTgt spid="6">
-                                            <p:txEl>
-                                              <p:pRg st="17" end="17"/>
-                                            </p:txEl>
-                                          </p:spTgt>
-                                        </p:tgtEl>
-                                        <p:attrNameLst>
-                                          <p:attrName>style.visibility</p:attrName>
-                                        </p:attrNameLst>
-                                      </p:cBhvr>
-                                      <p:to>
-                                        <p:strVal val="visible"/>
-                                      </p:to>
-                                    </p:set>
-                                    <p:animEffect transition="in" filter="fade">
-                                      <p:cBhvr>
-                                        <p:cTn id="87" dur="500"/>
-                                        <p:tgtEl>
-                                          <p:spTgt spid="6">
-                                            <p:txEl>
-                                              <p:pRg st="17" end="17"/>
-                                            </p:txEl>
-                                          </p:spTgt>
-                                        </p:tgtEl>
-                                      </p:cBhvr>
-                                    </p:animEffect>
-                                  </p:childTnLst>
-                                </p:cTn>
-                              </p:par>
-                              <p:par>
-                                <p:cTn id="88" presetID="10" presetClass="entr" presetSubtype="0" fill="hold" nodeType="withEffect">
-                                  <p:stCondLst>
-                                    <p:cond delay="0"/>
-                                  </p:stCondLst>
-                                  <p:childTnLst>
-                                    <p:set>
-                                      <p:cBhvr>
-                                        <p:cTn id="89" dur="1" fill="hold">
-                                          <p:stCondLst>
-                                            <p:cond delay="0"/>
-                                          </p:stCondLst>
-                                        </p:cTn>
-                                        <p:tgtEl>
-                                          <p:spTgt spid="6">
-                                            <p:txEl>
-                                              <p:pRg st="18" end="18"/>
-                                            </p:txEl>
-                                          </p:spTgt>
-                                        </p:tgtEl>
-                                        <p:attrNameLst>
-                                          <p:attrName>style.visibility</p:attrName>
-                                        </p:attrNameLst>
-                                      </p:cBhvr>
-                                      <p:to>
-                                        <p:strVal val="visible"/>
-                                      </p:to>
-                                    </p:set>
-                                    <p:animEffect transition="in" filter="fade">
-                                      <p:cBhvr>
-                                        <p:cTn id="90" dur="500"/>
                                         <p:tgtEl>
                                           <p:spTgt spid="6">
                                             <p:txEl>
@@ -25229,14 +26024,6 @@
         </p:cTn>
       </p:par>
     </p:tnLst>
-    <p:bldLst>
-      <p:bldP spid="9" grpId="0"/>
-      <p:bldP spid="10" grpId="0"/>
-      <p:bldP spid="11" grpId="0" animBg="1"/>
-      <p:bldP spid="12" grpId="0" animBg="1"/>
-      <p:bldP spid="13" grpId="0" animBg="1"/>
-      <p:bldP spid="14" grpId="0"/>
-    </p:bldLst>
   </p:timing>
 </p:sld>
 </file>
